--- a/doc/MForwardWithCache说明.pptx
+++ b/doc/MForwardWithCache说明.pptx
@@ -2,22 +2,25 @@
 <file path=ppt/presentation.xml><?xml version="1.0" encoding="utf-8"?>
 <p:presentation xmlns:a="http://schemas.openxmlformats.org/drawingml/2006/main" xmlns:r="http://schemas.openxmlformats.org/officeDocument/2006/relationships" xmlns:p="http://schemas.openxmlformats.org/presentationml/2006/main" saveSubsetFonts="1">
   <p:sldMasterIdLst>
-    <p:sldMasterId id="2147483648" r:id="rId1"/>
+    <p:sldMasterId id="2147483714" r:id="rId1"/>
   </p:sldMasterIdLst>
   <p:sldIdLst>
     <p:sldId id="256" r:id="rId2"/>
     <p:sldId id="257" r:id="rId3"/>
-    <p:sldId id="258" r:id="rId4"/>
-    <p:sldId id="259" r:id="rId5"/>
-    <p:sldId id="260" r:id="rId6"/>
+    <p:sldId id="259" r:id="rId4"/>
+    <p:sldId id="258" r:id="rId5"/>
+    <p:sldId id="261" r:id="rId6"/>
+    <p:sldId id="260" r:id="rId7"/>
+    <p:sldId id="262" r:id="rId8"/>
+    <p:sldId id="264" r:id="rId9"/>
   </p:sldIdLst>
   <p:sldSz cx="12192000" cy="6858000"/>
   <p:notesSz cx="6858000" cy="9144000"/>
   <p:defaultTextStyle>
     <a:defPPr>
-      <a:defRPr lang="zh-CN"/>
+      <a:defRPr lang="en-US"/>
     </a:defPPr>
-    <a:lvl1pPr marL="0" algn="l" defTabSz="914400" rtl="0" eaLnBrk="1" latinLnBrk="0" hangingPunct="1">
+    <a:lvl1pPr marL="0" algn="l" defTabSz="457200" rtl="0" eaLnBrk="1" latinLnBrk="0" hangingPunct="1">
       <a:defRPr sz="1800" kern="1200">
         <a:solidFill>
           <a:schemeClr val="tx1"/>
@@ -27,7 +30,7 @@
         <a:cs typeface="+mn-cs"/>
       </a:defRPr>
     </a:lvl1pPr>
-    <a:lvl2pPr marL="457200" algn="l" defTabSz="914400" rtl="0" eaLnBrk="1" latinLnBrk="0" hangingPunct="1">
+    <a:lvl2pPr marL="457200" algn="l" defTabSz="457200" rtl="0" eaLnBrk="1" latinLnBrk="0" hangingPunct="1">
       <a:defRPr sz="1800" kern="1200">
         <a:solidFill>
           <a:schemeClr val="tx1"/>
@@ -37,7 +40,7 @@
         <a:cs typeface="+mn-cs"/>
       </a:defRPr>
     </a:lvl2pPr>
-    <a:lvl3pPr marL="914400" algn="l" defTabSz="914400" rtl="0" eaLnBrk="1" latinLnBrk="0" hangingPunct="1">
+    <a:lvl3pPr marL="914400" algn="l" defTabSz="457200" rtl="0" eaLnBrk="1" latinLnBrk="0" hangingPunct="1">
       <a:defRPr sz="1800" kern="1200">
         <a:solidFill>
           <a:schemeClr val="tx1"/>
@@ -47,7 +50,7 @@
         <a:cs typeface="+mn-cs"/>
       </a:defRPr>
     </a:lvl3pPr>
-    <a:lvl4pPr marL="1371600" algn="l" defTabSz="914400" rtl="0" eaLnBrk="1" latinLnBrk="0" hangingPunct="1">
+    <a:lvl4pPr marL="1371600" algn="l" defTabSz="457200" rtl="0" eaLnBrk="1" latinLnBrk="0" hangingPunct="1">
       <a:defRPr sz="1800" kern="1200">
         <a:solidFill>
           <a:schemeClr val="tx1"/>
@@ -57,7 +60,7 @@
         <a:cs typeface="+mn-cs"/>
       </a:defRPr>
     </a:lvl4pPr>
-    <a:lvl5pPr marL="1828800" algn="l" defTabSz="914400" rtl="0" eaLnBrk="1" latinLnBrk="0" hangingPunct="1">
+    <a:lvl5pPr marL="1828800" algn="l" defTabSz="457200" rtl="0" eaLnBrk="1" latinLnBrk="0" hangingPunct="1">
       <a:defRPr sz="1800" kern="1200">
         <a:solidFill>
           <a:schemeClr val="tx1"/>
@@ -67,7 +70,7 @@
         <a:cs typeface="+mn-cs"/>
       </a:defRPr>
     </a:lvl5pPr>
-    <a:lvl6pPr marL="2286000" algn="l" defTabSz="914400" rtl="0" eaLnBrk="1" latinLnBrk="0" hangingPunct="1">
+    <a:lvl6pPr marL="2286000" algn="l" defTabSz="457200" rtl="0" eaLnBrk="1" latinLnBrk="0" hangingPunct="1">
       <a:defRPr sz="1800" kern="1200">
         <a:solidFill>
           <a:schemeClr val="tx1"/>
@@ -77,7 +80,7 @@
         <a:cs typeface="+mn-cs"/>
       </a:defRPr>
     </a:lvl6pPr>
-    <a:lvl7pPr marL="2743200" algn="l" defTabSz="914400" rtl="0" eaLnBrk="1" latinLnBrk="0" hangingPunct="1">
+    <a:lvl7pPr marL="2743200" algn="l" defTabSz="457200" rtl="0" eaLnBrk="1" latinLnBrk="0" hangingPunct="1">
       <a:defRPr sz="1800" kern="1200">
         <a:solidFill>
           <a:schemeClr val="tx1"/>
@@ -87,7 +90,7 @@
         <a:cs typeface="+mn-cs"/>
       </a:defRPr>
     </a:lvl7pPr>
-    <a:lvl8pPr marL="3200400" algn="l" defTabSz="914400" rtl="0" eaLnBrk="1" latinLnBrk="0" hangingPunct="1">
+    <a:lvl8pPr marL="3200400" algn="l" defTabSz="457200" rtl="0" eaLnBrk="1" latinLnBrk="0" hangingPunct="1">
       <a:defRPr sz="1800" kern="1200">
         <a:solidFill>
           <a:schemeClr val="tx1"/>
@@ -97,7 +100,7 @@
         <a:cs typeface="+mn-cs"/>
       </a:defRPr>
     </a:lvl8pPr>
-    <a:lvl9pPr marL="3657600" algn="l" defTabSz="914400" rtl="0" eaLnBrk="1" latinLnBrk="0" hangingPunct="1">
+    <a:lvl9pPr marL="3657600" algn="l" defTabSz="457200" rtl="0" eaLnBrk="1" latinLnBrk="0" hangingPunct="1">
       <a:defRPr sz="1800" kern="1200">
         <a:solidFill>
           <a:schemeClr val="tx1"/>
@@ -108,6 +111,11 @@
       </a:defRPr>
     </a:lvl9pPr>
   </p:defaultTextStyle>
+  <p:extLst>
+    <p:ext uri="{EFAFB233-063F-42B5-8137-9DF3F51BA10A}">
+      <p15:sldGuideLst xmlns:p15="http://schemas.microsoft.com/office/powerpoint/2012/main"/>
+    </p:ext>
+  </p:extLst>
 </p:presentation>
 </file>
 
@@ -128,15 +136,148 @@
           <a:chExt cx="0" cy="0"/>
         </a:xfrm>
       </p:grpSpPr>
-      <p:sp>
-        <p:nvSpPr>
-          <p:cNvPr id="2" name="标题 1">
+      <p:pic>
+        <p:nvPicPr>
+          <p:cNvPr id="7" name="Picture 6" descr="HD-ShadowLong.png"/>
+          <p:cNvPicPr>
+            <a:picLocks noChangeAspect="1"/>
+          </p:cNvPicPr>
+          <p:nvPr/>
+        </p:nvPicPr>
+        <p:blipFill>
+          <a:blip r:embed="rId2">
             <a:extLst>
-              <a:ext uri="{FF2B5EF4-FFF2-40B4-BE49-F238E27FC236}">
-                <a16:creationId xmlns:a16="http://schemas.microsoft.com/office/drawing/2014/main" id="{C03A4899-5F16-438B-9EDD-CEC8B7F074F6}"/>
+              <a:ext uri="{28A0092B-C50C-407E-A947-70E740481C1C}">
+                <a14:useLocalDpi xmlns:a14="http://schemas.microsoft.com/office/drawing/2010/main" val="0"/>
               </a:ext>
             </a:extLst>
-          </p:cNvPr>
+          </a:blip>
+          <a:stretch>
+            <a:fillRect/>
+          </a:stretch>
+        </p:blipFill>
+        <p:spPr>
+          <a:xfrm>
+            <a:off x="1" y="4242851"/>
+            <a:ext cx="8968084" cy="275942"/>
+          </a:xfrm>
+          <a:prstGeom prst="rect">
+            <a:avLst/>
+          </a:prstGeom>
+        </p:spPr>
+      </p:pic>
+      <p:pic>
+        <p:nvPicPr>
+          <p:cNvPr id="8" name="Picture 7" descr="HD-ShadowShort.png"/>
+          <p:cNvPicPr>
+            <a:picLocks noChangeAspect="1"/>
+          </p:cNvPicPr>
+          <p:nvPr/>
+        </p:nvPicPr>
+        <p:blipFill>
+          <a:blip r:embed="rId3">
+            <a:extLst>
+              <a:ext uri="{28A0092B-C50C-407E-A947-70E740481C1C}">
+                <a14:useLocalDpi xmlns:a14="http://schemas.microsoft.com/office/drawing/2010/main" val="0"/>
+              </a:ext>
+            </a:extLst>
+          </a:blip>
+          <a:stretch>
+            <a:fillRect/>
+          </a:stretch>
+        </p:blipFill>
+        <p:spPr>
+          <a:xfrm>
+            <a:off x="9111716" y="4243845"/>
+            <a:ext cx="3077108" cy="276940"/>
+          </a:xfrm>
+          <a:prstGeom prst="rect">
+            <a:avLst/>
+          </a:prstGeom>
+        </p:spPr>
+      </p:pic>
+      <p:sp>
+        <p:nvSpPr>
+          <p:cNvPr id="9" name="Rectangle 8"/>
+          <p:cNvSpPr/>
+          <p:nvPr/>
+        </p:nvSpPr>
+        <p:spPr bwMode="ltGray">
+          <a:xfrm>
+            <a:off x="0" y="2590078"/>
+            <a:ext cx="8968085" cy="1660332"/>
+          </a:xfrm>
+          <a:prstGeom prst="rect">
+            <a:avLst/>
+          </a:prstGeom>
+          <a:solidFill>
+            <a:schemeClr val="bg1">
+              <a:lumMod val="85000"/>
+              <a:lumOff val="15000"/>
+            </a:schemeClr>
+          </a:solidFill>
+          <a:ln>
+            <a:noFill/>
+          </a:ln>
+        </p:spPr>
+        <p:style>
+          <a:lnRef idx="2">
+            <a:schemeClr val="accent1">
+              <a:shade val="50000"/>
+            </a:schemeClr>
+          </a:lnRef>
+          <a:fillRef idx="1">
+            <a:schemeClr val="accent1"/>
+          </a:fillRef>
+          <a:effectRef idx="0">
+            <a:schemeClr val="accent1"/>
+          </a:effectRef>
+          <a:fontRef idx="minor">
+            <a:schemeClr val="lt1"/>
+          </a:fontRef>
+        </p:style>
+      </p:sp>
+      <p:sp>
+        <p:nvSpPr>
+          <p:cNvPr id="10" name="Rectangle 9"/>
+          <p:cNvSpPr/>
+          <p:nvPr/>
+        </p:nvSpPr>
+        <p:spPr>
+          <a:xfrm>
+            <a:off x="9111715" y="2590078"/>
+            <a:ext cx="3077109" cy="1660332"/>
+          </a:xfrm>
+          <a:prstGeom prst="rect">
+            <a:avLst/>
+          </a:prstGeom>
+          <a:solidFill>
+            <a:schemeClr val="accent1"/>
+          </a:solidFill>
+          <a:ln>
+            <a:noFill/>
+          </a:ln>
+        </p:spPr>
+        <p:style>
+          <a:lnRef idx="2">
+            <a:schemeClr val="accent1">
+              <a:shade val="50000"/>
+            </a:schemeClr>
+          </a:lnRef>
+          <a:fillRef idx="1">
+            <a:schemeClr val="accent1"/>
+          </a:fillRef>
+          <a:effectRef idx="0">
+            <a:schemeClr val="accent1"/>
+          </a:effectRef>
+          <a:fontRef idx="minor">
+            <a:schemeClr val="lt1"/>
+          </a:fontRef>
+        </p:style>
+      </p:sp>
+      <p:sp>
+        <p:nvSpPr>
+          <p:cNvPr id="2" name="Title 1"/>
           <p:cNvSpPr>
             <a:spLocks noGrp="1"/>
           </p:cNvSpPr>
@@ -146,15 +287,17 @@
         </p:nvSpPr>
         <p:spPr>
           <a:xfrm>
-            <a:off x="1524000" y="1122363"/>
-            <a:ext cx="9144000" cy="2387600"/>
-          </a:xfrm>
-        </p:spPr>
-        <p:txBody>
-          <a:bodyPr anchor="b"/>
+            <a:off x="680322" y="2733709"/>
+            <a:ext cx="8144134" cy="1373070"/>
+          </a:xfrm>
+        </p:spPr>
+        <p:txBody>
+          <a:bodyPr anchor="b">
+            <a:noAutofit/>
+          </a:bodyPr>
           <a:lstStyle>
-            <a:lvl1pPr algn="ctr">
-              <a:defRPr sz="6000"/>
+            <a:lvl1pPr algn="r">
+              <a:defRPr sz="5400"/>
             </a:lvl1pPr>
           </a:lstStyle>
           <a:p>
@@ -162,18 +305,13 @@
               <a:rPr lang="zh-CN" altLang="en-US"/>
               <a:t>单击此处编辑母版标题样式</a:t>
             </a:r>
-          </a:p>
-        </p:txBody>
-      </p:sp>
-      <p:sp>
-        <p:nvSpPr>
-          <p:cNvPr id="3" name="副标题 2">
-            <a:extLst>
-              <a:ext uri="{FF2B5EF4-FFF2-40B4-BE49-F238E27FC236}">
-                <a16:creationId xmlns:a16="http://schemas.microsoft.com/office/drawing/2014/main" id="{FD0A9558-92F8-4B19-ABEE-08262D05D48C}"/>
-              </a:ext>
-            </a:extLst>
-          </p:cNvPr>
+            <a:endParaRPr lang="en-US" dirty="0"/>
+          </a:p>
+        </p:txBody>
+      </p:sp>
+      <p:sp>
+        <p:nvSpPr>
+          <p:cNvPr id="3" name="Subtitle 2"/>
           <p:cNvSpPr>
             <a:spLocks noGrp="1"/>
           </p:cNvSpPr>
@@ -183,16 +321,18 @@
         </p:nvSpPr>
         <p:spPr>
           <a:xfrm>
-            <a:off x="1524000" y="3602038"/>
-            <a:ext cx="9144000" cy="1655762"/>
-          </a:xfrm>
-        </p:spPr>
-        <p:txBody>
-          <a:bodyPr/>
+            <a:off x="680322" y="4394039"/>
+            <a:ext cx="8144134" cy="1117687"/>
+          </a:xfrm>
+        </p:spPr>
+        <p:txBody>
+          <a:bodyPr>
+            <a:normAutofit/>
+          </a:bodyPr>
           <a:lstStyle>
-            <a:lvl1pPr marL="0" indent="0" algn="ctr">
-              <a:buNone/>
-              <a:defRPr sz="2400"/>
+            <a:lvl1pPr marL="0" indent="0" algn="r">
+              <a:buNone/>
+              <a:defRPr sz="2000"/>
             </a:lvl1pPr>
             <a:lvl2pPr marL="457200" indent="0" algn="ctr">
               <a:buNone/>
@@ -232,18 +372,13 @@
               <a:rPr lang="zh-CN" altLang="en-US"/>
               <a:t>单击此处编辑母版副标题样式</a:t>
             </a:r>
-          </a:p>
-        </p:txBody>
-      </p:sp>
-      <p:sp>
-        <p:nvSpPr>
-          <p:cNvPr id="4" name="日期占位符 3">
-            <a:extLst>
-              <a:ext uri="{FF2B5EF4-FFF2-40B4-BE49-F238E27FC236}">
-                <a16:creationId xmlns:a16="http://schemas.microsoft.com/office/drawing/2014/main" id="{A6D98FE4-BC6A-49FF-9BD0-B0085E43A545}"/>
-              </a:ext>
-            </a:extLst>
-          </p:cNvPr>
+            <a:endParaRPr lang="en-US" dirty="0"/>
+          </a:p>
+        </p:txBody>
+      </p:sp>
+      <p:sp>
+        <p:nvSpPr>
+          <p:cNvPr id="4" name="Date Placeholder 3"/>
           <p:cNvSpPr>
             <a:spLocks noGrp="1"/>
           </p:cNvSpPr>
@@ -258,7 +393,7 @@
           <a:p>
             <a:fld id="{753CD6A7-5E7B-4670-8050-4F8067769213}" type="datetimeFigureOut">
               <a:rPr lang="zh-CN" altLang="en-US" smtClean="0"/>
-              <a:t>2020/4/28</a:t>
+              <a:t>2020/4/29</a:t>
             </a:fld>
             <a:endParaRPr lang="zh-CN" altLang="en-US"/>
           </a:p>
@@ -266,13 +401,7 @@
       </p:sp>
       <p:sp>
         <p:nvSpPr>
-          <p:cNvPr id="5" name="页脚占位符 4">
-            <a:extLst>
-              <a:ext uri="{FF2B5EF4-FFF2-40B4-BE49-F238E27FC236}">
-                <a16:creationId xmlns:a16="http://schemas.microsoft.com/office/drawing/2014/main" id="{876F7F4E-733C-4FAC-93CA-379AE0BAAEDF}"/>
-              </a:ext>
-            </a:extLst>
-          </p:cNvPr>
+          <p:cNvPr id="5" name="Footer Placeholder 4"/>
           <p:cNvSpPr>
             <a:spLocks noGrp="1"/>
           </p:cNvSpPr>
@@ -291,13 +420,7 @@
       </p:sp>
       <p:sp>
         <p:nvSpPr>
-          <p:cNvPr id="6" name="灯片编号占位符 5">
-            <a:extLst>
-              <a:ext uri="{FF2B5EF4-FFF2-40B4-BE49-F238E27FC236}">
-                <a16:creationId xmlns:a16="http://schemas.microsoft.com/office/drawing/2014/main" id="{5500B550-C5AA-42F2-8378-8D64DB3F76EB}"/>
-              </a:ext>
-            </a:extLst>
-          </p:cNvPr>
+          <p:cNvPr id="6" name="Slide Number Placeholder 5"/>
           <p:cNvSpPr>
             <a:spLocks noGrp="1"/>
           </p:cNvSpPr>
@@ -305,7 +428,12 @@
             <p:ph type="sldNum" sz="quarter" idx="12"/>
           </p:nvPr>
         </p:nvSpPr>
-        <p:spPr/>
+        <p:spPr>
+          <a:xfrm>
+            <a:off x="9255346" y="2750337"/>
+            <a:ext cx="1171888" cy="1356442"/>
+          </a:xfrm>
+        </p:spPr>
         <p:txBody>
           <a:bodyPr/>
           <a:lstStyle/>
@@ -321,7 +449,7 @@
     </p:spTree>
     <p:extLst>
       <p:ext uri="{BB962C8B-B14F-4D97-AF65-F5344CB8AC3E}">
-        <p14:creationId xmlns:p14="http://schemas.microsoft.com/office/powerpoint/2010/main" val="2835624801"/>
+        <p14:creationId xmlns:p14="http://schemas.microsoft.com/office/powerpoint/2010/main" val="1929630239"/>
       </p:ext>
     </p:extLst>
   </p:cSld>
@@ -332,6 +460,3318 @@
 </file>
 
 <file path=ppt/slideLayouts/slideLayout10.xml><?xml version="1.0" encoding="utf-8"?>
+<p:sldLayout xmlns:a="http://schemas.openxmlformats.org/drawingml/2006/main" xmlns:r="http://schemas.openxmlformats.org/officeDocument/2006/relationships" xmlns:p="http://schemas.openxmlformats.org/presentationml/2006/main" preserve="1">
+  <p:cSld name="带描述的全景图片">
+    <p:spTree>
+      <p:nvGrpSpPr>
+        <p:cNvPr id="1" name=""/>
+        <p:cNvGrpSpPr/>
+        <p:nvPr/>
+      </p:nvGrpSpPr>
+      <p:grpSpPr>
+        <a:xfrm>
+          <a:off x="0" y="0"/>
+          <a:ext cx="0" cy="0"/>
+          <a:chOff x="0" y="0"/>
+          <a:chExt cx="0" cy="0"/>
+        </a:xfrm>
+      </p:grpSpPr>
+      <p:pic>
+        <p:nvPicPr>
+          <p:cNvPr id="8" name="Picture 7" descr="HD-ShadowLong.png"/>
+          <p:cNvPicPr>
+            <a:picLocks noChangeAspect="1"/>
+          </p:cNvPicPr>
+          <p:nvPr/>
+        </p:nvPicPr>
+        <p:blipFill>
+          <a:blip r:embed="rId2">
+            <a:extLst>
+              <a:ext uri="{28A0092B-C50C-407E-A947-70E740481C1C}">
+                <a14:useLocalDpi xmlns:a14="http://schemas.microsoft.com/office/drawing/2010/main" val="0"/>
+              </a:ext>
+            </a:extLst>
+          </a:blip>
+          <a:stretch>
+            <a:fillRect/>
+          </a:stretch>
+        </p:blipFill>
+        <p:spPr>
+          <a:xfrm>
+            <a:off x="1" y="5928628"/>
+            <a:ext cx="10437812" cy="321164"/>
+          </a:xfrm>
+          <a:prstGeom prst="rect">
+            <a:avLst/>
+          </a:prstGeom>
+        </p:spPr>
+      </p:pic>
+      <p:pic>
+        <p:nvPicPr>
+          <p:cNvPr id="9" name="Picture 8" descr="HD-ShadowShort.png"/>
+          <p:cNvPicPr>
+            <a:picLocks noChangeAspect="1"/>
+          </p:cNvPicPr>
+          <p:nvPr/>
+        </p:nvPicPr>
+        <p:blipFill>
+          <a:blip r:embed="rId3">
+            <a:extLst>
+              <a:ext uri="{28A0092B-C50C-407E-A947-70E740481C1C}">
+                <a14:useLocalDpi xmlns:a14="http://schemas.microsoft.com/office/drawing/2010/main" val="0"/>
+              </a:ext>
+            </a:extLst>
+          </a:blip>
+          <a:stretch>
+            <a:fillRect/>
+          </a:stretch>
+        </p:blipFill>
+        <p:spPr>
+          <a:xfrm>
+            <a:off x="10585826" y="5929622"/>
+            <a:ext cx="1602997" cy="144270"/>
+          </a:xfrm>
+          <a:prstGeom prst="rect">
+            <a:avLst/>
+          </a:prstGeom>
+        </p:spPr>
+      </p:pic>
+      <p:sp>
+        <p:nvSpPr>
+          <p:cNvPr id="10" name="Rectangle 9"/>
+          <p:cNvSpPr/>
+          <p:nvPr/>
+        </p:nvSpPr>
+        <p:spPr bwMode="ltGray">
+          <a:xfrm>
+            <a:off x="0" y="4567988"/>
+            <a:ext cx="10437812" cy="1368198"/>
+          </a:xfrm>
+          <a:prstGeom prst="rect">
+            <a:avLst/>
+          </a:prstGeom>
+          <a:solidFill>
+            <a:schemeClr val="bg1">
+              <a:lumMod val="85000"/>
+              <a:lumOff val="15000"/>
+            </a:schemeClr>
+          </a:solidFill>
+          <a:ln>
+            <a:noFill/>
+          </a:ln>
+        </p:spPr>
+        <p:style>
+          <a:lnRef idx="2">
+            <a:schemeClr val="accent1">
+              <a:shade val="50000"/>
+            </a:schemeClr>
+          </a:lnRef>
+          <a:fillRef idx="1">
+            <a:schemeClr val="accent1"/>
+          </a:fillRef>
+          <a:effectRef idx="0">
+            <a:schemeClr val="accent1"/>
+          </a:effectRef>
+          <a:fontRef idx="minor">
+            <a:schemeClr val="lt1"/>
+          </a:fontRef>
+        </p:style>
+      </p:sp>
+      <p:sp>
+        <p:nvSpPr>
+          <p:cNvPr id="11" name="Rectangle 10"/>
+          <p:cNvSpPr/>
+          <p:nvPr/>
+        </p:nvSpPr>
+        <p:spPr>
+          <a:xfrm>
+            <a:off x="10585827" y="4567988"/>
+            <a:ext cx="1602997" cy="1368198"/>
+          </a:xfrm>
+          <a:prstGeom prst="rect">
+            <a:avLst/>
+          </a:prstGeom>
+          <a:solidFill>
+            <a:schemeClr val="accent1"/>
+          </a:solidFill>
+          <a:ln>
+            <a:noFill/>
+          </a:ln>
+        </p:spPr>
+        <p:style>
+          <a:lnRef idx="2">
+            <a:schemeClr val="accent1">
+              <a:shade val="50000"/>
+            </a:schemeClr>
+          </a:lnRef>
+          <a:fillRef idx="1">
+            <a:schemeClr val="accent1"/>
+          </a:fillRef>
+          <a:effectRef idx="0">
+            <a:schemeClr val="accent1"/>
+          </a:effectRef>
+          <a:fontRef idx="minor">
+            <a:schemeClr val="lt1"/>
+          </a:fontRef>
+        </p:style>
+      </p:sp>
+      <p:sp>
+        <p:nvSpPr>
+          <p:cNvPr id="2" name="Title 1"/>
+          <p:cNvSpPr>
+            <a:spLocks noGrp="1"/>
+          </p:cNvSpPr>
+          <p:nvPr>
+            <p:ph type="title"/>
+          </p:nvPr>
+        </p:nvSpPr>
+        <p:spPr>
+          <a:xfrm>
+            <a:off x="680322" y="4711616"/>
+            <a:ext cx="9613859" cy="453051"/>
+          </a:xfrm>
+        </p:spPr>
+        <p:txBody>
+          <a:bodyPr anchor="b">
+            <a:normAutofit/>
+          </a:bodyPr>
+          <a:lstStyle>
+            <a:lvl1pPr>
+              <a:defRPr sz="2400"/>
+            </a:lvl1pPr>
+          </a:lstStyle>
+          <a:p>
+            <a:r>
+              <a:rPr lang="zh-CN" altLang="en-US"/>
+              <a:t>单击此处编辑母版标题样式</a:t>
+            </a:r>
+            <a:endParaRPr lang="en-US" dirty="0"/>
+          </a:p>
+        </p:txBody>
+      </p:sp>
+      <p:sp>
+        <p:nvSpPr>
+          <p:cNvPr id="3" name="Picture Placeholder 2"/>
+          <p:cNvSpPr>
+            <a:spLocks noGrp="1" noChangeAspect="1"/>
+          </p:cNvSpPr>
+          <p:nvPr>
+            <p:ph type="pic" idx="1"/>
+          </p:nvPr>
+        </p:nvSpPr>
+        <p:spPr>
+          <a:xfrm>
+            <a:off x="680322" y="609597"/>
+            <a:ext cx="9613859" cy="3589575"/>
+          </a:xfrm>
+          <a:noFill/>
+          <a:ln>
+            <a:noFill/>
+          </a:ln>
+          <a:effectLst>
+            <a:outerShdw blurRad="76200" dist="63500" dir="5040000" algn="tl" rotWithShape="0">
+              <a:srgbClr val="000000">
+                <a:alpha val="41000"/>
+              </a:srgbClr>
+            </a:outerShdw>
+          </a:effectLst>
+        </p:spPr>
+        <p:txBody>
+          <a:bodyPr anchor="t"/>
+          <a:lstStyle>
+            <a:lvl1pPr marL="0" indent="0">
+              <a:buNone/>
+              <a:defRPr sz="3200"/>
+            </a:lvl1pPr>
+            <a:lvl2pPr marL="457200" indent="0">
+              <a:buNone/>
+              <a:defRPr sz="2800"/>
+            </a:lvl2pPr>
+            <a:lvl3pPr marL="914400" indent="0">
+              <a:buNone/>
+              <a:defRPr sz="2400"/>
+            </a:lvl3pPr>
+            <a:lvl4pPr marL="1371600" indent="0">
+              <a:buNone/>
+              <a:defRPr sz="2000"/>
+            </a:lvl4pPr>
+            <a:lvl5pPr marL="1828800" indent="0">
+              <a:buNone/>
+              <a:defRPr sz="2000"/>
+            </a:lvl5pPr>
+            <a:lvl6pPr marL="2286000" indent="0">
+              <a:buNone/>
+              <a:defRPr sz="2000"/>
+            </a:lvl6pPr>
+            <a:lvl7pPr marL="2743200" indent="0">
+              <a:buNone/>
+              <a:defRPr sz="2000"/>
+            </a:lvl7pPr>
+            <a:lvl8pPr marL="3200400" indent="0">
+              <a:buNone/>
+              <a:defRPr sz="2000"/>
+            </a:lvl8pPr>
+            <a:lvl9pPr marL="3657600" indent="0">
+              <a:buNone/>
+              <a:defRPr sz="2000"/>
+            </a:lvl9pPr>
+          </a:lstStyle>
+          <a:p>
+            <a:r>
+              <a:rPr lang="zh-CN" altLang="en-US"/>
+              <a:t>单击图标添加图片</a:t>
+            </a:r>
+            <a:endParaRPr lang="en-US" dirty="0"/>
+          </a:p>
+        </p:txBody>
+      </p:sp>
+      <p:sp>
+        <p:nvSpPr>
+          <p:cNvPr id="4" name="Text Placeholder 3"/>
+          <p:cNvSpPr>
+            <a:spLocks noGrp="1"/>
+          </p:cNvSpPr>
+          <p:nvPr>
+            <p:ph type="body" sz="half" idx="2"/>
+          </p:nvPr>
+        </p:nvSpPr>
+        <p:spPr>
+          <a:xfrm>
+            <a:off x="680319" y="5169583"/>
+            <a:ext cx="9613862" cy="622971"/>
+          </a:xfrm>
+        </p:spPr>
+        <p:txBody>
+          <a:bodyPr/>
+          <a:lstStyle>
+            <a:lvl1pPr marL="0" indent="0">
+              <a:buNone/>
+              <a:defRPr sz="1600"/>
+            </a:lvl1pPr>
+            <a:lvl2pPr marL="457200" indent="0">
+              <a:buNone/>
+              <a:defRPr sz="1400"/>
+            </a:lvl2pPr>
+            <a:lvl3pPr marL="914400" indent="0">
+              <a:buNone/>
+              <a:defRPr sz="1200"/>
+            </a:lvl3pPr>
+            <a:lvl4pPr marL="1371600" indent="0">
+              <a:buNone/>
+              <a:defRPr sz="1000"/>
+            </a:lvl4pPr>
+            <a:lvl5pPr marL="1828800" indent="0">
+              <a:buNone/>
+              <a:defRPr sz="1000"/>
+            </a:lvl5pPr>
+            <a:lvl6pPr marL="2286000" indent="0">
+              <a:buNone/>
+              <a:defRPr sz="1000"/>
+            </a:lvl6pPr>
+            <a:lvl7pPr marL="2743200" indent="0">
+              <a:buNone/>
+              <a:defRPr sz="1000"/>
+            </a:lvl7pPr>
+            <a:lvl8pPr marL="3200400" indent="0">
+              <a:buNone/>
+              <a:defRPr sz="1000"/>
+            </a:lvl8pPr>
+            <a:lvl9pPr marL="3657600" indent="0">
+              <a:buNone/>
+              <a:defRPr sz="1000"/>
+            </a:lvl9pPr>
+          </a:lstStyle>
+          <a:p>
+            <a:pPr lvl="0"/>
+            <a:r>
+              <a:rPr lang="zh-CN" altLang="en-US"/>
+              <a:t>单击此处编辑母版文本样式</a:t>
+            </a:r>
+          </a:p>
+        </p:txBody>
+      </p:sp>
+      <p:sp>
+        <p:nvSpPr>
+          <p:cNvPr id="5" name="Date Placeholder 4"/>
+          <p:cNvSpPr>
+            <a:spLocks noGrp="1"/>
+          </p:cNvSpPr>
+          <p:nvPr>
+            <p:ph type="dt" sz="half" idx="10"/>
+          </p:nvPr>
+        </p:nvSpPr>
+        <p:spPr/>
+        <p:txBody>
+          <a:bodyPr/>
+          <a:lstStyle/>
+          <a:p>
+            <a:fld id="{753CD6A7-5E7B-4670-8050-4F8067769213}" type="datetimeFigureOut">
+              <a:rPr lang="zh-CN" altLang="en-US" smtClean="0"/>
+              <a:t>2020/4/29</a:t>
+            </a:fld>
+            <a:endParaRPr lang="zh-CN" altLang="en-US"/>
+          </a:p>
+        </p:txBody>
+      </p:sp>
+      <p:sp>
+        <p:nvSpPr>
+          <p:cNvPr id="6" name="Footer Placeholder 5"/>
+          <p:cNvSpPr>
+            <a:spLocks noGrp="1"/>
+          </p:cNvSpPr>
+          <p:nvPr>
+            <p:ph type="ftr" sz="quarter" idx="11"/>
+          </p:nvPr>
+        </p:nvSpPr>
+        <p:spPr/>
+        <p:txBody>
+          <a:bodyPr/>
+          <a:lstStyle/>
+          <a:p>
+            <a:endParaRPr lang="zh-CN" altLang="en-US"/>
+          </a:p>
+        </p:txBody>
+      </p:sp>
+      <p:sp>
+        <p:nvSpPr>
+          <p:cNvPr id="7" name="Slide Number Placeholder 6"/>
+          <p:cNvSpPr>
+            <a:spLocks noGrp="1"/>
+          </p:cNvSpPr>
+          <p:nvPr>
+            <p:ph type="sldNum" sz="quarter" idx="12"/>
+          </p:nvPr>
+        </p:nvSpPr>
+        <p:spPr>
+          <a:xfrm>
+            <a:off x="10729455" y="4711309"/>
+            <a:ext cx="1154151" cy="1090789"/>
+          </a:xfrm>
+        </p:spPr>
+        <p:txBody>
+          <a:bodyPr/>
+          <a:lstStyle/>
+          <a:p>
+            <a:fld id="{343C4BB7-ABCC-4FE3-BA4A-022B767ADE3D}" type="slidenum">
+              <a:rPr lang="zh-CN" altLang="en-US" smtClean="0"/>
+              <a:t>‹#›</a:t>
+            </a:fld>
+            <a:endParaRPr lang="zh-CN" altLang="en-US"/>
+          </a:p>
+        </p:txBody>
+      </p:sp>
+    </p:spTree>
+    <p:extLst>
+      <p:ext uri="{BB962C8B-B14F-4D97-AF65-F5344CB8AC3E}">
+        <p14:creationId xmlns:p14="http://schemas.microsoft.com/office/powerpoint/2010/main" val="774386469"/>
+      </p:ext>
+    </p:extLst>
+  </p:cSld>
+  <p:clrMapOvr>
+    <a:masterClrMapping/>
+  </p:clrMapOvr>
+</p:sldLayout>
+</file>
+
+<file path=ppt/slideLayouts/slideLayout11.xml><?xml version="1.0" encoding="utf-8"?>
+<p:sldLayout xmlns:a="http://schemas.openxmlformats.org/drawingml/2006/main" xmlns:r="http://schemas.openxmlformats.org/officeDocument/2006/relationships" xmlns:p="http://schemas.openxmlformats.org/presentationml/2006/main" preserve="1">
+  <p:cSld name="标题和描述">
+    <p:spTree>
+      <p:nvGrpSpPr>
+        <p:cNvPr id="1" name=""/>
+        <p:cNvGrpSpPr/>
+        <p:nvPr/>
+      </p:nvGrpSpPr>
+      <p:grpSpPr>
+        <a:xfrm>
+          <a:off x="0" y="0"/>
+          <a:ext cx="0" cy="0"/>
+          <a:chOff x="0" y="0"/>
+          <a:chExt cx="0" cy="0"/>
+        </a:xfrm>
+      </p:grpSpPr>
+      <p:pic>
+        <p:nvPicPr>
+          <p:cNvPr id="8" name="Picture 7" descr="HD-ShadowLong.png"/>
+          <p:cNvPicPr>
+            <a:picLocks noChangeAspect="1"/>
+          </p:cNvPicPr>
+          <p:nvPr/>
+        </p:nvPicPr>
+        <p:blipFill>
+          <a:blip r:embed="rId2">
+            <a:extLst>
+              <a:ext uri="{28A0092B-C50C-407E-A947-70E740481C1C}">
+                <a14:useLocalDpi xmlns:a14="http://schemas.microsoft.com/office/drawing/2010/main" val="0"/>
+              </a:ext>
+            </a:extLst>
+          </a:blip>
+          <a:stretch>
+            <a:fillRect/>
+          </a:stretch>
+        </p:blipFill>
+        <p:spPr>
+          <a:xfrm>
+            <a:off x="1" y="5928628"/>
+            <a:ext cx="10437812" cy="321164"/>
+          </a:xfrm>
+          <a:prstGeom prst="rect">
+            <a:avLst/>
+          </a:prstGeom>
+        </p:spPr>
+      </p:pic>
+      <p:pic>
+        <p:nvPicPr>
+          <p:cNvPr id="9" name="Picture 8" descr="HD-ShadowShort.png"/>
+          <p:cNvPicPr>
+            <a:picLocks noChangeAspect="1"/>
+          </p:cNvPicPr>
+          <p:nvPr/>
+        </p:nvPicPr>
+        <p:blipFill>
+          <a:blip r:embed="rId3">
+            <a:extLst>
+              <a:ext uri="{28A0092B-C50C-407E-A947-70E740481C1C}">
+                <a14:useLocalDpi xmlns:a14="http://schemas.microsoft.com/office/drawing/2010/main" val="0"/>
+              </a:ext>
+            </a:extLst>
+          </a:blip>
+          <a:stretch>
+            <a:fillRect/>
+          </a:stretch>
+        </p:blipFill>
+        <p:spPr>
+          <a:xfrm>
+            <a:off x="10585826" y="5929622"/>
+            <a:ext cx="1602997" cy="144270"/>
+          </a:xfrm>
+          <a:prstGeom prst="rect">
+            <a:avLst/>
+          </a:prstGeom>
+        </p:spPr>
+      </p:pic>
+      <p:sp>
+        <p:nvSpPr>
+          <p:cNvPr id="10" name="Rectangle 9"/>
+          <p:cNvSpPr/>
+          <p:nvPr/>
+        </p:nvSpPr>
+        <p:spPr bwMode="ltGray">
+          <a:xfrm>
+            <a:off x="0" y="4567988"/>
+            <a:ext cx="10437812" cy="1368198"/>
+          </a:xfrm>
+          <a:prstGeom prst="rect">
+            <a:avLst/>
+          </a:prstGeom>
+          <a:solidFill>
+            <a:schemeClr val="bg1">
+              <a:lumMod val="85000"/>
+              <a:lumOff val="15000"/>
+            </a:schemeClr>
+          </a:solidFill>
+          <a:ln>
+            <a:noFill/>
+          </a:ln>
+        </p:spPr>
+        <p:style>
+          <a:lnRef idx="2">
+            <a:schemeClr val="accent1">
+              <a:shade val="50000"/>
+            </a:schemeClr>
+          </a:lnRef>
+          <a:fillRef idx="1">
+            <a:schemeClr val="accent1"/>
+          </a:fillRef>
+          <a:effectRef idx="0">
+            <a:schemeClr val="accent1"/>
+          </a:effectRef>
+          <a:fontRef idx="minor">
+            <a:schemeClr val="lt1"/>
+          </a:fontRef>
+        </p:style>
+      </p:sp>
+      <p:sp>
+        <p:nvSpPr>
+          <p:cNvPr id="11" name="Rectangle 10"/>
+          <p:cNvSpPr/>
+          <p:nvPr/>
+        </p:nvSpPr>
+        <p:spPr>
+          <a:xfrm>
+            <a:off x="10585827" y="4567988"/>
+            <a:ext cx="1602997" cy="1368198"/>
+          </a:xfrm>
+          <a:prstGeom prst="rect">
+            <a:avLst/>
+          </a:prstGeom>
+          <a:solidFill>
+            <a:schemeClr val="accent1"/>
+          </a:solidFill>
+          <a:ln>
+            <a:noFill/>
+          </a:ln>
+        </p:spPr>
+        <p:style>
+          <a:lnRef idx="2">
+            <a:schemeClr val="accent1">
+              <a:shade val="50000"/>
+            </a:schemeClr>
+          </a:lnRef>
+          <a:fillRef idx="1">
+            <a:schemeClr val="accent1"/>
+          </a:fillRef>
+          <a:effectRef idx="0">
+            <a:schemeClr val="accent1"/>
+          </a:effectRef>
+          <a:fontRef idx="minor">
+            <a:schemeClr val="lt1"/>
+          </a:fontRef>
+        </p:style>
+      </p:sp>
+      <p:sp>
+        <p:nvSpPr>
+          <p:cNvPr id="2" name="Title 1"/>
+          <p:cNvSpPr>
+            <a:spLocks noGrp="1"/>
+          </p:cNvSpPr>
+          <p:nvPr>
+            <p:ph type="title"/>
+          </p:nvPr>
+        </p:nvSpPr>
+        <p:spPr>
+          <a:xfrm>
+            <a:off x="680322" y="609597"/>
+            <a:ext cx="9613858" cy="3592750"/>
+          </a:xfrm>
+        </p:spPr>
+        <p:txBody>
+          <a:bodyPr anchor="ctr"/>
+          <a:lstStyle>
+            <a:lvl1pPr>
+              <a:defRPr sz="3200"/>
+            </a:lvl1pPr>
+          </a:lstStyle>
+          <a:p>
+            <a:r>
+              <a:rPr lang="zh-CN" altLang="en-US"/>
+              <a:t>单击此处编辑母版标题样式</a:t>
+            </a:r>
+            <a:endParaRPr lang="en-US" dirty="0"/>
+          </a:p>
+        </p:txBody>
+      </p:sp>
+      <p:sp>
+        <p:nvSpPr>
+          <p:cNvPr id="4" name="Text Placeholder 3"/>
+          <p:cNvSpPr>
+            <a:spLocks noGrp="1"/>
+          </p:cNvSpPr>
+          <p:nvPr>
+            <p:ph type="body" sz="half" idx="2"/>
+          </p:nvPr>
+        </p:nvSpPr>
+        <p:spPr>
+          <a:xfrm>
+            <a:off x="680322" y="4711615"/>
+            <a:ext cx="9613859" cy="1090789"/>
+          </a:xfrm>
+        </p:spPr>
+        <p:txBody>
+          <a:bodyPr anchor="ctr"/>
+          <a:lstStyle>
+            <a:lvl1pPr marL="0" indent="0">
+              <a:buNone/>
+              <a:defRPr sz="1600"/>
+            </a:lvl1pPr>
+            <a:lvl2pPr marL="457200" indent="0">
+              <a:buNone/>
+              <a:defRPr sz="1400"/>
+            </a:lvl2pPr>
+            <a:lvl3pPr marL="914400" indent="0">
+              <a:buNone/>
+              <a:defRPr sz="1200"/>
+            </a:lvl3pPr>
+            <a:lvl4pPr marL="1371600" indent="0">
+              <a:buNone/>
+              <a:defRPr sz="1000"/>
+            </a:lvl4pPr>
+            <a:lvl5pPr marL="1828800" indent="0">
+              <a:buNone/>
+              <a:defRPr sz="1000"/>
+            </a:lvl5pPr>
+            <a:lvl6pPr marL="2286000" indent="0">
+              <a:buNone/>
+              <a:defRPr sz="1000"/>
+            </a:lvl6pPr>
+            <a:lvl7pPr marL="2743200" indent="0">
+              <a:buNone/>
+              <a:defRPr sz="1000"/>
+            </a:lvl7pPr>
+            <a:lvl8pPr marL="3200400" indent="0">
+              <a:buNone/>
+              <a:defRPr sz="1000"/>
+            </a:lvl8pPr>
+            <a:lvl9pPr marL="3657600" indent="0">
+              <a:buNone/>
+              <a:defRPr sz="1000"/>
+            </a:lvl9pPr>
+          </a:lstStyle>
+          <a:p>
+            <a:pPr lvl="0"/>
+            <a:r>
+              <a:rPr lang="zh-CN" altLang="en-US"/>
+              <a:t>单击此处编辑母版文本样式</a:t>
+            </a:r>
+          </a:p>
+        </p:txBody>
+      </p:sp>
+      <p:sp>
+        <p:nvSpPr>
+          <p:cNvPr id="5" name="Date Placeholder 4"/>
+          <p:cNvSpPr>
+            <a:spLocks noGrp="1"/>
+          </p:cNvSpPr>
+          <p:nvPr>
+            <p:ph type="dt" sz="half" idx="10"/>
+          </p:nvPr>
+        </p:nvSpPr>
+        <p:spPr/>
+        <p:txBody>
+          <a:bodyPr/>
+          <a:lstStyle/>
+          <a:p>
+            <a:fld id="{753CD6A7-5E7B-4670-8050-4F8067769213}" type="datetimeFigureOut">
+              <a:rPr lang="zh-CN" altLang="en-US" smtClean="0"/>
+              <a:t>2020/4/29</a:t>
+            </a:fld>
+            <a:endParaRPr lang="zh-CN" altLang="en-US"/>
+          </a:p>
+        </p:txBody>
+      </p:sp>
+      <p:sp>
+        <p:nvSpPr>
+          <p:cNvPr id="6" name="Footer Placeholder 5"/>
+          <p:cNvSpPr>
+            <a:spLocks noGrp="1"/>
+          </p:cNvSpPr>
+          <p:nvPr>
+            <p:ph type="ftr" sz="quarter" idx="11"/>
+          </p:nvPr>
+        </p:nvSpPr>
+        <p:spPr/>
+        <p:txBody>
+          <a:bodyPr/>
+          <a:lstStyle/>
+          <a:p>
+            <a:endParaRPr lang="zh-CN" altLang="en-US"/>
+          </a:p>
+        </p:txBody>
+      </p:sp>
+      <p:sp>
+        <p:nvSpPr>
+          <p:cNvPr id="7" name="Slide Number Placeholder 6"/>
+          <p:cNvSpPr>
+            <a:spLocks noGrp="1"/>
+          </p:cNvSpPr>
+          <p:nvPr>
+            <p:ph type="sldNum" sz="quarter" idx="12"/>
+          </p:nvPr>
+        </p:nvSpPr>
+        <p:spPr>
+          <a:xfrm>
+            <a:off x="10729455" y="4711615"/>
+            <a:ext cx="1154151" cy="1090789"/>
+          </a:xfrm>
+        </p:spPr>
+        <p:txBody>
+          <a:bodyPr/>
+          <a:lstStyle/>
+          <a:p>
+            <a:fld id="{343C4BB7-ABCC-4FE3-BA4A-022B767ADE3D}" type="slidenum">
+              <a:rPr lang="zh-CN" altLang="en-US" smtClean="0"/>
+              <a:t>‹#›</a:t>
+            </a:fld>
+            <a:endParaRPr lang="zh-CN" altLang="en-US"/>
+          </a:p>
+        </p:txBody>
+      </p:sp>
+    </p:spTree>
+    <p:extLst>
+      <p:ext uri="{BB962C8B-B14F-4D97-AF65-F5344CB8AC3E}">
+        <p14:creationId xmlns:p14="http://schemas.microsoft.com/office/powerpoint/2010/main" val="1046300643"/>
+      </p:ext>
+    </p:extLst>
+  </p:cSld>
+  <p:clrMapOvr>
+    <a:masterClrMapping/>
+  </p:clrMapOvr>
+</p:sldLayout>
+</file>
+
+<file path=ppt/slideLayouts/slideLayout12.xml><?xml version="1.0" encoding="utf-8"?>
+<p:sldLayout xmlns:a="http://schemas.openxmlformats.org/drawingml/2006/main" xmlns:r="http://schemas.openxmlformats.org/officeDocument/2006/relationships" xmlns:p="http://schemas.openxmlformats.org/presentationml/2006/main" preserve="1">
+  <p:cSld name="带描述的引言">
+    <p:spTree>
+      <p:nvGrpSpPr>
+        <p:cNvPr id="1" name=""/>
+        <p:cNvGrpSpPr/>
+        <p:nvPr/>
+      </p:nvGrpSpPr>
+      <p:grpSpPr>
+        <a:xfrm>
+          <a:off x="0" y="0"/>
+          <a:ext cx="0" cy="0"/>
+          <a:chOff x="0" y="0"/>
+          <a:chExt cx="0" cy="0"/>
+        </a:xfrm>
+      </p:grpSpPr>
+      <p:pic>
+        <p:nvPicPr>
+          <p:cNvPr id="11" name="Picture 10" descr="HD-ShadowLong.png"/>
+          <p:cNvPicPr>
+            <a:picLocks noChangeAspect="1"/>
+          </p:cNvPicPr>
+          <p:nvPr/>
+        </p:nvPicPr>
+        <p:blipFill>
+          <a:blip r:embed="rId2">
+            <a:extLst>
+              <a:ext uri="{28A0092B-C50C-407E-A947-70E740481C1C}">
+                <a14:useLocalDpi xmlns:a14="http://schemas.microsoft.com/office/drawing/2010/main" val="0"/>
+              </a:ext>
+            </a:extLst>
+          </a:blip>
+          <a:stretch>
+            <a:fillRect/>
+          </a:stretch>
+        </p:blipFill>
+        <p:spPr>
+          <a:xfrm>
+            <a:off x="1" y="5928628"/>
+            <a:ext cx="10437812" cy="321164"/>
+          </a:xfrm>
+          <a:prstGeom prst="rect">
+            <a:avLst/>
+          </a:prstGeom>
+        </p:spPr>
+      </p:pic>
+      <p:pic>
+        <p:nvPicPr>
+          <p:cNvPr id="13" name="Picture 12" descr="HD-ShadowShort.png"/>
+          <p:cNvPicPr>
+            <a:picLocks noChangeAspect="1"/>
+          </p:cNvPicPr>
+          <p:nvPr/>
+        </p:nvPicPr>
+        <p:blipFill>
+          <a:blip r:embed="rId3">
+            <a:extLst>
+              <a:ext uri="{28A0092B-C50C-407E-A947-70E740481C1C}">
+                <a14:useLocalDpi xmlns:a14="http://schemas.microsoft.com/office/drawing/2010/main" val="0"/>
+              </a:ext>
+            </a:extLst>
+          </a:blip>
+          <a:stretch>
+            <a:fillRect/>
+          </a:stretch>
+        </p:blipFill>
+        <p:spPr>
+          <a:xfrm>
+            <a:off x="10585826" y="5929622"/>
+            <a:ext cx="1602997" cy="144270"/>
+          </a:xfrm>
+          <a:prstGeom prst="rect">
+            <a:avLst/>
+          </a:prstGeom>
+        </p:spPr>
+      </p:pic>
+      <p:sp>
+        <p:nvSpPr>
+          <p:cNvPr id="14" name="Rectangle 13"/>
+          <p:cNvSpPr/>
+          <p:nvPr/>
+        </p:nvSpPr>
+        <p:spPr bwMode="ltGray">
+          <a:xfrm>
+            <a:off x="0" y="4567988"/>
+            <a:ext cx="10437812" cy="1368198"/>
+          </a:xfrm>
+          <a:prstGeom prst="rect">
+            <a:avLst/>
+          </a:prstGeom>
+          <a:solidFill>
+            <a:schemeClr val="bg1">
+              <a:lumMod val="85000"/>
+              <a:lumOff val="15000"/>
+            </a:schemeClr>
+          </a:solidFill>
+          <a:ln>
+            <a:noFill/>
+          </a:ln>
+        </p:spPr>
+        <p:style>
+          <a:lnRef idx="2">
+            <a:schemeClr val="accent1">
+              <a:shade val="50000"/>
+            </a:schemeClr>
+          </a:lnRef>
+          <a:fillRef idx="1">
+            <a:schemeClr val="accent1"/>
+          </a:fillRef>
+          <a:effectRef idx="0">
+            <a:schemeClr val="accent1"/>
+          </a:effectRef>
+          <a:fontRef idx="minor">
+            <a:schemeClr val="lt1"/>
+          </a:fontRef>
+        </p:style>
+      </p:sp>
+      <p:sp>
+        <p:nvSpPr>
+          <p:cNvPr id="15" name="Rectangle 14"/>
+          <p:cNvSpPr/>
+          <p:nvPr/>
+        </p:nvSpPr>
+        <p:spPr>
+          <a:xfrm>
+            <a:off x="10585827" y="4567988"/>
+            <a:ext cx="1602997" cy="1368198"/>
+          </a:xfrm>
+          <a:prstGeom prst="rect">
+            <a:avLst/>
+          </a:prstGeom>
+          <a:solidFill>
+            <a:schemeClr val="accent1"/>
+          </a:solidFill>
+          <a:ln>
+            <a:noFill/>
+          </a:ln>
+        </p:spPr>
+        <p:style>
+          <a:lnRef idx="2">
+            <a:schemeClr val="accent1">
+              <a:shade val="50000"/>
+            </a:schemeClr>
+          </a:lnRef>
+          <a:fillRef idx="1">
+            <a:schemeClr val="accent1"/>
+          </a:fillRef>
+          <a:effectRef idx="0">
+            <a:schemeClr val="accent1"/>
+          </a:effectRef>
+          <a:fontRef idx="minor">
+            <a:schemeClr val="lt1"/>
+          </a:fontRef>
+        </p:style>
+      </p:sp>
+      <p:sp>
+        <p:nvSpPr>
+          <p:cNvPr id="2" name="Title 1"/>
+          <p:cNvSpPr>
+            <a:spLocks noGrp="1"/>
+          </p:cNvSpPr>
+          <p:nvPr>
+            <p:ph type="title"/>
+          </p:nvPr>
+        </p:nvSpPr>
+        <p:spPr>
+          <a:xfrm>
+            <a:off x="1127856" y="609598"/>
+            <a:ext cx="8718877" cy="3036061"/>
+          </a:xfrm>
+        </p:spPr>
+        <p:txBody>
+          <a:bodyPr anchor="ctr"/>
+          <a:lstStyle>
+            <a:lvl1pPr>
+              <a:defRPr sz="3200"/>
+            </a:lvl1pPr>
+          </a:lstStyle>
+          <a:p>
+            <a:r>
+              <a:rPr lang="zh-CN" altLang="en-US"/>
+              <a:t>单击此处编辑母版标题样式</a:t>
+            </a:r>
+            <a:endParaRPr lang="en-US" dirty="0"/>
+          </a:p>
+        </p:txBody>
+      </p:sp>
+      <p:sp>
+        <p:nvSpPr>
+          <p:cNvPr id="12" name="Text Placeholder 3"/>
+          <p:cNvSpPr>
+            <a:spLocks noGrp="1"/>
+          </p:cNvSpPr>
+          <p:nvPr>
+            <p:ph type="body" sz="half" idx="13"/>
+          </p:nvPr>
+        </p:nvSpPr>
+        <p:spPr>
+          <a:xfrm>
+            <a:off x="1402288" y="3653379"/>
+            <a:ext cx="8156579" cy="548968"/>
+          </a:xfrm>
+        </p:spPr>
+        <p:txBody>
+          <a:bodyPr anchor="t">
+            <a:normAutofit/>
+          </a:bodyPr>
+          <a:lstStyle>
+            <a:lvl1pPr marL="0" indent="0">
+              <a:buNone/>
+              <a:defRPr sz="1400"/>
+            </a:lvl1pPr>
+            <a:lvl2pPr marL="457200" indent="0">
+              <a:buNone/>
+              <a:defRPr sz="1400"/>
+            </a:lvl2pPr>
+            <a:lvl3pPr marL="914400" indent="0">
+              <a:buNone/>
+              <a:defRPr sz="1200"/>
+            </a:lvl3pPr>
+            <a:lvl4pPr marL="1371600" indent="0">
+              <a:buNone/>
+              <a:defRPr sz="1000"/>
+            </a:lvl4pPr>
+            <a:lvl5pPr marL="1828800" indent="0">
+              <a:buNone/>
+              <a:defRPr sz="1000"/>
+            </a:lvl5pPr>
+            <a:lvl6pPr marL="2286000" indent="0">
+              <a:buNone/>
+              <a:defRPr sz="1000"/>
+            </a:lvl6pPr>
+            <a:lvl7pPr marL="2743200" indent="0">
+              <a:buNone/>
+              <a:defRPr sz="1000"/>
+            </a:lvl7pPr>
+            <a:lvl8pPr marL="3200400" indent="0">
+              <a:buNone/>
+              <a:defRPr sz="1000"/>
+            </a:lvl8pPr>
+            <a:lvl9pPr marL="3657600" indent="0">
+              <a:buNone/>
+              <a:defRPr sz="1000"/>
+            </a:lvl9pPr>
+          </a:lstStyle>
+          <a:p>
+            <a:pPr lvl="0"/>
+            <a:r>
+              <a:rPr lang="zh-CN" altLang="en-US"/>
+              <a:t>单击此处编辑母版文本样式</a:t>
+            </a:r>
+          </a:p>
+        </p:txBody>
+      </p:sp>
+      <p:sp>
+        <p:nvSpPr>
+          <p:cNvPr id="4" name="Text Placeholder 3"/>
+          <p:cNvSpPr>
+            <a:spLocks noGrp="1"/>
+          </p:cNvSpPr>
+          <p:nvPr>
+            <p:ph type="body" sz="half" idx="2"/>
+          </p:nvPr>
+        </p:nvSpPr>
+        <p:spPr>
+          <a:xfrm>
+            <a:off x="680322" y="4711615"/>
+            <a:ext cx="9613859" cy="1090789"/>
+          </a:xfrm>
+        </p:spPr>
+        <p:txBody>
+          <a:bodyPr anchor="ctr">
+            <a:normAutofit/>
+          </a:bodyPr>
+          <a:lstStyle>
+            <a:lvl1pPr marL="0" indent="0">
+              <a:buNone/>
+              <a:defRPr sz="1600"/>
+            </a:lvl1pPr>
+            <a:lvl2pPr marL="457200" indent="0">
+              <a:buNone/>
+              <a:defRPr sz="1400"/>
+            </a:lvl2pPr>
+            <a:lvl3pPr marL="914400" indent="0">
+              <a:buNone/>
+              <a:defRPr sz="1200"/>
+            </a:lvl3pPr>
+            <a:lvl4pPr marL="1371600" indent="0">
+              <a:buNone/>
+              <a:defRPr sz="1000"/>
+            </a:lvl4pPr>
+            <a:lvl5pPr marL="1828800" indent="0">
+              <a:buNone/>
+              <a:defRPr sz="1000"/>
+            </a:lvl5pPr>
+            <a:lvl6pPr marL="2286000" indent="0">
+              <a:buNone/>
+              <a:defRPr sz="1000"/>
+            </a:lvl6pPr>
+            <a:lvl7pPr marL="2743200" indent="0">
+              <a:buNone/>
+              <a:defRPr sz="1000"/>
+            </a:lvl7pPr>
+            <a:lvl8pPr marL="3200400" indent="0">
+              <a:buNone/>
+              <a:defRPr sz="1000"/>
+            </a:lvl8pPr>
+            <a:lvl9pPr marL="3657600" indent="0">
+              <a:buNone/>
+              <a:defRPr sz="1000"/>
+            </a:lvl9pPr>
+          </a:lstStyle>
+          <a:p>
+            <a:pPr lvl="0"/>
+            <a:r>
+              <a:rPr lang="zh-CN" altLang="en-US"/>
+              <a:t>单击此处编辑母版文本样式</a:t>
+            </a:r>
+          </a:p>
+        </p:txBody>
+      </p:sp>
+      <p:sp>
+        <p:nvSpPr>
+          <p:cNvPr id="5" name="Date Placeholder 4"/>
+          <p:cNvSpPr>
+            <a:spLocks noGrp="1"/>
+          </p:cNvSpPr>
+          <p:nvPr>
+            <p:ph type="dt" sz="half" idx="10"/>
+          </p:nvPr>
+        </p:nvSpPr>
+        <p:spPr/>
+        <p:txBody>
+          <a:bodyPr/>
+          <a:lstStyle/>
+          <a:p>
+            <a:fld id="{753CD6A7-5E7B-4670-8050-4F8067769213}" type="datetimeFigureOut">
+              <a:rPr lang="zh-CN" altLang="en-US" smtClean="0"/>
+              <a:t>2020/4/29</a:t>
+            </a:fld>
+            <a:endParaRPr lang="zh-CN" altLang="en-US"/>
+          </a:p>
+        </p:txBody>
+      </p:sp>
+      <p:sp>
+        <p:nvSpPr>
+          <p:cNvPr id="6" name="Footer Placeholder 5"/>
+          <p:cNvSpPr>
+            <a:spLocks noGrp="1"/>
+          </p:cNvSpPr>
+          <p:nvPr>
+            <p:ph type="ftr" sz="quarter" idx="11"/>
+          </p:nvPr>
+        </p:nvSpPr>
+        <p:spPr/>
+        <p:txBody>
+          <a:bodyPr/>
+          <a:lstStyle/>
+          <a:p>
+            <a:endParaRPr lang="zh-CN" altLang="en-US"/>
+          </a:p>
+        </p:txBody>
+      </p:sp>
+      <p:sp>
+        <p:nvSpPr>
+          <p:cNvPr id="7" name="Slide Number Placeholder 6"/>
+          <p:cNvSpPr>
+            <a:spLocks noGrp="1"/>
+          </p:cNvSpPr>
+          <p:nvPr>
+            <p:ph type="sldNum" sz="quarter" idx="12"/>
+          </p:nvPr>
+        </p:nvSpPr>
+        <p:spPr>
+          <a:xfrm>
+            <a:off x="10729455" y="4709925"/>
+            <a:ext cx="1154151" cy="1090789"/>
+          </a:xfrm>
+        </p:spPr>
+        <p:txBody>
+          <a:bodyPr/>
+          <a:lstStyle/>
+          <a:p>
+            <a:fld id="{343C4BB7-ABCC-4FE3-BA4A-022B767ADE3D}" type="slidenum">
+              <a:rPr lang="zh-CN" altLang="en-US" smtClean="0"/>
+              <a:t>‹#›</a:t>
+            </a:fld>
+            <a:endParaRPr lang="zh-CN" altLang="en-US"/>
+          </a:p>
+        </p:txBody>
+      </p:sp>
+      <p:sp>
+        <p:nvSpPr>
+          <p:cNvPr id="16" name="TextBox 15"/>
+          <p:cNvSpPr txBox="1"/>
+          <p:nvPr/>
+        </p:nvSpPr>
+        <p:spPr>
+          <a:xfrm>
+            <a:off x="583572" y="748116"/>
+            <a:ext cx="609600" cy="584776"/>
+          </a:xfrm>
+          <a:prstGeom prst="rect">
+            <a:avLst/>
+          </a:prstGeom>
+        </p:spPr>
+        <p:txBody>
+          <a:bodyPr vert="horz" lIns="91440" tIns="45720" rIns="91440" bIns="45720" rtlCol="0" anchor="ctr">
+            <a:noAutofit/>
+          </a:bodyPr>
+          <a:lstStyle>
+            <a:lvl1pPr>
+              <a:spcBef>
+                <a:spcPct val="0"/>
+              </a:spcBef>
+              <a:buNone/>
+              <a:defRPr sz="3200" b="0" cap="all">
+                <a:ln w="3175" cmpd="sng">
+                  <a:noFill/>
+                </a:ln>
+                <a:effectLst>
+                  <a:glow rad="38100">
+                    <a:schemeClr val="bg1">
+                      <a:lumMod val="65000"/>
+                      <a:lumOff val="35000"/>
+                      <a:alpha val="40000"/>
+                    </a:schemeClr>
+                  </a:glow>
+                  <a:outerShdw blurRad="28575" dist="38100" dir="14040000" algn="tl" rotWithShape="0">
+                    <a:srgbClr val="000000">
+                      <a:alpha val="25000"/>
+                    </a:srgbClr>
+                  </a:outerShdw>
+                </a:effectLst>
+              </a:defRPr>
+            </a:lvl1pPr>
+            <a:lvl2pPr>
+              <a:defRPr>
+                <a:solidFill>
+                  <a:schemeClr val="tx2"/>
+                </a:solidFill>
+              </a:defRPr>
+            </a:lvl2pPr>
+            <a:lvl3pPr>
+              <a:defRPr>
+                <a:solidFill>
+                  <a:schemeClr val="tx2"/>
+                </a:solidFill>
+              </a:defRPr>
+            </a:lvl3pPr>
+            <a:lvl4pPr>
+              <a:defRPr>
+                <a:solidFill>
+                  <a:schemeClr val="tx2"/>
+                </a:solidFill>
+              </a:defRPr>
+            </a:lvl4pPr>
+            <a:lvl5pPr>
+              <a:defRPr>
+                <a:solidFill>
+                  <a:schemeClr val="tx2"/>
+                </a:solidFill>
+              </a:defRPr>
+            </a:lvl5pPr>
+            <a:lvl6pPr>
+              <a:defRPr>
+                <a:solidFill>
+                  <a:schemeClr val="tx2"/>
+                </a:solidFill>
+              </a:defRPr>
+            </a:lvl6pPr>
+            <a:lvl7pPr>
+              <a:defRPr>
+                <a:solidFill>
+                  <a:schemeClr val="tx2"/>
+                </a:solidFill>
+              </a:defRPr>
+            </a:lvl7pPr>
+            <a:lvl8pPr>
+              <a:defRPr>
+                <a:solidFill>
+                  <a:schemeClr val="tx2"/>
+                </a:solidFill>
+              </a:defRPr>
+            </a:lvl8pPr>
+            <a:lvl9pPr>
+              <a:defRPr>
+                <a:solidFill>
+                  <a:schemeClr val="tx2"/>
+                </a:solidFill>
+              </a:defRPr>
+            </a:lvl9pPr>
+          </a:lstStyle>
+          <a:p>
+            <a:pPr lvl="0"/>
+            <a:r>
+              <a:rPr lang="en-US" sz="7200" dirty="0">
+                <a:solidFill>
+                  <a:schemeClr val="tx1"/>
+                </a:solidFill>
+                <a:effectLst/>
+              </a:rPr>
+              <a:t>“</a:t>
+            </a:r>
+          </a:p>
+        </p:txBody>
+      </p:sp>
+      <p:sp>
+        <p:nvSpPr>
+          <p:cNvPr id="17" name="TextBox 16"/>
+          <p:cNvSpPr txBox="1"/>
+          <p:nvPr/>
+        </p:nvSpPr>
+        <p:spPr>
+          <a:xfrm>
+            <a:off x="9662809" y="3033524"/>
+            <a:ext cx="609600" cy="584776"/>
+          </a:xfrm>
+          <a:prstGeom prst="rect">
+            <a:avLst/>
+          </a:prstGeom>
+        </p:spPr>
+        <p:txBody>
+          <a:bodyPr vert="horz" lIns="91440" tIns="45720" rIns="91440" bIns="45720" rtlCol="0" anchor="ctr">
+            <a:noAutofit/>
+          </a:bodyPr>
+          <a:lstStyle>
+            <a:lvl1pPr>
+              <a:spcBef>
+                <a:spcPct val="0"/>
+              </a:spcBef>
+              <a:buNone/>
+              <a:defRPr sz="3200" b="0" cap="all">
+                <a:ln w="3175" cmpd="sng">
+                  <a:noFill/>
+                </a:ln>
+                <a:effectLst>
+                  <a:glow rad="38100">
+                    <a:schemeClr val="bg1">
+                      <a:lumMod val="65000"/>
+                      <a:lumOff val="35000"/>
+                      <a:alpha val="40000"/>
+                    </a:schemeClr>
+                  </a:glow>
+                  <a:outerShdw blurRad="28575" dist="38100" dir="14040000" algn="tl" rotWithShape="0">
+                    <a:srgbClr val="000000">
+                      <a:alpha val="25000"/>
+                    </a:srgbClr>
+                  </a:outerShdw>
+                </a:effectLst>
+              </a:defRPr>
+            </a:lvl1pPr>
+            <a:lvl2pPr>
+              <a:defRPr>
+                <a:solidFill>
+                  <a:schemeClr val="tx2"/>
+                </a:solidFill>
+              </a:defRPr>
+            </a:lvl2pPr>
+            <a:lvl3pPr>
+              <a:defRPr>
+                <a:solidFill>
+                  <a:schemeClr val="tx2"/>
+                </a:solidFill>
+              </a:defRPr>
+            </a:lvl3pPr>
+            <a:lvl4pPr>
+              <a:defRPr>
+                <a:solidFill>
+                  <a:schemeClr val="tx2"/>
+                </a:solidFill>
+              </a:defRPr>
+            </a:lvl4pPr>
+            <a:lvl5pPr>
+              <a:defRPr>
+                <a:solidFill>
+                  <a:schemeClr val="tx2"/>
+                </a:solidFill>
+              </a:defRPr>
+            </a:lvl5pPr>
+            <a:lvl6pPr>
+              <a:defRPr>
+                <a:solidFill>
+                  <a:schemeClr val="tx2"/>
+                </a:solidFill>
+              </a:defRPr>
+            </a:lvl6pPr>
+            <a:lvl7pPr>
+              <a:defRPr>
+                <a:solidFill>
+                  <a:schemeClr val="tx2"/>
+                </a:solidFill>
+              </a:defRPr>
+            </a:lvl7pPr>
+            <a:lvl8pPr>
+              <a:defRPr>
+                <a:solidFill>
+                  <a:schemeClr val="tx2"/>
+                </a:solidFill>
+              </a:defRPr>
+            </a:lvl8pPr>
+            <a:lvl9pPr>
+              <a:defRPr>
+                <a:solidFill>
+                  <a:schemeClr val="tx2"/>
+                </a:solidFill>
+              </a:defRPr>
+            </a:lvl9pPr>
+          </a:lstStyle>
+          <a:p>
+            <a:pPr lvl="0" algn="r"/>
+            <a:r>
+              <a:rPr lang="en-US" sz="7200" dirty="0">
+                <a:solidFill>
+                  <a:schemeClr val="tx1"/>
+                </a:solidFill>
+                <a:effectLst/>
+              </a:rPr>
+              <a:t>”</a:t>
+            </a:r>
+          </a:p>
+        </p:txBody>
+      </p:sp>
+    </p:spTree>
+    <p:extLst>
+      <p:ext uri="{BB962C8B-B14F-4D97-AF65-F5344CB8AC3E}">
+        <p14:creationId xmlns:p14="http://schemas.microsoft.com/office/powerpoint/2010/main" val="964621514"/>
+      </p:ext>
+    </p:extLst>
+  </p:cSld>
+  <p:clrMapOvr>
+    <a:masterClrMapping/>
+  </p:clrMapOvr>
+</p:sldLayout>
+</file>
+
+<file path=ppt/slideLayouts/slideLayout13.xml><?xml version="1.0" encoding="utf-8"?>
+<p:sldLayout xmlns:a="http://schemas.openxmlformats.org/drawingml/2006/main" xmlns:r="http://schemas.openxmlformats.org/officeDocument/2006/relationships" xmlns:p="http://schemas.openxmlformats.org/presentationml/2006/main" preserve="1">
+  <p:cSld name="名片">
+    <p:spTree>
+      <p:nvGrpSpPr>
+        <p:cNvPr id="1" name=""/>
+        <p:cNvGrpSpPr/>
+        <p:nvPr/>
+      </p:nvGrpSpPr>
+      <p:grpSpPr>
+        <a:xfrm>
+          <a:off x="0" y="0"/>
+          <a:ext cx="0" cy="0"/>
+          <a:chOff x="0" y="0"/>
+          <a:chExt cx="0" cy="0"/>
+        </a:xfrm>
+      </p:grpSpPr>
+      <p:pic>
+        <p:nvPicPr>
+          <p:cNvPr id="9" name="Picture 8" descr="HD-ShadowLong.png"/>
+          <p:cNvPicPr>
+            <a:picLocks noChangeAspect="1"/>
+          </p:cNvPicPr>
+          <p:nvPr/>
+        </p:nvPicPr>
+        <p:blipFill>
+          <a:blip r:embed="rId2">
+            <a:extLst>
+              <a:ext uri="{28A0092B-C50C-407E-A947-70E740481C1C}">
+                <a14:useLocalDpi xmlns:a14="http://schemas.microsoft.com/office/drawing/2010/main" val="0"/>
+              </a:ext>
+            </a:extLst>
+          </a:blip>
+          <a:stretch>
+            <a:fillRect/>
+          </a:stretch>
+        </p:blipFill>
+        <p:spPr>
+          <a:xfrm>
+            <a:off x="1" y="5928628"/>
+            <a:ext cx="10437812" cy="321164"/>
+          </a:xfrm>
+          <a:prstGeom prst="rect">
+            <a:avLst/>
+          </a:prstGeom>
+        </p:spPr>
+      </p:pic>
+      <p:pic>
+        <p:nvPicPr>
+          <p:cNvPr id="10" name="Picture 9" descr="HD-ShadowShort.png"/>
+          <p:cNvPicPr>
+            <a:picLocks noChangeAspect="1"/>
+          </p:cNvPicPr>
+          <p:nvPr/>
+        </p:nvPicPr>
+        <p:blipFill>
+          <a:blip r:embed="rId3">
+            <a:extLst>
+              <a:ext uri="{28A0092B-C50C-407E-A947-70E740481C1C}">
+                <a14:useLocalDpi xmlns:a14="http://schemas.microsoft.com/office/drawing/2010/main" val="0"/>
+              </a:ext>
+            </a:extLst>
+          </a:blip>
+          <a:stretch>
+            <a:fillRect/>
+          </a:stretch>
+        </p:blipFill>
+        <p:spPr>
+          <a:xfrm>
+            <a:off x="10585826" y="5929622"/>
+            <a:ext cx="1602997" cy="144270"/>
+          </a:xfrm>
+          <a:prstGeom prst="rect">
+            <a:avLst/>
+          </a:prstGeom>
+        </p:spPr>
+      </p:pic>
+      <p:sp>
+        <p:nvSpPr>
+          <p:cNvPr id="11" name="Rectangle 10"/>
+          <p:cNvSpPr/>
+          <p:nvPr/>
+        </p:nvSpPr>
+        <p:spPr bwMode="ltGray">
+          <a:xfrm>
+            <a:off x="0" y="4567988"/>
+            <a:ext cx="10437812" cy="1368198"/>
+          </a:xfrm>
+          <a:prstGeom prst="rect">
+            <a:avLst/>
+          </a:prstGeom>
+          <a:solidFill>
+            <a:schemeClr val="bg1">
+              <a:lumMod val="85000"/>
+              <a:lumOff val="15000"/>
+            </a:schemeClr>
+          </a:solidFill>
+          <a:ln>
+            <a:noFill/>
+          </a:ln>
+        </p:spPr>
+        <p:style>
+          <a:lnRef idx="2">
+            <a:schemeClr val="accent1">
+              <a:shade val="50000"/>
+            </a:schemeClr>
+          </a:lnRef>
+          <a:fillRef idx="1">
+            <a:schemeClr val="accent1"/>
+          </a:fillRef>
+          <a:effectRef idx="0">
+            <a:schemeClr val="accent1"/>
+          </a:effectRef>
+          <a:fontRef idx="minor">
+            <a:schemeClr val="lt1"/>
+          </a:fontRef>
+        </p:style>
+      </p:sp>
+      <p:sp>
+        <p:nvSpPr>
+          <p:cNvPr id="12" name="Rectangle 11"/>
+          <p:cNvSpPr/>
+          <p:nvPr/>
+        </p:nvSpPr>
+        <p:spPr>
+          <a:xfrm>
+            <a:off x="10585827" y="4567988"/>
+            <a:ext cx="1602997" cy="1368198"/>
+          </a:xfrm>
+          <a:prstGeom prst="rect">
+            <a:avLst/>
+          </a:prstGeom>
+          <a:solidFill>
+            <a:schemeClr val="accent1"/>
+          </a:solidFill>
+          <a:ln>
+            <a:noFill/>
+          </a:ln>
+        </p:spPr>
+        <p:style>
+          <a:lnRef idx="2">
+            <a:schemeClr val="accent1">
+              <a:shade val="50000"/>
+            </a:schemeClr>
+          </a:lnRef>
+          <a:fillRef idx="1">
+            <a:schemeClr val="accent1"/>
+          </a:fillRef>
+          <a:effectRef idx="0">
+            <a:schemeClr val="accent1"/>
+          </a:effectRef>
+          <a:fontRef idx="minor">
+            <a:schemeClr val="lt1"/>
+          </a:fontRef>
+        </p:style>
+      </p:sp>
+      <p:sp>
+        <p:nvSpPr>
+          <p:cNvPr id="2" name="Title 1"/>
+          <p:cNvSpPr>
+            <a:spLocks noGrp="1"/>
+          </p:cNvSpPr>
+          <p:nvPr>
+            <p:ph type="title"/>
+          </p:nvPr>
+        </p:nvSpPr>
+        <p:spPr>
+          <a:xfrm>
+            <a:off x="680319" y="4711615"/>
+            <a:ext cx="9613862" cy="588535"/>
+          </a:xfrm>
+        </p:spPr>
+        <p:txBody>
+          <a:bodyPr anchor="b"/>
+          <a:lstStyle>
+            <a:lvl1pPr>
+              <a:defRPr sz="3200"/>
+            </a:lvl1pPr>
+          </a:lstStyle>
+          <a:p>
+            <a:r>
+              <a:rPr lang="zh-CN" altLang="en-US"/>
+              <a:t>单击此处编辑母版标题样式</a:t>
+            </a:r>
+            <a:endParaRPr lang="en-US" dirty="0"/>
+          </a:p>
+        </p:txBody>
+      </p:sp>
+      <p:sp>
+        <p:nvSpPr>
+          <p:cNvPr id="4" name="Text Placeholder 3"/>
+          <p:cNvSpPr>
+            <a:spLocks noGrp="1"/>
+          </p:cNvSpPr>
+          <p:nvPr>
+            <p:ph type="body" sz="half" idx="2"/>
+          </p:nvPr>
+        </p:nvSpPr>
+        <p:spPr>
+          <a:xfrm>
+            <a:off x="680320" y="5300149"/>
+            <a:ext cx="9613862" cy="502255"/>
+          </a:xfrm>
+        </p:spPr>
+        <p:txBody>
+          <a:bodyPr anchor="t"/>
+          <a:lstStyle>
+            <a:lvl1pPr marL="0" indent="0">
+              <a:buNone/>
+              <a:defRPr sz="1600"/>
+            </a:lvl1pPr>
+            <a:lvl2pPr marL="457200" indent="0">
+              <a:buNone/>
+              <a:defRPr sz="1400"/>
+            </a:lvl2pPr>
+            <a:lvl3pPr marL="914400" indent="0">
+              <a:buNone/>
+              <a:defRPr sz="1200"/>
+            </a:lvl3pPr>
+            <a:lvl4pPr marL="1371600" indent="0">
+              <a:buNone/>
+              <a:defRPr sz="1000"/>
+            </a:lvl4pPr>
+            <a:lvl5pPr marL="1828800" indent="0">
+              <a:buNone/>
+              <a:defRPr sz="1000"/>
+            </a:lvl5pPr>
+            <a:lvl6pPr marL="2286000" indent="0">
+              <a:buNone/>
+              <a:defRPr sz="1000"/>
+            </a:lvl6pPr>
+            <a:lvl7pPr marL="2743200" indent="0">
+              <a:buNone/>
+              <a:defRPr sz="1000"/>
+            </a:lvl7pPr>
+            <a:lvl8pPr marL="3200400" indent="0">
+              <a:buNone/>
+              <a:defRPr sz="1000"/>
+            </a:lvl8pPr>
+            <a:lvl9pPr marL="3657600" indent="0">
+              <a:buNone/>
+              <a:defRPr sz="1000"/>
+            </a:lvl9pPr>
+          </a:lstStyle>
+          <a:p>
+            <a:pPr lvl="0"/>
+            <a:r>
+              <a:rPr lang="zh-CN" altLang="en-US"/>
+              <a:t>单击此处编辑母版文本样式</a:t>
+            </a:r>
+          </a:p>
+        </p:txBody>
+      </p:sp>
+      <p:sp>
+        <p:nvSpPr>
+          <p:cNvPr id="5" name="Date Placeholder 4"/>
+          <p:cNvSpPr>
+            <a:spLocks noGrp="1"/>
+          </p:cNvSpPr>
+          <p:nvPr>
+            <p:ph type="dt" sz="half" idx="10"/>
+          </p:nvPr>
+        </p:nvSpPr>
+        <p:spPr/>
+        <p:txBody>
+          <a:bodyPr/>
+          <a:lstStyle/>
+          <a:p>
+            <a:fld id="{753CD6A7-5E7B-4670-8050-4F8067769213}" type="datetimeFigureOut">
+              <a:rPr lang="zh-CN" altLang="en-US" smtClean="0"/>
+              <a:t>2020/4/29</a:t>
+            </a:fld>
+            <a:endParaRPr lang="zh-CN" altLang="en-US"/>
+          </a:p>
+        </p:txBody>
+      </p:sp>
+      <p:sp>
+        <p:nvSpPr>
+          <p:cNvPr id="6" name="Footer Placeholder 5"/>
+          <p:cNvSpPr>
+            <a:spLocks noGrp="1"/>
+          </p:cNvSpPr>
+          <p:nvPr>
+            <p:ph type="ftr" sz="quarter" idx="11"/>
+          </p:nvPr>
+        </p:nvSpPr>
+        <p:spPr/>
+        <p:txBody>
+          <a:bodyPr/>
+          <a:lstStyle/>
+          <a:p>
+            <a:endParaRPr lang="zh-CN" altLang="en-US"/>
+          </a:p>
+        </p:txBody>
+      </p:sp>
+      <p:sp>
+        <p:nvSpPr>
+          <p:cNvPr id="7" name="Slide Number Placeholder 6"/>
+          <p:cNvSpPr>
+            <a:spLocks noGrp="1"/>
+          </p:cNvSpPr>
+          <p:nvPr>
+            <p:ph type="sldNum" sz="quarter" idx="12"/>
+          </p:nvPr>
+        </p:nvSpPr>
+        <p:spPr>
+          <a:xfrm>
+            <a:off x="10729455" y="4709925"/>
+            <a:ext cx="1154151" cy="1090789"/>
+          </a:xfrm>
+        </p:spPr>
+        <p:txBody>
+          <a:bodyPr/>
+          <a:lstStyle/>
+          <a:p>
+            <a:fld id="{343C4BB7-ABCC-4FE3-BA4A-022B767ADE3D}" type="slidenum">
+              <a:rPr lang="zh-CN" altLang="en-US" smtClean="0"/>
+              <a:t>‹#›</a:t>
+            </a:fld>
+            <a:endParaRPr lang="zh-CN" altLang="en-US"/>
+          </a:p>
+        </p:txBody>
+      </p:sp>
+    </p:spTree>
+    <p:extLst>
+      <p:ext uri="{BB962C8B-B14F-4D97-AF65-F5344CB8AC3E}">
+        <p14:creationId xmlns:p14="http://schemas.microsoft.com/office/powerpoint/2010/main" val="3604222058"/>
+      </p:ext>
+    </p:extLst>
+  </p:cSld>
+  <p:clrMapOvr>
+    <a:masterClrMapping/>
+  </p:clrMapOvr>
+</p:sldLayout>
+</file>
+
+<file path=ppt/slideLayouts/slideLayout14.xml><?xml version="1.0" encoding="utf-8"?>
+<p:sldLayout xmlns:a="http://schemas.openxmlformats.org/drawingml/2006/main" xmlns:r="http://schemas.openxmlformats.org/officeDocument/2006/relationships" xmlns:p="http://schemas.openxmlformats.org/presentationml/2006/main" preserve="1">
+  <p:cSld name="3 栏">
+    <p:spTree>
+      <p:nvGrpSpPr>
+        <p:cNvPr id="1" name=""/>
+        <p:cNvGrpSpPr/>
+        <p:nvPr/>
+      </p:nvGrpSpPr>
+      <p:grpSpPr>
+        <a:xfrm>
+          <a:off x="0" y="0"/>
+          <a:ext cx="0" cy="0"/>
+          <a:chOff x="0" y="0"/>
+          <a:chExt cx="0" cy="0"/>
+        </a:xfrm>
+      </p:grpSpPr>
+      <p:pic>
+        <p:nvPicPr>
+          <p:cNvPr id="13" name="Picture 12" descr="HD-ShadowLong.png"/>
+          <p:cNvPicPr>
+            <a:picLocks noChangeAspect="1"/>
+          </p:cNvPicPr>
+          <p:nvPr/>
+        </p:nvPicPr>
+        <p:blipFill>
+          <a:blip r:embed="rId2">
+            <a:extLst>
+              <a:ext uri="{28A0092B-C50C-407E-A947-70E740481C1C}">
+                <a14:useLocalDpi xmlns:a14="http://schemas.microsoft.com/office/drawing/2010/main" val="0"/>
+              </a:ext>
+            </a:extLst>
+          </a:blip>
+          <a:stretch>
+            <a:fillRect/>
+          </a:stretch>
+        </p:blipFill>
+        <p:spPr>
+          <a:xfrm>
+            <a:off x="1" y="1970240"/>
+            <a:ext cx="10437812" cy="321164"/>
+          </a:xfrm>
+          <a:prstGeom prst="rect">
+            <a:avLst/>
+          </a:prstGeom>
+        </p:spPr>
+      </p:pic>
+      <p:pic>
+        <p:nvPicPr>
+          <p:cNvPr id="14" name="Picture 13" descr="HD-ShadowShort.png"/>
+          <p:cNvPicPr>
+            <a:picLocks noChangeAspect="1"/>
+          </p:cNvPicPr>
+          <p:nvPr/>
+        </p:nvPicPr>
+        <p:blipFill>
+          <a:blip r:embed="rId3">
+            <a:extLst>
+              <a:ext uri="{28A0092B-C50C-407E-A947-70E740481C1C}">
+                <a14:useLocalDpi xmlns:a14="http://schemas.microsoft.com/office/drawing/2010/main" val="0"/>
+              </a:ext>
+            </a:extLst>
+          </a:blip>
+          <a:stretch>
+            <a:fillRect/>
+          </a:stretch>
+        </p:blipFill>
+        <p:spPr>
+          <a:xfrm>
+            <a:off x="10585826" y="1971234"/>
+            <a:ext cx="1602997" cy="144270"/>
+          </a:xfrm>
+          <a:prstGeom prst="rect">
+            <a:avLst/>
+          </a:prstGeom>
+        </p:spPr>
+      </p:pic>
+      <p:sp>
+        <p:nvSpPr>
+          <p:cNvPr id="16" name="Rectangle 15"/>
+          <p:cNvSpPr/>
+          <p:nvPr/>
+        </p:nvSpPr>
+        <p:spPr bwMode="ltGray">
+          <a:xfrm>
+            <a:off x="0" y="609600"/>
+            <a:ext cx="10437812" cy="1368198"/>
+          </a:xfrm>
+          <a:prstGeom prst="rect">
+            <a:avLst/>
+          </a:prstGeom>
+          <a:solidFill>
+            <a:schemeClr val="bg1">
+              <a:lumMod val="85000"/>
+              <a:lumOff val="15000"/>
+            </a:schemeClr>
+          </a:solidFill>
+          <a:ln>
+            <a:noFill/>
+          </a:ln>
+        </p:spPr>
+        <p:style>
+          <a:lnRef idx="2">
+            <a:schemeClr val="accent1">
+              <a:shade val="50000"/>
+            </a:schemeClr>
+          </a:lnRef>
+          <a:fillRef idx="1">
+            <a:schemeClr val="accent1"/>
+          </a:fillRef>
+          <a:effectRef idx="0">
+            <a:schemeClr val="accent1"/>
+          </a:effectRef>
+          <a:fontRef idx="minor">
+            <a:schemeClr val="lt1"/>
+          </a:fontRef>
+        </p:style>
+      </p:sp>
+      <p:sp>
+        <p:nvSpPr>
+          <p:cNvPr id="17" name="Rectangle 16"/>
+          <p:cNvSpPr/>
+          <p:nvPr/>
+        </p:nvSpPr>
+        <p:spPr>
+          <a:xfrm>
+            <a:off x="10585827" y="609600"/>
+            <a:ext cx="1602997" cy="1368198"/>
+          </a:xfrm>
+          <a:prstGeom prst="rect">
+            <a:avLst/>
+          </a:prstGeom>
+          <a:solidFill>
+            <a:schemeClr val="accent1"/>
+          </a:solidFill>
+          <a:ln>
+            <a:noFill/>
+          </a:ln>
+        </p:spPr>
+        <p:style>
+          <a:lnRef idx="2">
+            <a:schemeClr val="accent1">
+              <a:shade val="50000"/>
+            </a:schemeClr>
+          </a:lnRef>
+          <a:fillRef idx="1">
+            <a:schemeClr val="accent1"/>
+          </a:fillRef>
+          <a:effectRef idx="0">
+            <a:schemeClr val="accent1"/>
+          </a:effectRef>
+          <a:fontRef idx="minor">
+            <a:schemeClr val="lt1"/>
+          </a:fontRef>
+        </p:style>
+      </p:sp>
+      <p:sp>
+        <p:nvSpPr>
+          <p:cNvPr id="15" name="Title 1"/>
+          <p:cNvSpPr>
+            <a:spLocks noGrp="1"/>
+          </p:cNvSpPr>
+          <p:nvPr>
+            <p:ph type="title"/>
+          </p:nvPr>
+        </p:nvSpPr>
+        <p:spPr>
+          <a:xfrm>
+            <a:off x="669222" y="753228"/>
+            <a:ext cx="9624960" cy="1080938"/>
+          </a:xfrm>
+        </p:spPr>
+        <p:txBody>
+          <a:bodyPr/>
+          <a:lstStyle/>
+          <a:p>
+            <a:r>
+              <a:rPr lang="zh-CN" altLang="en-US"/>
+              <a:t>单击此处编辑母版标题样式</a:t>
+            </a:r>
+            <a:endParaRPr lang="en-US" dirty="0"/>
+          </a:p>
+        </p:txBody>
+      </p:sp>
+      <p:sp>
+        <p:nvSpPr>
+          <p:cNvPr id="7" name="Text Placeholder 2"/>
+          <p:cNvSpPr>
+            <a:spLocks noGrp="1"/>
+          </p:cNvSpPr>
+          <p:nvPr>
+            <p:ph type="body" idx="1"/>
+          </p:nvPr>
+        </p:nvSpPr>
+        <p:spPr>
+          <a:xfrm>
+            <a:off x="660946" y="2336873"/>
+            <a:ext cx="3070034" cy="576262"/>
+          </a:xfrm>
+        </p:spPr>
+        <p:txBody>
+          <a:bodyPr anchor="b">
+            <a:noAutofit/>
+          </a:bodyPr>
+          <a:lstStyle>
+            <a:lvl1pPr marL="0" indent="0">
+              <a:buNone/>
+              <a:defRPr sz="2400" b="0">
+                <a:solidFill>
+                  <a:schemeClr val="tx1"/>
+                </a:solidFill>
+              </a:defRPr>
+            </a:lvl1pPr>
+            <a:lvl2pPr marL="457200" indent="0">
+              <a:buNone/>
+              <a:defRPr sz="2000" b="1"/>
+            </a:lvl2pPr>
+            <a:lvl3pPr marL="914400" indent="0">
+              <a:buNone/>
+              <a:defRPr sz="1800" b="1"/>
+            </a:lvl3pPr>
+            <a:lvl4pPr marL="1371600" indent="0">
+              <a:buNone/>
+              <a:defRPr sz="1600" b="1"/>
+            </a:lvl4pPr>
+            <a:lvl5pPr marL="1828800" indent="0">
+              <a:buNone/>
+              <a:defRPr sz="1600" b="1"/>
+            </a:lvl5pPr>
+            <a:lvl6pPr marL="2286000" indent="0">
+              <a:buNone/>
+              <a:defRPr sz="1600" b="1"/>
+            </a:lvl6pPr>
+            <a:lvl7pPr marL="2743200" indent="0">
+              <a:buNone/>
+              <a:defRPr sz="1600" b="1"/>
+            </a:lvl7pPr>
+            <a:lvl8pPr marL="3200400" indent="0">
+              <a:buNone/>
+              <a:defRPr sz="1600" b="1"/>
+            </a:lvl8pPr>
+            <a:lvl9pPr marL="3657600" indent="0">
+              <a:buNone/>
+              <a:defRPr sz="1600" b="1"/>
+            </a:lvl9pPr>
+          </a:lstStyle>
+          <a:p>
+            <a:pPr lvl="0"/>
+            <a:r>
+              <a:rPr lang="zh-CN" altLang="en-US"/>
+              <a:t>单击此处编辑母版文本样式</a:t>
+            </a:r>
+          </a:p>
+        </p:txBody>
+      </p:sp>
+      <p:sp>
+        <p:nvSpPr>
+          <p:cNvPr id="8" name="Text Placeholder 3"/>
+          <p:cNvSpPr>
+            <a:spLocks noGrp="1"/>
+          </p:cNvSpPr>
+          <p:nvPr>
+            <p:ph type="body" sz="half" idx="15"/>
+          </p:nvPr>
+        </p:nvSpPr>
+        <p:spPr>
+          <a:xfrm>
+            <a:off x="680322" y="3022673"/>
+            <a:ext cx="3049702" cy="2913513"/>
+          </a:xfrm>
+        </p:spPr>
+        <p:txBody>
+          <a:bodyPr anchor="t">
+            <a:normAutofit/>
+          </a:bodyPr>
+          <a:lstStyle>
+            <a:lvl1pPr marL="0" indent="0">
+              <a:buNone/>
+              <a:defRPr sz="1400"/>
+            </a:lvl1pPr>
+            <a:lvl2pPr marL="457200" indent="0">
+              <a:buNone/>
+              <a:defRPr sz="1200"/>
+            </a:lvl2pPr>
+            <a:lvl3pPr marL="914400" indent="0">
+              <a:buNone/>
+              <a:defRPr sz="1000"/>
+            </a:lvl3pPr>
+            <a:lvl4pPr marL="1371600" indent="0">
+              <a:buNone/>
+              <a:defRPr sz="900"/>
+            </a:lvl4pPr>
+            <a:lvl5pPr marL="1828800" indent="0">
+              <a:buNone/>
+              <a:defRPr sz="900"/>
+            </a:lvl5pPr>
+            <a:lvl6pPr marL="2286000" indent="0">
+              <a:buNone/>
+              <a:defRPr sz="900"/>
+            </a:lvl6pPr>
+            <a:lvl7pPr marL="2743200" indent="0">
+              <a:buNone/>
+              <a:defRPr sz="900"/>
+            </a:lvl7pPr>
+            <a:lvl8pPr marL="3200400" indent="0">
+              <a:buNone/>
+              <a:defRPr sz="900"/>
+            </a:lvl8pPr>
+            <a:lvl9pPr marL="3657600" indent="0">
+              <a:buNone/>
+              <a:defRPr sz="900"/>
+            </a:lvl9pPr>
+          </a:lstStyle>
+          <a:p>
+            <a:pPr lvl="0"/>
+            <a:r>
+              <a:rPr lang="zh-CN" altLang="en-US"/>
+              <a:t>单击此处编辑母版文本样式</a:t>
+            </a:r>
+          </a:p>
+        </p:txBody>
+      </p:sp>
+      <p:sp>
+        <p:nvSpPr>
+          <p:cNvPr id="9" name="Text Placeholder 4"/>
+          <p:cNvSpPr>
+            <a:spLocks noGrp="1"/>
+          </p:cNvSpPr>
+          <p:nvPr>
+            <p:ph type="body" sz="quarter" idx="3"/>
+          </p:nvPr>
+        </p:nvSpPr>
+        <p:spPr>
+          <a:xfrm>
+            <a:off x="3956025" y="2336873"/>
+            <a:ext cx="3063240" cy="576262"/>
+          </a:xfrm>
+        </p:spPr>
+        <p:txBody>
+          <a:bodyPr anchor="b">
+            <a:noAutofit/>
+          </a:bodyPr>
+          <a:lstStyle>
+            <a:lvl1pPr marL="0" indent="0">
+              <a:buNone/>
+              <a:defRPr sz="2400" b="0">
+                <a:solidFill>
+                  <a:schemeClr val="tx1"/>
+                </a:solidFill>
+              </a:defRPr>
+            </a:lvl1pPr>
+            <a:lvl2pPr marL="457200" indent="0">
+              <a:buNone/>
+              <a:defRPr sz="2000" b="1"/>
+            </a:lvl2pPr>
+            <a:lvl3pPr marL="914400" indent="0">
+              <a:buNone/>
+              <a:defRPr sz="1800" b="1"/>
+            </a:lvl3pPr>
+            <a:lvl4pPr marL="1371600" indent="0">
+              <a:buNone/>
+              <a:defRPr sz="1600" b="1"/>
+            </a:lvl4pPr>
+            <a:lvl5pPr marL="1828800" indent="0">
+              <a:buNone/>
+              <a:defRPr sz="1600" b="1"/>
+            </a:lvl5pPr>
+            <a:lvl6pPr marL="2286000" indent="0">
+              <a:buNone/>
+              <a:defRPr sz="1600" b="1"/>
+            </a:lvl6pPr>
+            <a:lvl7pPr marL="2743200" indent="0">
+              <a:buNone/>
+              <a:defRPr sz="1600" b="1"/>
+            </a:lvl7pPr>
+            <a:lvl8pPr marL="3200400" indent="0">
+              <a:buNone/>
+              <a:defRPr sz="1600" b="1"/>
+            </a:lvl8pPr>
+            <a:lvl9pPr marL="3657600" indent="0">
+              <a:buNone/>
+              <a:defRPr sz="1600" b="1"/>
+            </a:lvl9pPr>
+          </a:lstStyle>
+          <a:p>
+            <a:pPr lvl="0"/>
+            <a:r>
+              <a:rPr lang="zh-CN" altLang="en-US"/>
+              <a:t>单击此处编辑母版文本样式</a:t>
+            </a:r>
+          </a:p>
+        </p:txBody>
+      </p:sp>
+      <p:sp>
+        <p:nvSpPr>
+          <p:cNvPr id="10" name="Text Placeholder 3"/>
+          <p:cNvSpPr>
+            <a:spLocks noGrp="1"/>
+          </p:cNvSpPr>
+          <p:nvPr>
+            <p:ph type="body" sz="half" idx="16"/>
+          </p:nvPr>
+        </p:nvSpPr>
+        <p:spPr>
+          <a:xfrm>
+            <a:off x="3945470" y="3022673"/>
+            <a:ext cx="3063240" cy="2913513"/>
+          </a:xfrm>
+        </p:spPr>
+        <p:txBody>
+          <a:bodyPr anchor="t">
+            <a:normAutofit/>
+          </a:bodyPr>
+          <a:lstStyle>
+            <a:lvl1pPr marL="0" indent="0">
+              <a:buNone/>
+              <a:defRPr sz="1400"/>
+            </a:lvl1pPr>
+            <a:lvl2pPr marL="457200" indent="0">
+              <a:buNone/>
+              <a:defRPr sz="1200"/>
+            </a:lvl2pPr>
+            <a:lvl3pPr marL="914400" indent="0">
+              <a:buNone/>
+              <a:defRPr sz="1000"/>
+            </a:lvl3pPr>
+            <a:lvl4pPr marL="1371600" indent="0">
+              <a:buNone/>
+              <a:defRPr sz="900"/>
+            </a:lvl4pPr>
+            <a:lvl5pPr marL="1828800" indent="0">
+              <a:buNone/>
+              <a:defRPr sz="900"/>
+            </a:lvl5pPr>
+            <a:lvl6pPr marL="2286000" indent="0">
+              <a:buNone/>
+              <a:defRPr sz="900"/>
+            </a:lvl6pPr>
+            <a:lvl7pPr marL="2743200" indent="0">
+              <a:buNone/>
+              <a:defRPr sz="900"/>
+            </a:lvl7pPr>
+            <a:lvl8pPr marL="3200400" indent="0">
+              <a:buNone/>
+              <a:defRPr sz="900"/>
+            </a:lvl8pPr>
+            <a:lvl9pPr marL="3657600" indent="0">
+              <a:buNone/>
+              <a:defRPr sz="900"/>
+            </a:lvl9pPr>
+          </a:lstStyle>
+          <a:p>
+            <a:pPr lvl="0"/>
+            <a:r>
+              <a:rPr lang="zh-CN" altLang="en-US"/>
+              <a:t>单击此处编辑母版文本样式</a:t>
+            </a:r>
+          </a:p>
+        </p:txBody>
+      </p:sp>
+      <p:sp>
+        <p:nvSpPr>
+          <p:cNvPr id="11" name="Text Placeholder 4"/>
+          <p:cNvSpPr>
+            <a:spLocks noGrp="1"/>
+          </p:cNvSpPr>
+          <p:nvPr>
+            <p:ph type="body" sz="quarter" idx="13"/>
+          </p:nvPr>
+        </p:nvSpPr>
+        <p:spPr>
+          <a:xfrm>
+            <a:off x="7224156" y="2336873"/>
+            <a:ext cx="3070025" cy="576262"/>
+          </a:xfrm>
+        </p:spPr>
+        <p:txBody>
+          <a:bodyPr anchor="b">
+            <a:noAutofit/>
+          </a:bodyPr>
+          <a:lstStyle>
+            <a:lvl1pPr marL="0" indent="0">
+              <a:buNone/>
+              <a:defRPr sz="2400" b="0">
+                <a:solidFill>
+                  <a:schemeClr val="tx1"/>
+                </a:solidFill>
+              </a:defRPr>
+            </a:lvl1pPr>
+            <a:lvl2pPr marL="457200" indent="0">
+              <a:buNone/>
+              <a:defRPr sz="2000" b="1"/>
+            </a:lvl2pPr>
+            <a:lvl3pPr marL="914400" indent="0">
+              <a:buNone/>
+              <a:defRPr sz="1800" b="1"/>
+            </a:lvl3pPr>
+            <a:lvl4pPr marL="1371600" indent="0">
+              <a:buNone/>
+              <a:defRPr sz="1600" b="1"/>
+            </a:lvl4pPr>
+            <a:lvl5pPr marL="1828800" indent="0">
+              <a:buNone/>
+              <a:defRPr sz="1600" b="1"/>
+            </a:lvl5pPr>
+            <a:lvl6pPr marL="2286000" indent="0">
+              <a:buNone/>
+              <a:defRPr sz="1600" b="1"/>
+            </a:lvl6pPr>
+            <a:lvl7pPr marL="2743200" indent="0">
+              <a:buNone/>
+              <a:defRPr sz="1600" b="1"/>
+            </a:lvl7pPr>
+            <a:lvl8pPr marL="3200400" indent="0">
+              <a:buNone/>
+              <a:defRPr sz="1600" b="1"/>
+            </a:lvl8pPr>
+            <a:lvl9pPr marL="3657600" indent="0">
+              <a:buNone/>
+              <a:defRPr sz="1600" b="1"/>
+            </a:lvl9pPr>
+          </a:lstStyle>
+          <a:p>
+            <a:pPr lvl="0"/>
+            <a:r>
+              <a:rPr lang="zh-CN" altLang="en-US"/>
+              <a:t>单击此处编辑母版文本样式</a:t>
+            </a:r>
+          </a:p>
+        </p:txBody>
+      </p:sp>
+      <p:sp>
+        <p:nvSpPr>
+          <p:cNvPr id="12" name="Text Placeholder 3"/>
+          <p:cNvSpPr>
+            <a:spLocks noGrp="1"/>
+          </p:cNvSpPr>
+          <p:nvPr>
+            <p:ph type="body" sz="half" idx="17"/>
+          </p:nvPr>
+        </p:nvSpPr>
+        <p:spPr>
+          <a:xfrm>
+            <a:off x="7224156" y="3022673"/>
+            <a:ext cx="3070025" cy="2913513"/>
+          </a:xfrm>
+        </p:spPr>
+        <p:txBody>
+          <a:bodyPr anchor="t">
+            <a:normAutofit/>
+          </a:bodyPr>
+          <a:lstStyle>
+            <a:lvl1pPr marL="0" indent="0">
+              <a:buNone/>
+              <a:defRPr sz="1400"/>
+            </a:lvl1pPr>
+            <a:lvl2pPr marL="457200" indent="0">
+              <a:buNone/>
+              <a:defRPr sz="1200"/>
+            </a:lvl2pPr>
+            <a:lvl3pPr marL="914400" indent="0">
+              <a:buNone/>
+              <a:defRPr sz="1000"/>
+            </a:lvl3pPr>
+            <a:lvl4pPr marL="1371600" indent="0">
+              <a:buNone/>
+              <a:defRPr sz="900"/>
+            </a:lvl4pPr>
+            <a:lvl5pPr marL="1828800" indent="0">
+              <a:buNone/>
+              <a:defRPr sz="900"/>
+            </a:lvl5pPr>
+            <a:lvl6pPr marL="2286000" indent="0">
+              <a:buNone/>
+              <a:defRPr sz="900"/>
+            </a:lvl6pPr>
+            <a:lvl7pPr marL="2743200" indent="0">
+              <a:buNone/>
+              <a:defRPr sz="900"/>
+            </a:lvl7pPr>
+            <a:lvl8pPr marL="3200400" indent="0">
+              <a:buNone/>
+              <a:defRPr sz="900"/>
+            </a:lvl8pPr>
+            <a:lvl9pPr marL="3657600" indent="0">
+              <a:buNone/>
+              <a:defRPr sz="900"/>
+            </a:lvl9pPr>
+          </a:lstStyle>
+          <a:p>
+            <a:pPr lvl="0"/>
+            <a:r>
+              <a:rPr lang="zh-CN" altLang="en-US"/>
+              <a:t>单击此处编辑母版文本样式</a:t>
+            </a:r>
+          </a:p>
+        </p:txBody>
+      </p:sp>
+      <p:sp>
+        <p:nvSpPr>
+          <p:cNvPr id="3" name="Date Placeholder 2"/>
+          <p:cNvSpPr>
+            <a:spLocks noGrp="1"/>
+          </p:cNvSpPr>
+          <p:nvPr>
+            <p:ph type="dt" sz="half" idx="10"/>
+          </p:nvPr>
+        </p:nvSpPr>
+        <p:spPr/>
+        <p:txBody>
+          <a:bodyPr/>
+          <a:lstStyle/>
+          <a:p>
+            <a:fld id="{753CD6A7-5E7B-4670-8050-4F8067769213}" type="datetimeFigureOut">
+              <a:rPr lang="zh-CN" altLang="en-US" smtClean="0"/>
+              <a:t>2020/4/29</a:t>
+            </a:fld>
+            <a:endParaRPr lang="zh-CN" altLang="en-US"/>
+          </a:p>
+        </p:txBody>
+      </p:sp>
+      <p:sp>
+        <p:nvSpPr>
+          <p:cNvPr id="4" name="Footer Placeholder 3"/>
+          <p:cNvSpPr>
+            <a:spLocks noGrp="1"/>
+          </p:cNvSpPr>
+          <p:nvPr>
+            <p:ph type="ftr" sz="quarter" idx="11"/>
+          </p:nvPr>
+        </p:nvSpPr>
+        <p:spPr/>
+        <p:txBody>
+          <a:bodyPr/>
+          <a:lstStyle/>
+          <a:p>
+            <a:endParaRPr lang="zh-CN" altLang="en-US"/>
+          </a:p>
+        </p:txBody>
+      </p:sp>
+      <p:sp>
+        <p:nvSpPr>
+          <p:cNvPr id="5" name="Slide Number Placeholder 4"/>
+          <p:cNvSpPr>
+            <a:spLocks noGrp="1"/>
+          </p:cNvSpPr>
+          <p:nvPr>
+            <p:ph type="sldNum" sz="quarter" idx="12"/>
+          </p:nvPr>
+        </p:nvSpPr>
+        <p:spPr/>
+        <p:txBody>
+          <a:bodyPr/>
+          <a:lstStyle/>
+          <a:p>
+            <a:fld id="{343C4BB7-ABCC-4FE3-BA4A-022B767ADE3D}" type="slidenum">
+              <a:rPr lang="zh-CN" altLang="en-US" smtClean="0"/>
+              <a:t>‹#›</a:t>
+            </a:fld>
+            <a:endParaRPr lang="zh-CN" altLang="en-US"/>
+          </a:p>
+        </p:txBody>
+      </p:sp>
+    </p:spTree>
+    <p:extLst>
+      <p:ext uri="{BB962C8B-B14F-4D97-AF65-F5344CB8AC3E}">
+        <p14:creationId xmlns:p14="http://schemas.microsoft.com/office/powerpoint/2010/main" val="128057622"/>
+      </p:ext>
+    </p:extLst>
+  </p:cSld>
+  <p:clrMapOvr>
+    <a:masterClrMapping/>
+  </p:clrMapOvr>
+</p:sldLayout>
+</file>
+
+<file path=ppt/slideLayouts/slideLayout15.xml><?xml version="1.0" encoding="utf-8"?>
+<p:sldLayout xmlns:a="http://schemas.openxmlformats.org/drawingml/2006/main" xmlns:r="http://schemas.openxmlformats.org/officeDocument/2006/relationships" xmlns:p="http://schemas.openxmlformats.org/presentationml/2006/main" preserve="1">
+  <p:cSld name="3 图片栏">
+    <p:spTree>
+      <p:nvGrpSpPr>
+        <p:cNvPr id="1" name=""/>
+        <p:cNvGrpSpPr/>
+        <p:nvPr/>
+      </p:nvGrpSpPr>
+      <p:grpSpPr>
+        <a:xfrm>
+          <a:off x="0" y="0"/>
+          <a:ext cx="0" cy="0"/>
+          <a:chOff x="0" y="0"/>
+          <a:chExt cx="0" cy="0"/>
+        </a:xfrm>
+      </p:grpSpPr>
+      <p:pic>
+        <p:nvPicPr>
+          <p:cNvPr id="15" name="Picture 14" descr="HD-ShadowLong.png"/>
+          <p:cNvPicPr>
+            <a:picLocks noChangeAspect="1"/>
+          </p:cNvPicPr>
+          <p:nvPr/>
+        </p:nvPicPr>
+        <p:blipFill>
+          <a:blip r:embed="rId2">
+            <a:extLst>
+              <a:ext uri="{28A0092B-C50C-407E-A947-70E740481C1C}">
+                <a14:useLocalDpi xmlns:a14="http://schemas.microsoft.com/office/drawing/2010/main" val="0"/>
+              </a:ext>
+            </a:extLst>
+          </a:blip>
+          <a:stretch>
+            <a:fillRect/>
+          </a:stretch>
+        </p:blipFill>
+        <p:spPr>
+          <a:xfrm>
+            <a:off x="1" y="1970240"/>
+            <a:ext cx="10437812" cy="321164"/>
+          </a:xfrm>
+          <a:prstGeom prst="rect">
+            <a:avLst/>
+          </a:prstGeom>
+        </p:spPr>
+      </p:pic>
+      <p:pic>
+        <p:nvPicPr>
+          <p:cNvPr id="16" name="Picture 15" descr="HD-ShadowShort.png"/>
+          <p:cNvPicPr>
+            <a:picLocks noChangeAspect="1"/>
+          </p:cNvPicPr>
+          <p:nvPr/>
+        </p:nvPicPr>
+        <p:blipFill>
+          <a:blip r:embed="rId3">
+            <a:extLst>
+              <a:ext uri="{28A0092B-C50C-407E-A947-70E740481C1C}">
+                <a14:useLocalDpi xmlns:a14="http://schemas.microsoft.com/office/drawing/2010/main" val="0"/>
+              </a:ext>
+            </a:extLst>
+          </a:blip>
+          <a:stretch>
+            <a:fillRect/>
+          </a:stretch>
+        </p:blipFill>
+        <p:spPr>
+          <a:xfrm>
+            <a:off x="10585826" y="1971234"/>
+            <a:ext cx="1602997" cy="144270"/>
+          </a:xfrm>
+          <a:prstGeom prst="rect">
+            <a:avLst/>
+          </a:prstGeom>
+        </p:spPr>
+      </p:pic>
+      <p:sp>
+        <p:nvSpPr>
+          <p:cNvPr id="17" name="Rectangle 16"/>
+          <p:cNvSpPr/>
+          <p:nvPr/>
+        </p:nvSpPr>
+        <p:spPr bwMode="ltGray">
+          <a:xfrm>
+            <a:off x="0" y="609600"/>
+            <a:ext cx="10437812" cy="1368198"/>
+          </a:xfrm>
+          <a:prstGeom prst="rect">
+            <a:avLst/>
+          </a:prstGeom>
+          <a:solidFill>
+            <a:schemeClr val="bg1">
+              <a:lumMod val="85000"/>
+              <a:lumOff val="15000"/>
+            </a:schemeClr>
+          </a:solidFill>
+          <a:ln>
+            <a:noFill/>
+          </a:ln>
+        </p:spPr>
+        <p:style>
+          <a:lnRef idx="2">
+            <a:schemeClr val="accent1">
+              <a:shade val="50000"/>
+            </a:schemeClr>
+          </a:lnRef>
+          <a:fillRef idx="1">
+            <a:schemeClr val="accent1"/>
+          </a:fillRef>
+          <a:effectRef idx="0">
+            <a:schemeClr val="accent1"/>
+          </a:effectRef>
+          <a:fontRef idx="minor">
+            <a:schemeClr val="lt1"/>
+          </a:fontRef>
+        </p:style>
+      </p:sp>
+      <p:sp>
+        <p:nvSpPr>
+          <p:cNvPr id="18" name="Rectangle 17"/>
+          <p:cNvSpPr/>
+          <p:nvPr/>
+        </p:nvSpPr>
+        <p:spPr>
+          <a:xfrm>
+            <a:off x="10585827" y="609600"/>
+            <a:ext cx="1602997" cy="1368198"/>
+          </a:xfrm>
+          <a:prstGeom prst="rect">
+            <a:avLst/>
+          </a:prstGeom>
+          <a:solidFill>
+            <a:schemeClr val="accent1"/>
+          </a:solidFill>
+          <a:ln>
+            <a:noFill/>
+          </a:ln>
+        </p:spPr>
+        <p:style>
+          <a:lnRef idx="2">
+            <a:schemeClr val="accent1">
+              <a:shade val="50000"/>
+            </a:schemeClr>
+          </a:lnRef>
+          <a:fillRef idx="1">
+            <a:schemeClr val="accent1"/>
+          </a:fillRef>
+          <a:effectRef idx="0">
+            <a:schemeClr val="accent1"/>
+          </a:effectRef>
+          <a:fontRef idx="minor">
+            <a:schemeClr val="lt1"/>
+          </a:fontRef>
+        </p:style>
+      </p:sp>
+      <p:sp>
+        <p:nvSpPr>
+          <p:cNvPr id="30" name="Title 1"/>
+          <p:cNvSpPr>
+            <a:spLocks noGrp="1"/>
+          </p:cNvSpPr>
+          <p:nvPr>
+            <p:ph type="title"/>
+          </p:nvPr>
+        </p:nvSpPr>
+        <p:spPr>
+          <a:xfrm>
+            <a:off x="680322" y="753228"/>
+            <a:ext cx="9613860" cy="1080938"/>
+          </a:xfrm>
+        </p:spPr>
+        <p:txBody>
+          <a:bodyPr/>
+          <a:lstStyle/>
+          <a:p>
+            <a:r>
+              <a:rPr lang="zh-CN" altLang="en-US"/>
+              <a:t>单击此处编辑母版标题样式</a:t>
+            </a:r>
+            <a:endParaRPr lang="en-US" dirty="0"/>
+          </a:p>
+        </p:txBody>
+      </p:sp>
+      <p:sp>
+        <p:nvSpPr>
+          <p:cNvPr id="19" name="Text Placeholder 2"/>
+          <p:cNvSpPr>
+            <a:spLocks noGrp="1"/>
+          </p:cNvSpPr>
+          <p:nvPr>
+            <p:ph type="body" idx="1"/>
+          </p:nvPr>
+        </p:nvSpPr>
+        <p:spPr>
+          <a:xfrm>
+            <a:off x="680318" y="4297503"/>
+            <a:ext cx="3049705" cy="576262"/>
+          </a:xfrm>
+        </p:spPr>
+        <p:txBody>
+          <a:bodyPr anchor="b">
+            <a:noAutofit/>
+          </a:bodyPr>
+          <a:lstStyle>
+            <a:lvl1pPr marL="0" indent="0">
+              <a:buNone/>
+              <a:defRPr sz="2400" b="0">
+                <a:solidFill>
+                  <a:schemeClr val="tx1"/>
+                </a:solidFill>
+              </a:defRPr>
+            </a:lvl1pPr>
+            <a:lvl2pPr marL="457200" indent="0">
+              <a:buNone/>
+              <a:defRPr sz="2000" b="1"/>
+            </a:lvl2pPr>
+            <a:lvl3pPr marL="914400" indent="0">
+              <a:buNone/>
+              <a:defRPr sz="1800" b="1"/>
+            </a:lvl3pPr>
+            <a:lvl4pPr marL="1371600" indent="0">
+              <a:buNone/>
+              <a:defRPr sz="1600" b="1"/>
+            </a:lvl4pPr>
+            <a:lvl5pPr marL="1828800" indent="0">
+              <a:buNone/>
+              <a:defRPr sz="1600" b="1"/>
+            </a:lvl5pPr>
+            <a:lvl6pPr marL="2286000" indent="0">
+              <a:buNone/>
+              <a:defRPr sz="1600" b="1"/>
+            </a:lvl6pPr>
+            <a:lvl7pPr marL="2743200" indent="0">
+              <a:buNone/>
+              <a:defRPr sz="1600" b="1"/>
+            </a:lvl7pPr>
+            <a:lvl8pPr marL="3200400" indent="0">
+              <a:buNone/>
+              <a:defRPr sz="1600" b="1"/>
+            </a:lvl8pPr>
+            <a:lvl9pPr marL="3657600" indent="0">
+              <a:buNone/>
+              <a:defRPr sz="1600" b="1"/>
+            </a:lvl9pPr>
+          </a:lstStyle>
+          <a:p>
+            <a:pPr lvl="0"/>
+            <a:r>
+              <a:rPr lang="zh-CN" altLang="en-US"/>
+              <a:t>单击此处编辑母版文本样式</a:t>
+            </a:r>
+          </a:p>
+        </p:txBody>
+      </p:sp>
+      <p:sp>
+        <p:nvSpPr>
+          <p:cNvPr id="20" name="Picture Placeholder 2"/>
+          <p:cNvSpPr>
+            <a:spLocks noGrp="1" noChangeAspect="1"/>
+          </p:cNvSpPr>
+          <p:nvPr>
+            <p:ph type="pic" idx="15"/>
+          </p:nvPr>
+        </p:nvSpPr>
+        <p:spPr>
+          <a:xfrm>
+            <a:off x="680318" y="2336873"/>
+            <a:ext cx="3049705" cy="1524000"/>
+          </a:xfrm>
+          <a:prstGeom prst="roundRect">
+            <a:avLst>
+              <a:gd name="adj" fmla="val 0"/>
+            </a:avLst>
+          </a:prstGeom>
+          <a:effectLst>
+            <a:outerShdw blurRad="50800" dist="50800" dir="5400000" algn="tl" rotWithShape="0">
+              <a:srgbClr val="000000">
+                <a:alpha val="43000"/>
+              </a:srgbClr>
+            </a:outerShdw>
+          </a:effectLst>
+        </p:spPr>
+        <p:txBody>
+          <a:bodyPr anchor="t">
+            <a:normAutofit/>
+          </a:bodyPr>
+          <a:lstStyle>
+            <a:lvl1pPr marL="0" indent="0" algn="ctr">
+              <a:buNone/>
+              <a:defRPr sz="1600"/>
+            </a:lvl1pPr>
+            <a:lvl2pPr marL="457200" indent="0">
+              <a:buNone/>
+              <a:defRPr sz="1600"/>
+            </a:lvl2pPr>
+            <a:lvl3pPr marL="914400" indent="0">
+              <a:buNone/>
+              <a:defRPr sz="1600"/>
+            </a:lvl3pPr>
+            <a:lvl4pPr marL="1371600" indent="0">
+              <a:buNone/>
+              <a:defRPr sz="1600"/>
+            </a:lvl4pPr>
+            <a:lvl5pPr marL="1828800" indent="0">
+              <a:buNone/>
+              <a:defRPr sz="1600"/>
+            </a:lvl5pPr>
+            <a:lvl6pPr marL="2286000" indent="0">
+              <a:buNone/>
+              <a:defRPr sz="1600"/>
+            </a:lvl6pPr>
+            <a:lvl7pPr marL="2743200" indent="0">
+              <a:buNone/>
+              <a:defRPr sz="1600"/>
+            </a:lvl7pPr>
+            <a:lvl8pPr marL="3200400" indent="0">
+              <a:buNone/>
+              <a:defRPr sz="1600"/>
+            </a:lvl8pPr>
+            <a:lvl9pPr marL="3657600" indent="0">
+              <a:buNone/>
+              <a:defRPr sz="1600"/>
+            </a:lvl9pPr>
+          </a:lstStyle>
+          <a:p>
+            <a:r>
+              <a:rPr lang="zh-CN" altLang="en-US"/>
+              <a:t>单击图标添加图片</a:t>
+            </a:r>
+            <a:endParaRPr lang="en-US" dirty="0"/>
+          </a:p>
+        </p:txBody>
+      </p:sp>
+      <p:sp>
+        <p:nvSpPr>
+          <p:cNvPr id="21" name="Text Placeholder 3"/>
+          <p:cNvSpPr>
+            <a:spLocks noGrp="1"/>
+          </p:cNvSpPr>
+          <p:nvPr>
+            <p:ph type="body" sz="half" idx="18"/>
+          </p:nvPr>
+        </p:nvSpPr>
+        <p:spPr>
+          <a:xfrm>
+            <a:off x="680318" y="4873765"/>
+            <a:ext cx="3049705" cy="1062422"/>
+          </a:xfrm>
+        </p:spPr>
+        <p:txBody>
+          <a:bodyPr anchor="t">
+            <a:normAutofit/>
+          </a:bodyPr>
+          <a:lstStyle>
+            <a:lvl1pPr marL="0" indent="0">
+              <a:buNone/>
+              <a:defRPr sz="1400"/>
+            </a:lvl1pPr>
+            <a:lvl2pPr marL="457200" indent="0">
+              <a:buNone/>
+              <a:defRPr sz="1200"/>
+            </a:lvl2pPr>
+            <a:lvl3pPr marL="914400" indent="0">
+              <a:buNone/>
+              <a:defRPr sz="1000"/>
+            </a:lvl3pPr>
+            <a:lvl4pPr marL="1371600" indent="0">
+              <a:buNone/>
+              <a:defRPr sz="900"/>
+            </a:lvl4pPr>
+            <a:lvl5pPr marL="1828800" indent="0">
+              <a:buNone/>
+              <a:defRPr sz="900"/>
+            </a:lvl5pPr>
+            <a:lvl6pPr marL="2286000" indent="0">
+              <a:buNone/>
+              <a:defRPr sz="900"/>
+            </a:lvl6pPr>
+            <a:lvl7pPr marL="2743200" indent="0">
+              <a:buNone/>
+              <a:defRPr sz="900"/>
+            </a:lvl7pPr>
+            <a:lvl8pPr marL="3200400" indent="0">
+              <a:buNone/>
+              <a:defRPr sz="900"/>
+            </a:lvl8pPr>
+            <a:lvl9pPr marL="3657600" indent="0">
+              <a:buNone/>
+              <a:defRPr sz="900"/>
+            </a:lvl9pPr>
+          </a:lstStyle>
+          <a:p>
+            <a:pPr lvl="0"/>
+            <a:r>
+              <a:rPr lang="zh-CN" altLang="en-US"/>
+              <a:t>单击此处编辑母版文本样式</a:t>
+            </a:r>
+          </a:p>
+        </p:txBody>
+      </p:sp>
+      <p:sp>
+        <p:nvSpPr>
+          <p:cNvPr id="22" name="Text Placeholder 4"/>
+          <p:cNvSpPr>
+            <a:spLocks noGrp="1"/>
+          </p:cNvSpPr>
+          <p:nvPr>
+            <p:ph type="body" sz="quarter" idx="3"/>
+          </p:nvPr>
+        </p:nvSpPr>
+        <p:spPr>
+          <a:xfrm>
+            <a:off x="3945471" y="4297503"/>
+            <a:ext cx="3063240" cy="576262"/>
+          </a:xfrm>
+        </p:spPr>
+        <p:txBody>
+          <a:bodyPr anchor="b">
+            <a:noAutofit/>
+          </a:bodyPr>
+          <a:lstStyle>
+            <a:lvl1pPr marL="0" indent="0">
+              <a:buNone/>
+              <a:defRPr sz="2400" b="0">
+                <a:solidFill>
+                  <a:schemeClr val="tx1"/>
+                </a:solidFill>
+              </a:defRPr>
+            </a:lvl1pPr>
+            <a:lvl2pPr marL="457200" indent="0">
+              <a:buNone/>
+              <a:defRPr sz="2000" b="1"/>
+            </a:lvl2pPr>
+            <a:lvl3pPr marL="914400" indent="0">
+              <a:buNone/>
+              <a:defRPr sz="1800" b="1"/>
+            </a:lvl3pPr>
+            <a:lvl4pPr marL="1371600" indent="0">
+              <a:buNone/>
+              <a:defRPr sz="1600" b="1"/>
+            </a:lvl4pPr>
+            <a:lvl5pPr marL="1828800" indent="0">
+              <a:buNone/>
+              <a:defRPr sz="1600" b="1"/>
+            </a:lvl5pPr>
+            <a:lvl6pPr marL="2286000" indent="0">
+              <a:buNone/>
+              <a:defRPr sz="1600" b="1"/>
+            </a:lvl6pPr>
+            <a:lvl7pPr marL="2743200" indent="0">
+              <a:buNone/>
+              <a:defRPr sz="1600" b="1"/>
+            </a:lvl7pPr>
+            <a:lvl8pPr marL="3200400" indent="0">
+              <a:buNone/>
+              <a:defRPr sz="1600" b="1"/>
+            </a:lvl8pPr>
+            <a:lvl9pPr marL="3657600" indent="0">
+              <a:buNone/>
+              <a:defRPr sz="1600" b="1"/>
+            </a:lvl9pPr>
+          </a:lstStyle>
+          <a:p>
+            <a:pPr lvl="0"/>
+            <a:r>
+              <a:rPr lang="zh-CN" altLang="en-US"/>
+              <a:t>单击此处编辑母版文本样式</a:t>
+            </a:r>
+          </a:p>
+        </p:txBody>
+      </p:sp>
+      <p:sp>
+        <p:nvSpPr>
+          <p:cNvPr id="23" name="Picture Placeholder 2"/>
+          <p:cNvSpPr>
+            <a:spLocks noGrp="1" noChangeAspect="1"/>
+          </p:cNvSpPr>
+          <p:nvPr>
+            <p:ph type="pic" idx="21"/>
+          </p:nvPr>
+        </p:nvSpPr>
+        <p:spPr>
+          <a:xfrm>
+            <a:off x="3945470" y="2336873"/>
+            <a:ext cx="3063240" cy="1524000"/>
+          </a:xfrm>
+          <a:prstGeom prst="roundRect">
+            <a:avLst>
+              <a:gd name="adj" fmla="val 0"/>
+            </a:avLst>
+          </a:prstGeom>
+          <a:effectLst>
+            <a:outerShdw blurRad="50800" dist="50800" dir="5400000" algn="tl" rotWithShape="0">
+              <a:srgbClr val="000000">
+                <a:alpha val="43000"/>
+              </a:srgbClr>
+            </a:outerShdw>
+          </a:effectLst>
+        </p:spPr>
+        <p:txBody>
+          <a:bodyPr anchor="t">
+            <a:normAutofit/>
+          </a:bodyPr>
+          <a:lstStyle>
+            <a:lvl1pPr marL="0" indent="0" algn="ctr">
+              <a:buNone/>
+              <a:defRPr sz="1600"/>
+            </a:lvl1pPr>
+            <a:lvl2pPr marL="457200" indent="0">
+              <a:buNone/>
+              <a:defRPr sz="1600"/>
+            </a:lvl2pPr>
+            <a:lvl3pPr marL="914400" indent="0">
+              <a:buNone/>
+              <a:defRPr sz="1600"/>
+            </a:lvl3pPr>
+            <a:lvl4pPr marL="1371600" indent="0">
+              <a:buNone/>
+              <a:defRPr sz="1600"/>
+            </a:lvl4pPr>
+            <a:lvl5pPr marL="1828800" indent="0">
+              <a:buNone/>
+              <a:defRPr sz="1600"/>
+            </a:lvl5pPr>
+            <a:lvl6pPr marL="2286000" indent="0">
+              <a:buNone/>
+              <a:defRPr sz="1600"/>
+            </a:lvl6pPr>
+            <a:lvl7pPr marL="2743200" indent="0">
+              <a:buNone/>
+              <a:defRPr sz="1600"/>
+            </a:lvl7pPr>
+            <a:lvl8pPr marL="3200400" indent="0">
+              <a:buNone/>
+              <a:defRPr sz="1600"/>
+            </a:lvl8pPr>
+            <a:lvl9pPr marL="3657600" indent="0">
+              <a:buNone/>
+              <a:defRPr sz="1600"/>
+            </a:lvl9pPr>
+          </a:lstStyle>
+          <a:p>
+            <a:r>
+              <a:rPr lang="zh-CN" altLang="en-US"/>
+              <a:t>单击图标添加图片</a:t>
+            </a:r>
+            <a:endParaRPr lang="en-US" dirty="0"/>
+          </a:p>
+        </p:txBody>
+      </p:sp>
+      <p:sp>
+        <p:nvSpPr>
+          <p:cNvPr id="24" name="Text Placeholder 3"/>
+          <p:cNvSpPr>
+            <a:spLocks noGrp="1"/>
+          </p:cNvSpPr>
+          <p:nvPr>
+            <p:ph type="body" sz="half" idx="19"/>
+          </p:nvPr>
+        </p:nvSpPr>
+        <p:spPr>
+          <a:xfrm>
+            <a:off x="3944117" y="4873764"/>
+            <a:ext cx="3067297" cy="1062422"/>
+          </a:xfrm>
+        </p:spPr>
+        <p:txBody>
+          <a:bodyPr anchor="t">
+            <a:normAutofit/>
+          </a:bodyPr>
+          <a:lstStyle>
+            <a:lvl1pPr marL="0" indent="0">
+              <a:buNone/>
+              <a:defRPr sz="1400"/>
+            </a:lvl1pPr>
+            <a:lvl2pPr marL="457200" indent="0">
+              <a:buNone/>
+              <a:defRPr sz="1200"/>
+            </a:lvl2pPr>
+            <a:lvl3pPr marL="914400" indent="0">
+              <a:buNone/>
+              <a:defRPr sz="1000"/>
+            </a:lvl3pPr>
+            <a:lvl4pPr marL="1371600" indent="0">
+              <a:buNone/>
+              <a:defRPr sz="900"/>
+            </a:lvl4pPr>
+            <a:lvl5pPr marL="1828800" indent="0">
+              <a:buNone/>
+              <a:defRPr sz="900"/>
+            </a:lvl5pPr>
+            <a:lvl6pPr marL="2286000" indent="0">
+              <a:buNone/>
+              <a:defRPr sz="900"/>
+            </a:lvl6pPr>
+            <a:lvl7pPr marL="2743200" indent="0">
+              <a:buNone/>
+              <a:defRPr sz="900"/>
+            </a:lvl7pPr>
+            <a:lvl8pPr marL="3200400" indent="0">
+              <a:buNone/>
+              <a:defRPr sz="900"/>
+            </a:lvl8pPr>
+            <a:lvl9pPr marL="3657600" indent="0">
+              <a:buNone/>
+              <a:defRPr sz="900"/>
+            </a:lvl9pPr>
+          </a:lstStyle>
+          <a:p>
+            <a:pPr lvl="0"/>
+            <a:r>
+              <a:rPr lang="zh-CN" altLang="en-US"/>
+              <a:t>单击此处编辑母版文本样式</a:t>
+            </a:r>
+          </a:p>
+        </p:txBody>
+      </p:sp>
+      <p:sp>
+        <p:nvSpPr>
+          <p:cNvPr id="25" name="Text Placeholder 4"/>
+          <p:cNvSpPr>
+            <a:spLocks noGrp="1"/>
+          </p:cNvSpPr>
+          <p:nvPr>
+            <p:ph type="body" sz="quarter" idx="13"/>
+          </p:nvPr>
+        </p:nvSpPr>
+        <p:spPr>
+          <a:xfrm>
+            <a:off x="7230678" y="4297503"/>
+            <a:ext cx="3063505" cy="576262"/>
+          </a:xfrm>
+        </p:spPr>
+        <p:txBody>
+          <a:bodyPr anchor="b">
+            <a:noAutofit/>
+          </a:bodyPr>
+          <a:lstStyle>
+            <a:lvl1pPr marL="0" indent="0">
+              <a:buNone/>
+              <a:defRPr sz="2400" b="0">
+                <a:solidFill>
+                  <a:schemeClr val="tx1"/>
+                </a:solidFill>
+              </a:defRPr>
+            </a:lvl1pPr>
+            <a:lvl2pPr marL="457200" indent="0">
+              <a:buNone/>
+              <a:defRPr sz="2000" b="1"/>
+            </a:lvl2pPr>
+            <a:lvl3pPr marL="914400" indent="0">
+              <a:buNone/>
+              <a:defRPr sz="1800" b="1"/>
+            </a:lvl3pPr>
+            <a:lvl4pPr marL="1371600" indent="0">
+              <a:buNone/>
+              <a:defRPr sz="1600" b="1"/>
+            </a:lvl4pPr>
+            <a:lvl5pPr marL="1828800" indent="0">
+              <a:buNone/>
+              <a:defRPr sz="1600" b="1"/>
+            </a:lvl5pPr>
+            <a:lvl6pPr marL="2286000" indent="0">
+              <a:buNone/>
+              <a:defRPr sz="1600" b="1"/>
+            </a:lvl6pPr>
+            <a:lvl7pPr marL="2743200" indent="0">
+              <a:buNone/>
+              <a:defRPr sz="1600" b="1"/>
+            </a:lvl7pPr>
+            <a:lvl8pPr marL="3200400" indent="0">
+              <a:buNone/>
+              <a:defRPr sz="1600" b="1"/>
+            </a:lvl8pPr>
+            <a:lvl9pPr marL="3657600" indent="0">
+              <a:buNone/>
+              <a:defRPr sz="1600" b="1"/>
+            </a:lvl9pPr>
+          </a:lstStyle>
+          <a:p>
+            <a:pPr lvl="0"/>
+            <a:r>
+              <a:rPr lang="zh-CN" altLang="en-US"/>
+              <a:t>单击此处编辑母版文本样式</a:t>
+            </a:r>
+          </a:p>
+        </p:txBody>
+      </p:sp>
+      <p:sp>
+        <p:nvSpPr>
+          <p:cNvPr id="26" name="Picture Placeholder 2"/>
+          <p:cNvSpPr>
+            <a:spLocks noGrp="1" noChangeAspect="1"/>
+          </p:cNvSpPr>
+          <p:nvPr>
+            <p:ph type="pic" idx="22"/>
+          </p:nvPr>
+        </p:nvSpPr>
+        <p:spPr>
+          <a:xfrm>
+            <a:off x="7230677" y="2336873"/>
+            <a:ext cx="3063505" cy="1524000"/>
+          </a:xfrm>
+          <a:prstGeom prst="roundRect">
+            <a:avLst>
+              <a:gd name="adj" fmla="val 0"/>
+            </a:avLst>
+          </a:prstGeom>
+          <a:effectLst>
+            <a:outerShdw blurRad="50800" dist="50800" dir="5400000" algn="tl" rotWithShape="0">
+              <a:srgbClr val="000000">
+                <a:alpha val="43000"/>
+              </a:srgbClr>
+            </a:outerShdw>
+          </a:effectLst>
+        </p:spPr>
+        <p:txBody>
+          <a:bodyPr anchor="t">
+            <a:normAutofit/>
+          </a:bodyPr>
+          <a:lstStyle>
+            <a:lvl1pPr marL="0" indent="0" algn="ctr">
+              <a:buNone/>
+              <a:defRPr sz="1600"/>
+            </a:lvl1pPr>
+            <a:lvl2pPr marL="457200" indent="0">
+              <a:buNone/>
+              <a:defRPr sz="1600"/>
+            </a:lvl2pPr>
+            <a:lvl3pPr marL="914400" indent="0">
+              <a:buNone/>
+              <a:defRPr sz="1600"/>
+            </a:lvl3pPr>
+            <a:lvl4pPr marL="1371600" indent="0">
+              <a:buNone/>
+              <a:defRPr sz="1600"/>
+            </a:lvl4pPr>
+            <a:lvl5pPr marL="1828800" indent="0">
+              <a:buNone/>
+              <a:defRPr sz="1600"/>
+            </a:lvl5pPr>
+            <a:lvl6pPr marL="2286000" indent="0">
+              <a:buNone/>
+              <a:defRPr sz="1600"/>
+            </a:lvl6pPr>
+            <a:lvl7pPr marL="2743200" indent="0">
+              <a:buNone/>
+              <a:defRPr sz="1600"/>
+            </a:lvl7pPr>
+            <a:lvl8pPr marL="3200400" indent="0">
+              <a:buNone/>
+              <a:defRPr sz="1600"/>
+            </a:lvl8pPr>
+            <a:lvl9pPr marL="3657600" indent="0">
+              <a:buNone/>
+              <a:defRPr sz="1600"/>
+            </a:lvl9pPr>
+          </a:lstStyle>
+          <a:p>
+            <a:r>
+              <a:rPr lang="zh-CN" altLang="en-US"/>
+              <a:t>单击图标添加图片</a:t>
+            </a:r>
+            <a:endParaRPr lang="en-US" dirty="0"/>
+          </a:p>
+        </p:txBody>
+      </p:sp>
+      <p:sp>
+        <p:nvSpPr>
+          <p:cNvPr id="27" name="Text Placeholder 3"/>
+          <p:cNvSpPr>
+            <a:spLocks noGrp="1"/>
+          </p:cNvSpPr>
+          <p:nvPr>
+            <p:ph type="body" sz="half" idx="20"/>
+          </p:nvPr>
+        </p:nvSpPr>
+        <p:spPr>
+          <a:xfrm>
+            <a:off x="7230553" y="4873762"/>
+            <a:ext cx="3067563" cy="1062422"/>
+          </a:xfrm>
+        </p:spPr>
+        <p:txBody>
+          <a:bodyPr anchor="t">
+            <a:normAutofit/>
+          </a:bodyPr>
+          <a:lstStyle>
+            <a:lvl1pPr marL="0" indent="0">
+              <a:buNone/>
+              <a:defRPr sz="1400"/>
+            </a:lvl1pPr>
+            <a:lvl2pPr marL="457200" indent="0">
+              <a:buNone/>
+              <a:defRPr sz="1200"/>
+            </a:lvl2pPr>
+            <a:lvl3pPr marL="914400" indent="0">
+              <a:buNone/>
+              <a:defRPr sz="1000"/>
+            </a:lvl3pPr>
+            <a:lvl4pPr marL="1371600" indent="0">
+              <a:buNone/>
+              <a:defRPr sz="900"/>
+            </a:lvl4pPr>
+            <a:lvl5pPr marL="1828800" indent="0">
+              <a:buNone/>
+              <a:defRPr sz="900"/>
+            </a:lvl5pPr>
+            <a:lvl6pPr marL="2286000" indent="0">
+              <a:buNone/>
+              <a:defRPr sz="900"/>
+            </a:lvl6pPr>
+            <a:lvl7pPr marL="2743200" indent="0">
+              <a:buNone/>
+              <a:defRPr sz="900"/>
+            </a:lvl7pPr>
+            <a:lvl8pPr marL="3200400" indent="0">
+              <a:buNone/>
+              <a:defRPr sz="900"/>
+            </a:lvl8pPr>
+            <a:lvl9pPr marL="3657600" indent="0">
+              <a:buNone/>
+              <a:defRPr sz="900"/>
+            </a:lvl9pPr>
+          </a:lstStyle>
+          <a:p>
+            <a:pPr lvl="0"/>
+            <a:r>
+              <a:rPr lang="zh-CN" altLang="en-US"/>
+              <a:t>单击此处编辑母版文本样式</a:t>
+            </a:r>
+          </a:p>
+        </p:txBody>
+      </p:sp>
+      <p:sp>
+        <p:nvSpPr>
+          <p:cNvPr id="3" name="Date Placeholder 2"/>
+          <p:cNvSpPr>
+            <a:spLocks noGrp="1"/>
+          </p:cNvSpPr>
+          <p:nvPr>
+            <p:ph type="dt" sz="half" idx="10"/>
+          </p:nvPr>
+        </p:nvSpPr>
+        <p:spPr/>
+        <p:txBody>
+          <a:bodyPr/>
+          <a:lstStyle/>
+          <a:p>
+            <a:fld id="{753CD6A7-5E7B-4670-8050-4F8067769213}" type="datetimeFigureOut">
+              <a:rPr lang="zh-CN" altLang="en-US" smtClean="0"/>
+              <a:t>2020/4/29</a:t>
+            </a:fld>
+            <a:endParaRPr lang="zh-CN" altLang="en-US"/>
+          </a:p>
+        </p:txBody>
+      </p:sp>
+      <p:sp>
+        <p:nvSpPr>
+          <p:cNvPr id="4" name="Footer Placeholder 3"/>
+          <p:cNvSpPr>
+            <a:spLocks noGrp="1"/>
+          </p:cNvSpPr>
+          <p:nvPr>
+            <p:ph type="ftr" sz="quarter" idx="11"/>
+          </p:nvPr>
+        </p:nvSpPr>
+        <p:spPr/>
+        <p:txBody>
+          <a:bodyPr/>
+          <a:lstStyle/>
+          <a:p>
+            <a:endParaRPr lang="zh-CN" altLang="en-US"/>
+          </a:p>
+        </p:txBody>
+      </p:sp>
+      <p:sp>
+        <p:nvSpPr>
+          <p:cNvPr id="5" name="Slide Number Placeholder 4"/>
+          <p:cNvSpPr>
+            <a:spLocks noGrp="1"/>
+          </p:cNvSpPr>
+          <p:nvPr>
+            <p:ph type="sldNum" sz="quarter" idx="12"/>
+          </p:nvPr>
+        </p:nvSpPr>
+        <p:spPr/>
+        <p:txBody>
+          <a:bodyPr/>
+          <a:lstStyle/>
+          <a:p>
+            <a:fld id="{343C4BB7-ABCC-4FE3-BA4A-022B767ADE3D}" type="slidenum">
+              <a:rPr lang="zh-CN" altLang="en-US" smtClean="0"/>
+              <a:t>‹#›</a:t>
+            </a:fld>
+            <a:endParaRPr lang="zh-CN" altLang="en-US"/>
+          </a:p>
+        </p:txBody>
+      </p:sp>
+    </p:spTree>
+    <p:extLst>
+      <p:ext uri="{BB962C8B-B14F-4D97-AF65-F5344CB8AC3E}">
+        <p14:creationId xmlns:p14="http://schemas.microsoft.com/office/powerpoint/2010/main" val="1654766673"/>
+      </p:ext>
+    </p:extLst>
+  </p:cSld>
+  <p:clrMapOvr>
+    <a:masterClrMapping/>
+  </p:clrMapOvr>
+</p:sldLayout>
+</file>
+
+<file path=ppt/slideLayouts/slideLayout16.xml><?xml version="1.0" encoding="utf-8"?>
 <p:sldLayout xmlns:a="http://schemas.openxmlformats.org/drawingml/2006/main" xmlns:r="http://schemas.openxmlformats.org/officeDocument/2006/relationships" xmlns:p="http://schemas.openxmlformats.org/presentationml/2006/main" type="vertTx" preserve="1">
   <p:cSld name="标题和竖排文字">
     <p:spTree>
@@ -348,20 +3788,232 @@
           <a:chExt cx="0" cy="0"/>
         </a:xfrm>
       </p:grpSpPr>
-      <p:sp>
-        <p:nvSpPr>
-          <p:cNvPr id="2" name="标题 1">
+      <p:pic>
+        <p:nvPicPr>
+          <p:cNvPr id="7" name="Picture 6" descr="HD-ShadowLong.png"/>
+          <p:cNvPicPr>
+            <a:picLocks noChangeAspect="1"/>
+          </p:cNvPicPr>
+          <p:nvPr/>
+        </p:nvPicPr>
+        <p:blipFill>
+          <a:blip r:embed="rId2">
             <a:extLst>
-              <a:ext uri="{FF2B5EF4-FFF2-40B4-BE49-F238E27FC236}">
-                <a16:creationId xmlns:a16="http://schemas.microsoft.com/office/drawing/2014/main" id="{3CA05440-A990-405C-8F2F-0EBC4CD46245}"/>
+              <a:ext uri="{28A0092B-C50C-407E-A947-70E740481C1C}">
+                <a14:useLocalDpi xmlns:a14="http://schemas.microsoft.com/office/drawing/2010/main" val="0"/>
               </a:ext>
             </a:extLst>
-          </p:cNvPr>
+          </a:blip>
+          <a:stretch>
+            <a:fillRect/>
+          </a:stretch>
+        </p:blipFill>
+        <p:spPr>
+          <a:xfrm>
+            <a:off x="1" y="1970240"/>
+            <a:ext cx="10437812" cy="321164"/>
+          </a:xfrm>
+          <a:prstGeom prst="rect">
+            <a:avLst/>
+          </a:prstGeom>
+        </p:spPr>
+      </p:pic>
+      <p:pic>
+        <p:nvPicPr>
+          <p:cNvPr id="8" name="Picture 7" descr="HD-ShadowShort.png"/>
+          <p:cNvPicPr>
+            <a:picLocks noChangeAspect="1"/>
+          </p:cNvPicPr>
+          <p:nvPr/>
+        </p:nvPicPr>
+        <p:blipFill>
+          <a:blip r:embed="rId3">
+            <a:extLst>
+              <a:ext uri="{28A0092B-C50C-407E-A947-70E740481C1C}">
+                <a14:useLocalDpi xmlns:a14="http://schemas.microsoft.com/office/drawing/2010/main" val="0"/>
+              </a:ext>
+            </a:extLst>
+          </a:blip>
+          <a:stretch>
+            <a:fillRect/>
+          </a:stretch>
+        </p:blipFill>
+        <p:spPr>
+          <a:xfrm>
+            <a:off x="10585826" y="1971234"/>
+            <a:ext cx="1602997" cy="144270"/>
+          </a:xfrm>
+          <a:prstGeom prst="rect">
+            <a:avLst/>
+          </a:prstGeom>
+        </p:spPr>
+      </p:pic>
+      <p:sp>
+        <p:nvSpPr>
+          <p:cNvPr id="9" name="Rectangle 8"/>
+          <p:cNvSpPr/>
+          <p:nvPr/>
+        </p:nvSpPr>
+        <p:spPr bwMode="ltGray">
+          <a:xfrm>
+            <a:off x="0" y="609600"/>
+            <a:ext cx="10437812" cy="1368198"/>
+          </a:xfrm>
+          <a:prstGeom prst="rect">
+            <a:avLst/>
+          </a:prstGeom>
+          <a:solidFill>
+            <a:schemeClr val="bg1">
+              <a:lumMod val="85000"/>
+              <a:lumOff val="15000"/>
+            </a:schemeClr>
+          </a:solidFill>
+          <a:ln>
+            <a:noFill/>
+          </a:ln>
+        </p:spPr>
+        <p:style>
+          <a:lnRef idx="2">
+            <a:schemeClr val="accent1">
+              <a:shade val="50000"/>
+            </a:schemeClr>
+          </a:lnRef>
+          <a:fillRef idx="1">
+            <a:schemeClr val="accent1"/>
+          </a:fillRef>
+          <a:effectRef idx="0">
+            <a:schemeClr val="accent1"/>
+          </a:effectRef>
+          <a:fontRef idx="minor">
+            <a:schemeClr val="lt1"/>
+          </a:fontRef>
+        </p:style>
+      </p:sp>
+      <p:sp>
+        <p:nvSpPr>
+          <p:cNvPr id="10" name="Rectangle 9"/>
+          <p:cNvSpPr/>
+          <p:nvPr/>
+        </p:nvSpPr>
+        <p:spPr>
+          <a:xfrm>
+            <a:off x="10585827" y="609600"/>
+            <a:ext cx="1602997" cy="1368198"/>
+          </a:xfrm>
+          <a:prstGeom prst="rect">
+            <a:avLst/>
+          </a:prstGeom>
+          <a:solidFill>
+            <a:schemeClr val="accent1"/>
+          </a:solidFill>
+          <a:ln>
+            <a:noFill/>
+          </a:ln>
+        </p:spPr>
+        <p:style>
+          <a:lnRef idx="2">
+            <a:schemeClr val="accent1">
+              <a:shade val="50000"/>
+            </a:schemeClr>
+          </a:lnRef>
+          <a:fillRef idx="1">
+            <a:schemeClr val="accent1"/>
+          </a:fillRef>
+          <a:effectRef idx="0">
+            <a:schemeClr val="accent1"/>
+          </a:effectRef>
+          <a:fontRef idx="minor">
+            <a:schemeClr val="lt1"/>
+          </a:fontRef>
+        </p:style>
+      </p:sp>
+      <p:sp>
+        <p:nvSpPr>
+          <p:cNvPr id="2" name="Title 1"/>
           <p:cNvSpPr>
             <a:spLocks noGrp="1"/>
           </p:cNvSpPr>
           <p:nvPr>
             <p:ph type="title"/>
+          </p:nvPr>
+        </p:nvSpPr>
+        <p:spPr/>
+        <p:txBody>
+          <a:bodyPr/>
+          <a:lstStyle>
+            <a:lvl1pPr algn="r">
+              <a:defRPr/>
+            </a:lvl1pPr>
+          </a:lstStyle>
+          <a:p>
+            <a:r>
+              <a:rPr lang="zh-CN" altLang="en-US"/>
+              <a:t>单击此处编辑母版标题样式</a:t>
+            </a:r>
+            <a:endParaRPr lang="en-US" dirty="0"/>
+          </a:p>
+        </p:txBody>
+      </p:sp>
+      <p:sp>
+        <p:nvSpPr>
+          <p:cNvPr id="3" name="Vertical Text Placeholder 2"/>
+          <p:cNvSpPr>
+            <a:spLocks noGrp="1"/>
+          </p:cNvSpPr>
+          <p:nvPr>
+            <p:ph type="body" orient="vert" idx="1"/>
+          </p:nvPr>
+        </p:nvSpPr>
+        <p:spPr/>
+        <p:txBody>
+          <a:bodyPr vert="eaVert"/>
+          <a:lstStyle/>
+          <a:p>
+            <a:pPr lvl="0"/>
+            <a:r>
+              <a:rPr lang="zh-CN" altLang="en-US"/>
+              <a:t>单击此处编辑母版文本样式</a:t>
+            </a:r>
+          </a:p>
+          <a:p>
+            <a:pPr lvl="1"/>
+            <a:r>
+              <a:rPr lang="zh-CN" altLang="en-US"/>
+              <a:t>二级</a:t>
+            </a:r>
+          </a:p>
+          <a:p>
+            <a:pPr lvl="2"/>
+            <a:r>
+              <a:rPr lang="zh-CN" altLang="en-US"/>
+              <a:t>三级</a:t>
+            </a:r>
+          </a:p>
+          <a:p>
+            <a:pPr lvl="3"/>
+            <a:r>
+              <a:rPr lang="zh-CN" altLang="en-US"/>
+              <a:t>四级</a:t>
+            </a:r>
+          </a:p>
+          <a:p>
+            <a:pPr lvl="4"/>
+            <a:r>
+              <a:rPr lang="zh-CN" altLang="en-US"/>
+              <a:t>五级</a:t>
+            </a:r>
+            <a:endParaRPr lang="en-US" dirty="0"/>
+          </a:p>
+        </p:txBody>
+      </p:sp>
+      <p:sp>
+        <p:nvSpPr>
+          <p:cNvPr id="4" name="Date Placeholder 3"/>
+          <p:cNvSpPr>
+            <a:spLocks noGrp="1"/>
+          </p:cNvSpPr>
+          <p:nvPr>
+            <p:ph type="dt" sz="half" idx="10"/>
           </p:nvPr>
         </p:nvSpPr>
         <p:spPr/>
@@ -369,84 +4021,22 @@
           <a:bodyPr/>
           <a:lstStyle/>
           <a:p>
-            <a:r>
-              <a:rPr lang="zh-CN" altLang="en-US"/>
-              <a:t>单击此处编辑母版标题样式</a:t>
-            </a:r>
-          </a:p>
-        </p:txBody>
-      </p:sp>
-      <p:sp>
-        <p:nvSpPr>
-          <p:cNvPr id="3" name="竖排文字占位符 2">
-            <a:extLst>
-              <a:ext uri="{FF2B5EF4-FFF2-40B4-BE49-F238E27FC236}">
-                <a16:creationId xmlns:a16="http://schemas.microsoft.com/office/drawing/2014/main" id="{8F6F8145-B8D5-4D8D-890C-11D9A5209BBA}"/>
-              </a:ext>
-            </a:extLst>
-          </p:cNvPr>
-          <p:cNvSpPr>
-            <a:spLocks noGrp="1"/>
-          </p:cNvSpPr>
-          <p:nvPr>
-            <p:ph type="body" orient="vert" idx="1"/>
-          </p:nvPr>
-        </p:nvSpPr>
-        <p:spPr/>
-        <p:txBody>
-          <a:bodyPr vert="eaVert"/>
-          <a:lstStyle/>
-          <a:p>
-            <a:pPr lvl="0"/>
-            <a:r>
-              <a:rPr lang="zh-CN" altLang="en-US"/>
-              <a:t>单击此处编辑母版文本样式</a:t>
-            </a:r>
-          </a:p>
-          <a:p>
-            <a:pPr lvl="1"/>
-            <a:r>
-              <a:rPr lang="zh-CN" altLang="en-US"/>
-              <a:t>二级</a:t>
-            </a:r>
-          </a:p>
-          <a:p>
-            <a:pPr lvl="2"/>
-            <a:r>
-              <a:rPr lang="zh-CN" altLang="en-US"/>
-              <a:t>三级</a:t>
-            </a:r>
-          </a:p>
-          <a:p>
-            <a:pPr lvl="3"/>
-            <a:r>
-              <a:rPr lang="zh-CN" altLang="en-US"/>
-              <a:t>四级</a:t>
-            </a:r>
-          </a:p>
-          <a:p>
-            <a:pPr lvl="4"/>
-            <a:r>
-              <a:rPr lang="zh-CN" altLang="en-US"/>
-              <a:t>五级</a:t>
-            </a:r>
-          </a:p>
-        </p:txBody>
-      </p:sp>
-      <p:sp>
-        <p:nvSpPr>
-          <p:cNvPr id="4" name="日期占位符 3">
-            <a:extLst>
-              <a:ext uri="{FF2B5EF4-FFF2-40B4-BE49-F238E27FC236}">
-                <a16:creationId xmlns:a16="http://schemas.microsoft.com/office/drawing/2014/main" id="{ACD6FE71-3605-448E-B95A-07C1C4BA9588}"/>
-              </a:ext>
-            </a:extLst>
-          </p:cNvPr>
-          <p:cNvSpPr>
-            <a:spLocks noGrp="1"/>
-          </p:cNvSpPr>
-          <p:nvPr>
-            <p:ph type="dt" sz="half" idx="10"/>
+            <a:fld id="{753CD6A7-5E7B-4670-8050-4F8067769213}" type="datetimeFigureOut">
+              <a:rPr lang="zh-CN" altLang="en-US" smtClean="0"/>
+              <a:t>2020/4/29</a:t>
+            </a:fld>
+            <a:endParaRPr lang="zh-CN" altLang="en-US"/>
+          </a:p>
+        </p:txBody>
+      </p:sp>
+      <p:sp>
+        <p:nvSpPr>
+          <p:cNvPr id="5" name="Footer Placeholder 4"/>
+          <p:cNvSpPr>
+            <a:spLocks noGrp="1"/>
+          </p:cNvSpPr>
+          <p:nvPr>
+            <p:ph type="ftr" sz="quarter" idx="11"/>
           </p:nvPr>
         </p:nvSpPr>
         <p:spPr/>
@@ -454,48 +4044,13 @@
           <a:bodyPr/>
           <a:lstStyle/>
           <a:p>
-            <a:fld id="{753CD6A7-5E7B-4670-8050-4F8067769213}" type="datetimeFigureOut">
-              <a:rPr lang="zh-CN" altLang="en-US" smtClean="0"/>
-              <a:t>2020/4/28</a:t>
-            </a:fld>
             <a:endParaRPr lang="zh-CN" altLang="en-US"/>
           </a:p>
         </p:txBody>
       </p:sp>
       <p:sp>
         <p:nvSpPr>
-          <p:cNvPr id="5" name="页脚占位符 4">
-            <a:extLst>
-              <a:ext uri="{FF2B5EF4-FFF2-40B4-BE49-F238E27FC236}">
-                <a16:creationId xmlns:a16="http://schemas.microsoft.com/office/drawing/2014/main" id="{52A35D50-8D45-4068-BDC0-EAAB0A8173BC}"/>
-              </a:ext>
-            </a:extLst>
-          </p:cNvPr>
-          <p:cNvSpPr>
-            <a:spLocks noGrp="1"/>
-          </p:cNvSpPr>
-          <p:nvPr>
-            <p:ph type="ftr" sz="quarter" idx="11"/>
-          </p:nvPr>
-        </p:nvSpPr>
-        <p:spPr/>
-        <p:txBody>
-          <a:bodyPr/>
-          <a:lstStyle/>
-          <a:p>
-            <a:endParaRPr lang="zh-CN" altLang="en-US"/>
-          </a:p>
-        </p:txBody>
-      </p:sp>
-      <p:sp>
-        <p:nvSpPr>
-          <p:cNvPr id="6" name="灯片编号占位符 5">
-            <a:extLst>
-              <a:ext uri="{FF2B5EF4-FFF2-40B4-BE49-F238E27FC236}">
-                <a16:creationId xmlns:a16="http://schemas.microsoft.com/office/drawing/2014/main" id="{1130A9C1-AE3F-4C4E-8245-E7B33909F3F1}"/>
-              </a:ext>
-            </a:extLst>
-          </p:cNvPr>
+          <p:cNvPr id="6" name="Slide Number Placeholder 5"/>
           <p:cNvSpPr>
             <a:spLocks noGrp="1"/>
           </p:cNvSpPr>
@@ -519,7 +4074,7 @@
     </p:spTree>
     <p:extLst>
       <p:ext uri="{BB962C8B-B14F-4D97-AF65-F5344CB8AC3E}">
-        <p14:creationId xmlns:p14="http://schemas.microsoft.com/office/powerpoint/2010/main" val="2137935284"/>
+        <p14:creationId xmlns:p14="http://schemas.microsoft.com/office/powerpoint/2010/main" val="776979887"/>
       </p:ext>
     </p:extLst>
   </p:cSld>
@@ -529,7 +4084,7 @@
 </p:sldLayout>
 </file>
 
-<file path=ppt/slideLayouts/slideLayout11.xml><?xml version="1.0" encoding="utf-8"?>
+<file path=ppt/slideLayouts/slideLayout17.xml><?xml version="1.0" encoding="utf-8"?>
 <p:sldLayout xmlns:a="http://schemas.openxmlformats.org/drawingml/2006/main" xmlns:r="http://schemas.openxmlformats.org/officeDocument/2006/relationships" xmlns:p="http://schemas.openxmlformats.org/presentationml/2006/main" type="vertTitleAndTx" preserve="1">
   <p:cSld name="竖排标题与文本">
     <p:spTree>
@@ -548,13 +4103,86 @@
       </p:grpSpPr>
       <p:sp>
         <p:nvSpPr>
-          <p:cNvPr id="2" name="竖排标题 1">
-            <a:extLst>
-              <a:ext uri="{FF2B5EF4-FFF2-40B4-BE49-F238E27FC236}">
-                <a16:creationId xmlns:a16="http://schemas.microsoft.com/office/drawing/2014/main" id="{C02B0EA7-ECE5-4451-9884-69380F2CAB77}"/>
-              </a:ext>
-            </a:extLst>
-          </p:cNvPr>
+          <p:cNvPr id="7" name="Rectangle 6"/>
+          <p:cNvSpPr/>
+          <p:nvPr/>
+        </p:nvSpPr>
+        <p:spPr bwMode="ltGray">
+          <a:xfrm rot="5400000">
+            <a:off x="8116207" y="1869395"/>
+            <a:ext cx="5106988" cy="1368198"/>
+          </a:xfrm>
+          <a:prstGeom prst="rect">
+            <a:avLst/>
+          </a:prstGeom>
+          <a:solidFill>
+            <a:schemeClr val="bg1">
+              <a:lumMod val="85000"/>
+              <a:lumOff val="15000"/>
+            </a:schemeClr>
+          </a:solidFill>
+          <a:ln>
+            <a:noFill/>
+          </a:ln>
+        </p:spPr>
+        <p:style>
+          <a:lnRef idx="2">
+            <a:schemeClr val="accent1">
+              <a:shade val="50000"/>
+            </a:schemeClr>
+          </a:lnRef>
+          <a:fillRef idx="1">
+            <a:schemeClr val="accent1"/>
+          </a:fillRef>
+          <a:effectRef idx="0">
+            <a:schemeClr val="accent1"/>
+          </a:effectRef>
+          <a:fontRef idx="minor">
+            <a:schemeClr val="lt1"/>
+          </a:fontRef>
+        </p:style>
+      </p:sp>
+      <p:sp>
+        <p:nvSpPr>
+          <p:cNvPr id="8" name="Rectangle 7"/>
+          <p:cNvSpPr/>
+          <p:nvPr/>
+        </p:nvSpPr>
+        <p:spPr>
+          <a:xfrm rot="5400000">
+            <a:off x="9868202" y="5372403"/>
+            <a:ext cx="1602997" cy="1368198"/>
+          </a:xfrm>
+          <a:prstGeom prst="rect">
+            <a:avLst/>
+          </a:prstGeom>
+          <a:solidFill>
+            <a:schemeClr val="accent1"/>
+          </a:solidFill>
+          <a:ln>
+            <a:noFill/>
+          </a:ln>
+        </p:spPr>
+        <p:style>
+          <a:lnRef idx="2">
+            <a:schemeClr val="accent1">
+              <a:shade val="50000"/>
+            </a:schemeClr>
+          </a:lnRef>
+          <a:fillRef idx="1">
+            <a:schemeClr val="accent1"/>
+          </a:fillRef>
+          <a:effectRef idx="0">
+            <a:schemeClr val="accent1"/>
+          </a:effectRef>
+          <a:fontRef idx="minor">
+            <a:schemeClr val="lt1"/>
+          </a:fontRef>
+        </p:style>
+      </p:sp>
+      <p:sp>
+        <p:nvSpPr>
+          <p:cNvPr id="2" name="Vertical Title 1"/>
           <p:cNvSpPr>
             <a:spLocks noGrp="1"/>
           </p:cNvSpPr>
@@ -564,8 +4192,8 @@
         </p:nvSpPr>
         <p:spPr>
           <a:xfrm>
-            <a:off x="8724900" y="365125"/>
-            <a:ext cx="2628900" cy="5811838"/>
+            <a:off x="10129231" y="609597"/>
+            <a:ext cx="1073802" cy="4353760"/>
           </a:xfrm>
         </p:spPr>
         <p:txBody>
@@ -576,18 +4204,13 @@
               <a:rPr lang="zh-CN" altLang="en-US"/>
               <a:t>单击此处编辑母版标题样式</a:t>
             </a:r>
-          </a:p>
-        </p:txBody>
-      </p:sp>
-      <p:sp>
-        <p:nvSpPr>
-          <p:cNvPr id="3" name="竖排文字占位符 2">
-            <a:extLst>
-              <a:ext uri="{FF2B5EF4-FFF2-40B4-BE49-F238E27FC236}">
-                <a16:creationId xmlns:a16="http://schemas.microsoft.com/office/drawing/2014/main" id="{F25FAAC6-A25D-401A-AEE8-CFD501477508}"/>
-              </a:ext>
-            </a:extLst>
-          </p:cNvPr>
+            <a:endParaRPr lang="en-US" dirty="0"/>
+          </a:p>
+        </p:txBody>
+      </p:sp>
+      <p:sp>
+        <p:nvSpPr>
+          <p:cNvPr id="3" name="Vertical Text Placeholder 2"/>
           <p:cNvSpPr>
             <a:spLocks noGrp="1"/>
           </p:cNvSpPr>
@@ -597,8 +4220,8 @@
         </p:nvSpPr>
         <p:spPr>
           <a:xfrm>
-            <a:off x="838200" y="365125"/>
-            <a:ext cx="7734300" cy="5811838"/>
+            <a:off x="680322" y="609597"/>
+            <a:ext cx="8870004" cy="5326589"/>
           </a:xfrm>
         </p:spPr>
         <p:txBody>
@@ -638,18 +4261,13 @@
               <a:rPr lang="zh-CN" altLang="en-US"/>
               <a:t>五级</a:t>
             </a:r>
-          </a:p>
-        </p:txBody>
-      </p:sp>
-      <p:sp>
-        <p:nvSpPr>
-          <p:cNvPr id="4" name="日期占位符 3">
-            <a:extLst>
-              <a:ext uri="{FF2B5EF4-FFF2-40B4-BE49-F238E27FC236}">
-                <a16:creationId xmlns:a16="http://schemas.microsoft.com/office/drawing/2014/main" id="{711A9EA4-4F3A-4AF3-941F-E9332C1778E7}"/>
-              </a:ext>
-            </a:extLst>
-          </p:cNvPr>
+            <a:endParaRPr lang="en-US" dirty="0"/>
+          </a:p>
+        </p:txBody>
+      </p:sp>
+      <p:sp>
+        <p:nvSpPr>
+          <p:cNvPr id="4" name="Date Placeholder 3"/>
           <p:cNvSpPr>
             <a:spLocks noGrp="1"/>
           </p:cNvSpPr>
@@ -657,14 +4275,19 @@
             <p:ph type="dt" sz="half" idx="10"/>
           </p:nvPr>
         </p:nvSpPr>
-        <p:spPr/>
+        <p:spPr>
+          <a:xfrm>
+            <a:off x="6807126" y="5936187"/>
+            <a:ext cx="2743200" cy="365125"/>
+          </a:xfrm>
+        </p:spPr>
         <p:txBody>
           <a:bodyPr/>
           <a:lstStyle/>
           <a:p>
             <a:fld id="{753CD6A7-5E7B-4670-8050-4F8067769213}" type="datetimeFigureOut">
               <a:rPr lang="zh-CN" altLang="en-US" smtClean="0"/>
-              <a:t>2020/4/28</a:t>
+              <a:t>2020/4/29</a:t>
             </a:fld>
             <a:endParaRPr lang="zh-CN" altLang="en-US"/>
           </a:p>
@@ -672,13 +4295,7 @@
       </p:sp>
       <p:sp>
         <p:nvSpPr>
-          <p:cNvPr id="5" name="页脚占位符 4">
-            <a:extLst>
-              <a:ext uri="{FF2B5EF4-FFF2-40B4-BE49-F238E27FC236}">
-                <a16:creationId xmlns:a16="http://schemas.microsoft.com/office/drawing/2014/main" id="{46A32FC2-3190-4578-A9F2-79686E7C4C13}"/>
-              </a:ext>
-            </a:extLst>
-          </p:cNvPr>
+          <p:cNvPr id="5" name="Footer Placeholder 4"/>
           <p:cNvSpPr>
             <a:spLocks noGrp="1"/>
           </p:cNvSpPr>
@@ -686,7 +4303,12 @@
             <p:ph type="ftr" sz="quarter" idx="11"/>
           </p:nvPr>
         </p:nvSpPr>
-        <p:spPr/>
+        <p:spPr>
+          <a:xfrm>
+            <a:off x="680321" y="5936188"/>
+            <a:ext cx="6126805" cy="365125"/>
+          </a:xfrm>
+        </p:spPr>
         <p:txBody>
           <a:bodyPr/>
           <a:lstStyle/>
@@ -697,13 +4319,7 @@
       </p:sp>
       <p:sp>
         <p:nvSpPr>
-          <p:cNvPr id="6" name="灯片编号占位符 5">
-            <a:extLst>
-              <a:ext uri="{FF2B5EF4-FFF2-40B4-BE49-F238E27FC236}">
-                <a16:creationId xmlns:a16="http://schemas.microsoft.com/office/drawing/2014/main" id="{6D17EFDB-3C89-42C3-B803-E062BDBFC296}"/>
-              </a:ext>
-            </a:extLst>
-          </p:cNvPr>
+          <p:cNvPr id="6" name="Slide Number Placeholder 5"/>
           <p:cNvSpPr>
             <a:spLocks noGrp="1"/>
           </p:cNvSpPr>
@@ -711,10 +4327,19 @@
             <p:ph type="sldNum" sz="quarter" idx="12"/>
           </p:nvPr>
         </p:nvSpPr>
-        <p:spPr/>
-        <p:txBody>
-          <a:bodyPr/>
-          <a:lstStyle/>
+        <p:spPr>
+          <a:xfrm>
+            <a:off x="10097550" y="5398633"/>
+            <a:ext cx="1154151" cy="1090789"/>
+          </a:xfrm>
+        </p:spPr>
+        <p:txBody>
+          <a:bodyPr anchor="t"/>
+          <a:lstStyle>
+            <a:lvl1pPr algn="ctr">
+              <a:defRPr/>
+            </a:lvl1pPr>
+          </a:lstStyle>
           <a:p>
             <a:fld id="{343C4BB7-ABCC-4FE3-BA4A-022B767ADE3D}" type="slidenum">
               <a:rPr lang="zh-CN" altLang="en-US" smtClean="0"/>
@@ -727,7 +4352,7 @@
     </p:spTree>
     <p:extLst>
       <p:ext uri="{BB962C8B-B14F-4D97-AF65-F5344CB8AC3E}">
-        <p14:creationId xmlns:p14="http://schemas.microsoft.com/office/powerpoint/2010/main" val="1864106232"/>
+        <p14:creationId xmlns:p14="http://schemas.microsoft.com/office/powerpoint/2010/main" val="260193896"/>
       </p:ext>
     </p:extLst>
   </p:cSld>
@@ -754,15 +4379,148 @@
           <a:chExt cx="0" cy="0"/>
         </a:xfrm>
       </p:grpSpPr>
-      <p:sp>
-        <p:nvSpPr>
-          <p:cNvPr id="2" name="标题 1">
+      <p:pic>
+        <p:nvPicPr>
+          <p:cNvPr id="15" name="Picture 14" descr="HD-ShadowLong.png"/>
+          <p:cNvPicPr>
+            <a:picLocks noChangeAspect="1"/>
+          </p:cNvPicPr>
+          <p:nvPr/>
+        </p:nvPicPr>
+        <p:blipFill>
+          <a:blip r:embed="rId2">
             <a:extLst>
-              <a:ext uri="{FF2B5EF4-FFF2-40B4-BE49-F238E27FC236}">
-                <a16:creationId xmlns:a16="http://schemas.microsoft.com/office/drawing/2014/main" id="{A7526762-36B1-452C-9272-960F4AC3A522}"/>
+              <a:ext uri="{28A0092B-C50C-407E-A947-70E740481C1C}">
+                <a14:useLocalDpi xmlns:a14="http://schemas.microsoft.com/office/drawing/2010/main" val="0"/>
               </a:ext>
             </a:extLst>
-          </p:cNvPr>
+          </a:blip>
+          <a:stretch>
+            <a:fillRect/>
+          </a:stretch>
+        </p:blipFill>
+        <p:spPr>
+          <a:xfrm>
+            <a:off x="1" y="1970240"/>
+            <a:ext cx="10437812" cy="321164"/>
+          </a:xfrm>
+          <a:prstGeom prst="rect">
+            <a:avLst/>
+          </a:prstGeom>
+        </p:spPr>
+      </p:pic>
+      <p:pic>
+        <p:nvPicPr>
+          <p:cNvPr id="16" name="Picture 15" descr="HD-ShadowShort.png"/>
+          <p:cNvPicPr>
+            <a:picLocks noChangeAspect="1"/>
+          </p:cNvPicPr>
+          <p:nvPr/>
+        </p:nvPicPr>
+        <p:blipFill>
+          <a:blip r:embed="rId3">
+            <a:extLst>
+              <a:ext uri="{28A0092B-C50C-407E-A947-70E740481C1C}">
+                <a14:useLocalDpi xmlns:a14="http://schemas.microsoft.com/office/drawing/2010/main" val="0"/>
+              </a:ext>
+            </a:extLst>
+          </a:blip>
+          <a:stretch>
+            <a:fillRect/>
+          </a:stretch>
+        </p:blipFill>
+        <p:spPr>
+          <a:xfrm>
+            <a:off x="10585826" y="1971234"/>
+            <a:ext cx="1602997" cy="144270"/>
+          </a:xfrm>
+          <a:prstGeom prst="rect">
+            <a:avLst/>
+          </a:prstGeom>
+        </p:spPr>
+      </p:pic>
+      <p:sp>
+        <p:nvSpPr>
+          <p:cNvPr id="17" name="Rectangle 16"/>
+          <p:cNvSpPr/>
+          <p:nvPr/>
+        </p:nvSpPr>
+        <p:spPr bwMode="ltGray">
+          <a:xfrm>
+            <a:off x="0" y="609600"/>
+            <a:ext cx="10437812" cy="1368198"/>
+          </a:xfrm>
+          <a:prstGeom prst="rect">
+            <a:avLst/>
+          </a:prstGeom>
+          <a:solidFill>
+            <a:schemeClr val="bg1">
+              <a:lumMod val="85000"/>
+              <a:lumOff val="15000"/>
+            </a:schemeClr>
+          </a:solidFill>
+          <a:ln>
+            <a:noFill/>
+          </a:ln>
+        </p:spPr>
+        <p:style>
+          <a:lnRef idx="2">
+            <a:schemeClr val="accent1">
+              <a:shade val="50000"/>
+            </a:schemeClr>
+          </a:lnRef>
+          <a:fillRef idx="1">
+            <a:schemeClr val="accent1"/>
+          </a:fillRef>
+          <a:effectRef idx="0">
+            <a:schemeClr val="accent1"/>
+          </a:effectRef>
+          <a:fontRef idx="minor">
+            <a:schemeClr val="lt1"/>
+          </a:fontRef>
+        </p:style>
+      </p:sp>
+      <p:sp>
+        <p:nvSpPr>
+          <p:cNvPr id="18" name="Rectangle 17"/>
+          <p:cNvSpPr/>
+          <p:nvPr/>
+        </p:nvSpPr>
+        <p:spPr>
+          <a:xfrm>
+            <a:off x="10585827" y="609600"/>
+            <a:ext cx="1602997" cy="1368198"/>
+          </a:xfrm>
+          <a:prstGeom prst="rect">
+            <a:avLst/>
+          </a:prstGeom>
+          <a:solidFill>
+            <a:schemeClr val="accent1"/>
+          </a:solidFill>
+          <a:ln>
+            <a:noFill/>
+          </a:ln>
+        </p:spPr>
+        <p:style>
+          <a:lnRef idx="2">
+            <a:schemeClr val="accent1">
+              <a:shade val="50000"/>
+            </a:schemeClr>
+          </a:lnRef>
+          <a:fillRef idx="1">
+            <a:schemeClr val="accent1"/>
+          </a:fillRef>
+          <a:effectRef idx="0">
+            <a:schemeClr val="accent1"/>
+          </a:effectRef>
+          <a:fontRef idx="minor">
+            <a:schemeClr val="lt1"/>
+          </a:fontRef>
+        </p:style>
+      </p:sp>
+      <p:sp>
+        <p:nvSpPr>
+          <p:cNvPr id="2" name="Title 1"/>
           <p:cNvSpPr>
             <a:spLocks noGrp="1"/>
           </p:cNvSpPr>
@@ -779,18 +4537,13 @@
               <a:rPr lang="zh-CN" altLang="en-US"/>
               <a:t>单击此处编辑母版标题样式</a:t>
             </a:r>
-          </a:p>
-        </p:txBody>
-      </p:sp>
-      <p:sp>
-        <p:nvSpPr>
-          <p:cNvPr id="3" name="内容占位符 2">
-            <a:extLst>
-              <a:ext uri="{FF2B5EF4-FFF2-40B4-BE49-F238E27FC236}">
-                <a16:creationId xmlns:a16="http://schemas.microsoft.com/office/drawing/2014/main" id="{DC4D1C44-BF55-408D-A549-19CDD047FD63}"/>
-              </a:ext>
-            </a:extLst>
-          </p:cNvPr>
+            <a:endParaRPr lang="en-US" dirty="0"/>
+          </a:p>
+        </p:txBody>
+      </p:sp>
+      <p:sp>
+        <p:nvSpPr>
+          <p:cNvPr id="3" name="Content Placeholder 2"/>
           <p:cNvSpPr>
             <a:spLocks noGrp="1"/>
           </p:cNvSpPr>
@@ -836,18 +4589,13 @@
               <a:rPr lang="zh-CN" altLang="en-US"/>
               <a:t>五级</a:t>
             </a:r>
-          </a:p>
-        </p:txBody>
-      </p:sp>
-      <p:sp>
-        <p:nvSpPr>
-          <p:cNvPr id="4" name="日期占位符 3">
-            <a:extLst>
-              <a:ext uri="{FF2B5EF4-FFF2-40B4-BE49-F238E27FC236}">
-                <a16:creationId xmlns:a16="http://schemas.microsoft.com/office/drawing/2014/main" id="{D600B382-E09B-4662-AA78-DC787074897A}"/>
-              </a:ext>
-            </a:extLst>
-          </p:cNvPr>
+            <a:endParaRPr lang="en-US" dirty="0"/>
+          </a:p>
+        </p:txBody>
+      </p:sp>
+      <p:sp>
+        <p:nvSpPr>
+          <p:cNvPr id="4" name="Date Placeholder 3"/>
           <p:cNvSpPr>
             <a:spLocks noGrp="1"/>
           </p:cNvSpPr>
@@ -862,7 +4610,7 @@
           <a:p>
             <a:fld id="{753CD6A7-5E7B-4670-8050-4F8067769213}" type="datetimeFigureOut">
               <a:rPr lang="zh-CN" altLang="en-US" smtClean="0"/>
-              <a:t>2020/4/28</a:t>
+              <a:t>2020/4/29</a:t>
             </a:fld>
             <a:endParaRPr lang="zh-CN" altLang="en-US"/>
           </a:p>
@@ -870,13 +4618,7 @@
       </p:sp>
       <p:sp>
         <p:nvSpPr>
-          <p:cNvPr id="5" name="页脚占位符 4">
-            <a:extLst>
-              <a:ext uri="{FF2B5EF4-FFF2-40B4-BE49-F238E27FC236}">
-                <a16:creationId xmlns:a16="http://schemas.microsoft.com/office/drawing/2014/main" id="{FADD0B18-80DA-466C-8C36-AAB392C7E46F}"/>
-              </a:ext>
-            </a:extLst>
-          </p:cNvPr>
+          <p:cNvPr id="5" name="Footer Placeholder 4"/>
           <p:cNvSpPr>
             <a:spLocks noGrp="1"/>
           </p:cNvSpPr>
@@ -895,13 +4637,7 @@
       </p:sp>
       <p:sp>
         <p:nvSpPr>
-          <p:cNvPr id="6" name="灯片编号占位符 5">
-            <a:extLst>
-              <a:ext uri="{FF2B5EF4-FFF2-40B4-BE49-F238E27FC236}">
-                <a16:creationId xmlns:a16="http://schemas.microsoft.com/office/drawing/2014/main" id="{540A4C34-D309-40D3-AA19-BE4E4B1847D9}"/>
-              </a:ext>
-            </a:extLst>
-          </p:cNvPr>
+          <p:cNvPr id="6" name="Slide Number Placeholder 5"/>
           <p:cNvSpPr>
             <a:spLocks noGrp="1"/>
           </p:cNvSpPr>
@@ -925,7 +4661,7 @@
     </p:spTree>
     <p:extLst>
       <p:ext uri="{BB962C8B-B14F-4D97-AF65-F5344CB8AC3E}">
-        <p14:creationId xmlns:p14="http://schemas.microsoft.com/office/powerpoint/2010/main" val="1127493807"/>
+        <p14:creationId xmlns:p14="http://schemas.microsoft.com/office/powerpoint/2010/main" val="3571516346"/>
       </p:ext>
     </p:extLst>
   </p:cSld>
@@ -952,15 +4688,148 @@
           <a:chExt cx="0" cy="0"/>
         </a:xfrm>
       </p:grpSpPr>
-      <p:sp>
-        <p:nvSpPr>
-          <p:cNvPr id="2" name="标题 1">
+      <p:pic>
+        <p:nvPicPr>
+          <p:cNvPr id="7" name="Picture 6" descr="HD-ShadowLong.png"/>
+          <p:cNvPicPr>
+            <a:picLocks noChangeAspect="1"/>
+          </p:cNvPicPr>
+          <p:nvPr/>
+        </p:nvPicPr>
+        <p:blipFill>
+          <a:blip r:embed="rId2">
             <a:extLst>
-              <a:ext uri="{FF2B5EF4-FFF2-40B4-BE49-F238E27FC236}">
-                <a16:creationId xmlns:a16="http://schemas.microsoft.com/office/drawing/2014/main" id="{4F1021AE-DFA3-4890-8719-48742131BD1D}"/>
+              <a:ext uri="{28A0092B-C50C-407E-A947-70E740481C1C}">
+                <a14:useLocalDpi xmlns:a14="http://schemas.microsoft.com/office/drawing/2010/main" val="0"/>
               </a:ext>
             </a:extLst>
-          </p:cNvPr>
+          </a:blip>
+          <a:stretch>
+            <a:fillRect/>
+          </a:stretch>
+        </p:blipFill>
+        <p:spPr>
+          <a:xfrm>
+            <a:off x="-1" y="4086907"/>
+            <a:ext cx="10437812" cy="321164"/>
+          </a:xfrm>
+          <a:prstGeom prst="rect">
+            <a:avLst/>
+          </a:prstGeom>
+        </p:spPr>
+      </p:pic>
+      <p:pic>
+        <p:nvPicPr>
+          <p:cNvPr id="8" name="Picture 7" descr="HD-ShadowShort.png"/>
+          <p:cNvPicPr>
+            <a:picLocks noChangeAspect="1"/>
+          </p:cNvPicPr>
+          <p:nvPr/>
+        </p:nvPicPr>
+        <p:blipFill>
+          <a:blip r:embed="rId3">
+            <a:extLst>
+              <a:ext uri="{28A0092B-C50C-407E-A947-70E740481C1C}">
+                <a14:useLocalDpi xmlns:a14="http://schemas.microsoft.com/office/drawing/2010/main" val="0"/>
+              </a:ext>
+            </a:extLst>
+          </a:blip>
+          <a:stretch>
+            <a:fillRect/>
+          </a:stretch>
+        </p:blipFill>
+        <p:spPr>
+          <a:xfrm>
+            <a:off x="10585824" y="4087901"/>
+            <a:ext cx="1602997" cy="144270"/>
+          </a:xfrm>
+          <a:prstGeom prst="rect">
+            <a:avLst/>
+          </a:prstGeom>
+        </p:spPr>
+      </p:pic>
+      <p:sp>
+        <p:nvSpPr>
+          <p:cNvPr id="9" name="Rectangle 8"/>
+          <p:cNvSpPr/>
+          <p:nvPr/>
+        </p:nvSpPr>
+        <p:spPr bwMode="ltGray">
+          <a:xfrm>
+            <a:off x="-2" y="2726267"/>
+            <a:ext cx="10437812" cy="1368198"/>
+          </a:xfrm>
+          <a:prstGeom prst="rect">
+            <a:avLst/>
+          </a:prstGeom>
+          <a:solidFill>
+            <a:schemeClr val="bg1">
+              <a:lumMod val="85000"/>
+              <a:lumOff val="15000"/>
+            </a:schemeClr>
+          </a:solidFill>
+          <a:ln>
+            <a:noFill/>
+          </a:ln>
+        </p:spPr>
+        <p:style>
+          <a:lnRef idx="2">
+            <a:schemeClr val="accent1">
+              <a:shade val="50000"/>
+            </a:schemeClr>
+          </a:lnRef>
+          <a:fillRef idx="1">
+            <a:schemeClr val="accent1"/>
+          </a:fillRef>
+          <a:effectRef idx="0">
+            <a:schemeClr val="accent1"/>
+          </a:effectRef>
+          <a:fontRef idx="minor">
+            <a:schemeClr val="lt1"/>
+          </a:fontRef>
+        </p:style>
+      </p:sp>
+      <p:sp>
+        <p:nvSpPr>
+          <p:cNvPr id="10" name="Rectangle 9"/>
+          <p:cNvSpPr/>
+          <p:nvPr/>
+        </p:nvSpPr>
+        <p:spPr>
+          <a:xfrm>
+            <a:off x="10585825" y="2726267"/>
+            <a:ext cx="1602997" cy="1368198"/>
+          </a:xfrm>
+          <a:prstGeom prst="rect">
+            <a:avLst/>
+          </a:prstGeom>
+          <a:solidFill>
+            <a:schemeClr val="accent1"/>
+          </a:solidFill>
+          <a:ln>
+            <a:noFill/>
+          </a:ln>
+        </p:spPr>
+        <p:style>
+          <a:lnRef idx="2">
+            <a:schemeClr val="accent1">
+              <a:shade val="50000"/>
+            </a:schemeClr>
+          </a:lnRef>
+          <a:fillRef idx="1">
+            <a:schemeClr val="accent1"/>
+          </a:fillRef>
+          <a:effectRef idx="0">
+            <a:schemeClr val="accent1"/>
+          </a:effectRef>
+          <a:fontRef idx="minor">
+            <a:schemeClr val="lt1"/>
+          </a:fontRef>
+        </p:style>
+      </p:sp>
+      <p:sp>
+        <p:nvSpPr>
+          <p:cNvPr id="2" name="Title 1"/>
           <p:cNvSpPr>
             <a:spLocks noGrp="1"/>
           </p:cNvSpPr>
@@ -970,15 +4839,17 @@
         </p:nvSpPr>
         <p:spPr>
           <a:xfrm>
-            <a:off x="831850" y="1709738"/>
-            <a:ext cx="10515600" cy="2852737"/>
-          </a:xfrm>
-        </p:spPr>
-        <p:txBody>
-          <a:bodyPr anchor="b"/>
+            <a:off x="680322" y="2869895"/>
+            <a:ext cx="9613860" cy="1090788"/>
+          </a:xfrm>
+        </p:spPr>
+        <p:txBody>
+          <a:bodyPr anchor="ctr">
+            <a:normAutofit/>
+          </a:bodyPr>
           <a:lstStyle>
-            <a:lvl1pPr>
-              <a:defRPr sz="6000"/>
+            <a:lvl1pPr algn="r">
+              <a:defRPr sz="3600"/>
             </a:lvl1pPr>
           </a:lstStyle>
           <a:p>
@@ -986,18 +4857,13 @@
               <a:rPr lang="zh-CN" altLang="en-US"/>
               <a:t>单击此处编辑母版标题样式</a:t>
             </a:r>
-          </a:p>
-        </p:txBody>
-      </p:sp>
-      <p:sp>
-        <p:nvSpPr>
-          <p:cNvPr id="3" name="文本占位符 2">
-            <a:extLst>
-              <a:ext uri="{FF2B5EF4-FFF2-40B4-BE49-F238E27FC236}">
-                <a16:creationId xmlns:a16="http://schemas.microsoft.com/office/drawing/2014/main" id="{F5330F25-C6F2-4AC9-94D6-4ECD010985B3}"/>
-              </a:ext>
-            </a:extLst>
-          </p:cNvPr>
+            <a:endParaRPr lang="en-US" dirty="0"/>
+          </a:p>
+        </p:txBody>
+      </p:sp>
+      <p:sp>
+        <p:nvSpPr>
+          <p:cNvPr id="3" name="Text Placeholder 2"/>
           <p:cNvSpPr>
             <a:spLocks noGrp="1"/>
           </p:cNvSpPr>
@@ -1007,16 +4873,18 @@
         </p:nvSpPr>
         <p:spPr>
           <a:xfrm>
-            <a:off x="831850" y="4589463"/>
-            <a:ext cx="10515600" cy="1500187"/>
-          </a:xfrm>
-        </p:spPr>
-        <p:txBody>
-          <a:bodyPr/>
+            <a:off x="680322" y="4232171"/>
+            <a:ext cx="9613860" cy="1704017"/>
+          </a:xfrm>
+        </p:spPr>
+        <p:txBody>
+          <a:bodyPr>
+            <a:normAutofit/>
+          </a:bodyPr>
           <a:lstStyle>
-            <a:lvl1pPr marL="0" indent="0">
-              <a:buNone/>
-              <a:defRPr sz="2400">
+            <a:lvl1pPr marL="0" indent="0" algn="r">
+              <a:buNone/>
+              <a:defRPr sz="2000">
                 <a:solidFill>
                   <a:schemeClr val="tx1">
                     <a:tint val="75000"/>
@@ -1116,13 +4984,7 @@
       </p:sp>
       <p:sp>
         <p:nvSpPr>
-          <p:cNvPr id="4" name="日期占位符 3">
-            <a:extLst>
-              <a:ext uri="{FF2B5EF4-FFF2-40B4-BE49-F238E27FC236}">
-                <a16:creationId xmlns:a16="http://schemas.microsoft.com/office/drawing/2014/main" id="{F0AE1F31-1351-4AEC-B5AD-CB2C586A49E2}"/>
-              </a:ext>
-            </a:extLst>
-          </p:cNvPr>
+          <p:cNvPr id="4" name="Date Placeholder 3"/>
           <p:cNvSpPr>
             <a:spLocks noGrp="1"/>
           </p:cNvSpPr>
@@ -1137,7 +4999,7 @@
           <a:p>
             <a:fld id="{753CD6A7-5E7B-4670-8050-4F8067769213}" type="datetimeFigureOut">
               <a:rPr lang="zh-CN" altLang="en-US" smtClean="0"/>
-              <a:t>2020/4/28</a:t>
+              <a:t>2020/4/29</a:t>
             </a:fld>
             <a:endParaRPr lang="zh-CN" altLang="en-US"/>
           </a:p>
@@ -1145,13 +5007,7 @@
       </p:sp>
       <p:sp>
         <p:nvSpPr>
-          <p:cNvPr id="5" name="页脚占位符 4">
-            <a:extLst>
-              <a:ext uri="{FF2B5EF4-FFF2-40B4-BE49-F238E27FC236}">
-                <a16:creationId xmlns:a16="http://schemas.microsoft.com/office/drawing/2014/main" id="{9A0BDE71-8A23-46F3-9F6E-1946BC175A2E}"/>
-              </a:ext>
-            </a:extLst>
-          </p:cNvPr>
+          <p:cNvPr id="5" name="Footer Placeholder 4"/>
           <p:cNvSpPr>
             <a:spLocks noGrp="1"/>
           </p:cNvSpPr>
@@ -1170,13 +5026,7 @@
       </p:sp>
       <p:sp>
         <p:nvSpPr>
-          <p:cNvPr id="6" name="灯片编号占位符 5">
-            <a:extLst>
-              <a:ext uri="{FF2B5EF4-FFF2-40B4-BE49-F238E27FC236}">
-                <a16:creationId xmlns:a16="http://schemas.microsoft.com/office/drawing/2014/main" id="{441AE4A1-9B2A-4CDA-93C3-48DD715EB828}"/>
-              </a:ext>
-            </a:extLst>
-          </p:cNvPr>
+          <p:cNvPr id="6" name="Slide Number Placeholder 5"/>
           <p:cNvSpPr>
             <a:spLocks noGrp="1"/>
           </p:cNvSpPr>
@@ -1184,7 +5034,12 @@
             <p:ph type="sldNum" sz="quarter" idx="12"/>
           </p:nvPr>
         </p:nvSpPr>
-        <p:spPr/>
+        <p:spPr>
+          <a:xfrm>
+            <a:off x="10729455" y="2869895"/>
+            <a:ext cx="1154151" cy="1090789"/>
+          </a:xfrm>
+        </p:spPr>
         <p:txBody>
           <a:bodyPr/>
           <a:lstStyle/>
@@ -1200,7 +5055,7 @@
     </p:spTree>
     <p:extLst>
       <p:ext uri="{BB962C8B-B14F-4D97-AF65-F5344CB8AC3E}">
-        <p14:creationId xmlns:p14="http://schemas.microsoft.com/office/powerpoint/2010/main" val="797672118"/>
+        <p14:creationId xmlns:p14="http://schemas.microsoft.com/office/powerpoint/2010/main" val="2014293742"/>
       </p:ext>
     </p:extLst>
   </p:cSld>
@@ -1227,15 +5082,148 @@
           <a:chExt cx="0" cy="0"/>
         </a:xfrm>
       </p:grpSpPr>
-      <p:sp>
-        <p:nvSpPr>
-          <p:cNvPr id="2" name="标题 1">
+      <p:pic>
+        <p:nvPicPr>
+          <p:cNvPr id="8" name="Picture 7" descr="HD-ShadowLong.png"/>
+          <p:cNvPicPr>
+            <a:picLocks noChangeAspect="1"/>
+          </p:cNvPicPr>
+          <p:nvPr/>
+        </p:nvPicPr>
+        <p:blipFill>
+          <a:blip r:embed="rId2">
             <a:extLst>
-              <a:ext uri="{FF2B5EF4-FFF2-40B4-BE49-F238E27FC236}">
-                <a16:creationId xmlns:a16="http://schemas.microsoft.com/office/drawing/2014/main" id="{400F8AC0-AC57-4802-A762-EEF3E7FF51CA}"/>
+              <a:ext uri="{28A0092B-C50C-407E-A947-70E740481C1C}">
+                <a14:useLocalDpi xmlns:a14="http://schemas.microsoft.com/office/drawing/2010/main" val="0"/>
               </a:ext>
             </a:extLst>
-          </p:cNvPr>
+          </a:blip>
+          <a:stretch>
+            <a:fillRect/>
+          </a:stretch>
+        </p:blipFill>
+        <p:spPr>
+          <a:xfrm>
+            <a:off x="1" y="1970240"/>
+            <a:ext cx="10437812" cy="321164"/>
+          </a:xfrm>
+          <a:prstGeom prst="rect">
+            <a:avLst/>
+          </a:prstGeom>
+        </p:spPr>
+      </p:pic>
+      <p:pic>
+        <p:nvPicPr>
+          <p:cNvPr id="9" name="Picture 8" descr="HD-ShadowShort.png"/>
+          <p:cNvPicPr>
+            <a:picLocks noChangeAspect="1"/>
+          </p:cNvPicPr>
+          <p:nvPr/>
+        </p:nvPicPr>
+        <p:blipFill>
+          <a:blip r:embed="rId3">
+            <a:extLst>
+              <a:ext uri="{28A0092B-C50C-407E-A947-70E740481C1C}">
+                <a14:useLocalDpi xmlns:a14="http://schemas.microsoft.com/office/drawing/2010/main" val="0"/>
+              </a:ext>
+            </a:extLst>
+          </a:blip>
+          <a:stretch>
+            <a:fillRect/>
+          </a:stretch>
+        </p:blipFill>
+        <p:spPr>
+          <a:xfrm>
+            <a:off x="10585826" y="1971234"/>
+            <a:ext cx="1602997" cy="144270"/>
+          </a:xfrm>
+          <a:prstGeom prst="rect">
+            <a:avLst/>
+          </a:prstGeom>
+        </p:spPr>
+      </p:pic>
+      <p:sp>
+        <p:nvSpPr>
+          <p:cNvPr id="10" name="Rectangle 9"/>
+          <p:cNvSpPr/>
+          <p:nvPr/>
+        </p:nvSpPr>
+        <p:spPr bwMode="ltGray">
+          <a:xfrm>
+            <a:off x="0" y="609600"/>
+            <a:ext cx="10437812" cy="1368198"/>
+          </a:xfrm>
+          <a:prstGeom prst="rect">
+            <a:avLst/>
+          </a:prstGeom>
+          <a:solidFill>
+            <a:schemeClr val="bg1">
+              <a:lumMod val="85000"/>
+              <a:lumOff val="15000"/>
+            </a:schemeClr>
+          </a:solidFill>
+          <a:ln>
+            <a:noFill/>
+          </a:ln>
+        </p:spPr>
+        <p:style>
+          <a:lnRef idx="2">
+            <a:schemeClr val="accent1">
+              <a:shade val="50000"/>
+            </a:schemeClr>
+          </a:lnRef>
+          <a:fillRef idx="1">
+            <a:schemeClr val="accent1"/>
+          </a:fillRef>
+          <a:effectRef idx="0">
+            <a:schemeClr val="accent1"/>
+          </a:effectRef>
+          <a:fontRef idx="minor">
+            <a:schemeClr val="lt1"/>
+          </a:fontRef>
+        </p:style>
+      </p:sp>
+      <p:sp>
+        <p:nvSpPr>
+          <p:cNvPr id="11" name="Rectangle 10"/>
+          <p:cNvSpPr/>
+          <p:nvPr/>
+        </p:nvSpPr>
+        <p:spPr>
+          <a:xfrm>
+            <a:off x="10585827" y="609600"/>
+            <a:ext cx="1602997" cy="1368198"/>
+          </a:xfrm>
+          <a:prstGeom prst="rect">
+            <a:avLst/>
+          </a:prstGeom>
+          <a:solidFill>
+            <a:schemeClr val="accent1"/>
+          </a:solidFill>
+          <a:ln>
+            <a:noFill/>
+          </a:ln>
+        </p:spPr>
+        <p:style>
+          <a:lnRef idx="2">
+            <a:schemeClr val="accent1">
+              <a:shade val="50000"/>
+            </a:schemeClr>
+          </a:lnRef>
+          <a:fillRef idx="1">
+            <a:schemeClr val="accent1"/>
+          </a:fillRef>
+          <a:effectRef idx="0">
+            <a:schemeClr val="accent1"/>
+          </a:effectRef>
+          <a:fontRef idx="minor">
+            <a:schemeClr val="lt1"/>
+          </a:fontRef>
+        </p:style>
+      </p:sp>
+      <p:sp>
+        <p:nvSpPr>
+          <p:cNvPr id="2" name="Title 1"/>
           <p:cNvSpPr>
             <a:spLocks noGrp="1"/>
           </p:cNvSpPr>
@@ -1252,18 +5240,13 @@
               <a:rPr lang="zh-CN" altLang="en-US"/>
               <a:t>单击此处编辑母版标题样式</a:t>
             </a:r>
-          </a:p>
-        </p:txBody>
-      </p:sp>
-      <p:sp>
-        <p:nvSpPr>
-          <p:cNvPr id="3" name="内容占位符 2">
-            <a:extLst>
-              <a:ext uri="{FF2B5EF4-FFF2-40B4-BE49-F238E27FC236}">
-                <a16:creationId xmlns:a16="http://schemas.microsoft.com/office/drawing/2014/main" id="{E3F791B0-39F7-47BF-9CD3-8D420E3D20FC}"/>
-              </a:ext>
-            </a:extLst>
-          </p:cNvPr>
+            <a:endParaRPr lang="en-US" dirty="0"/>
+          </a:p>
+        </p:txBody>
+      </p:sp>
+      <p:sp>
+        <p:nvSpPr>
+          <p:cNvPr id="3" name="Content Placeholder 2"/>
           <p:cNvSpPr>
             <a:spLocks noGrp="1"/>
           </p:cNvSpPr>
@@ -1273,8 +5256,8 @@
         </p:nvSpPr>
         <p:spPr>
           <a:xfrm>
-            <a:off x="838200" y="1825625"/>
-            <a:ext cx="5181600" cy="4351338"/>
+            <a:off x="680320" y="2336873"/>
+            <a:ext cx="4698358" cy="3599316"/>
           </a:xfrm>
         </p:spPr>
         <p:txBody>
@@ -1314,18 +5297,13 @@
               <a:rPr lang="zh-CN" altLang="en-US"/>
               <a:t>五级</a:t>
             </a:r>
-          </a:p>
-        </p:txBody>
-      </p:sp>
-      <p:sp>
-        <p:nvSpPr>
-          <p:cNvPr id="4" name="内容占位符 3">
-            <a:extLst>
-              <a:ext uri="{FF2B5EF4-FFF2-40B4-BE49-F238E27FC236}">
-                <a16:creationId xmlns:a16="http://schemas.microsoft.com/office/drawing/2014/main" id="{549E9E46-F5BD-4BA6-B241-3FB34924B8AD}"/>
-              </a:ext>
-            </a:extLst>
-          </p:cNvPr>
+            <a:endParaRPr lang="en-US" dirty="0"/>
+          </a:p>
+        </p:txBody>
+      </p:sp>
+      <p:sp>
+        <p:nvSpPr>
+          <p:cNvPr id="4" name="Content Placeholder 3"/>
           <p:cNvSpPr>
             <a:spLocks noGrp="1"/>
           </p:cNvSpPr>
@@ -1335,8 +5313,8 @@
         </p:nvSpPr>
         <p:spPr>
           <a:xfrm>
-            <a:off x="6172200" y="1825625"/>
-            <a:ext cx="5181600" cy="4351338"/>
+            <a:off x="5594123" y="2336873"/>
+            <a:ext cx="4700058" cy="3599316"/>
           </a:xfrm>
         </p:spPr>
         <p:txBody>
@@ -1376,18 +5354,13 @@
               <a:rPr lang="zh-CN" altLang="en-US"/>
               <a:t>五级</a:t>
             </a:r>
-          </a:p>
-        </p:txBody>
-      </p:sp>
-      <p:sp>
-        <p:nvSpPr>
-          <p:cNvPr id="5" name="日期占位符 4">
-            <a:extLst>
-              <a:ext uri="{FF2B5EF4-FFF2-40B4-BE49-F238E27FC236}">
-                <a16:creationId xmlns:a16="http://schemas.microsoft.com/office/drawing/2014/main" id="{E029A06F-5897-468C-BD68-35F516C9E490}"/>
-              </a:ext>
-            </a:extLst>
-          </p:cNvPr>
+            <a:endParaRPr lang="en-US" dirty="0"/>
+          </a:p>
+        </p:txBody>
+      </p:sp>
+      <p:sp>
+        <p:nvSpPr>
+          <p:cNvPr id="5" name="Date Placeholder 4"/>
           <p:cNvSpPr>
             <a:spLocks noGrp="1"/>
           </p:cNvSpPr>
@@ -1402,7 +5375,7 @@
           <a:p>
             <a:fld id="{753CD6A7-5E7B-4670-8050-4F8067769213}" type="datetimeFigureOut">
               <a:rPr lang="zh-CN" altLang="en-US" smtClean="0"/>
-              <a:t>2020/4/28</a:t>
+              <a:t>2020/4/29</a:t>
             </a:fld>
             <a:endParaRPr lang="zh-CN" altLang="en-US"/>
           </a:p>
@@ -1410,13 +5383,7 @@
       </p:sp>
       <p:sp>
         <p:nvSpPr>
-          <p:cNvPr id="6" name="页脚占位符 5">
-            <a:extLst>
-              <a:ext uri="{FF2B5EF4-FFF2-40B4-BE49-F238E27FC236}">
-                <a16:creationId xmlns:a16="http://schemas.microsoft.com/office/drawing/2014/main" id="{18733B94-A686-433B-AF30-4AAB83E029EA}"/>
-              </a:ext>
-            </a:extLst>
-          </p:cNvPr>
+          <p:cNvPr id="6" name="Footer Placeholder 5"/>
           <p:cNvSpPr>
             <a:spLocks noGrp="1"/>
           </p:cNvSpPr>
@@ -1435,13 +5402,7 @@
       </p:sp>
       <p:sp>
         <p:nvSpPr>
-          <p:cNvPr id="7" name="灯片编号占位符 6">
-            <a:extLst>
-              <a:ext uri="{FF2B5EF4-FFF2-40B4-BE49-F238E27FC236}">
-                <a16:creationId xmlns:a16="http://schemas.microsoft.com/office/drawing/2014/main" id="{FBFE160A-328C-4B29-AA8D-D692381D233A}"/>
-              </a:ext>
-            </a:extLst>
-          </p:cNvPr>
+          <p:cNvPr id="7" name="Slide Number Placeholder 6"/>
           <p:cNvSpPr>
             <a:spLocks noGrp="1"/>
           </p:cNvSpPr>
@@ -1465,7 +5426,7 @@
     </p:spTree>
     <p:extLst>
       <p:ext uri="{BB962C8B-B14F-4D97-AF65-F5344CB8AC3E}">
-        <p14:creationId xmlns:p14="http://schemas.microsoft.com/office/powerpoint/2010/main" val="244195633"/>
+        <p14:creationId xmlns:p14="http://schemas.microsoft.com/office/powerpoint/2010/main" val="4265903036"/>
       </p:ext>
     </p:extLst>
   </p:cSld>
@@ -1492,15 +5453,148 @@
           <a:chExt cx="0" cy="0"/>
         </a:xfrm>
       </p:grpSpPr>
-      <p:sp>
-        <p:nvSpPr>
-          <p:cNvPr id="2" name="标题 1">
+      <p:pic>
+        <p:nvPicPr>
+          <p:cNvPr id="10" name="Picture 9" descr="HD-ShadowLong.png"/>
+          <p:cNvPicPr>
+            <a:picLocks noChangeAspect="1"/>
+          </p:cNvPicPr>
+          <p:nvPr/>
+        </p:nvPicPr>
+        <p:blipFill>
+          <a:blip r:embed="rId2">
             <a:extLst>
-              <a:ext uri="{FF2B5EF4-FFF2-40B4-BE49-F238E27FC236}">
-                <a16:creationId xmlns:a16="http://schemas.microsoft.com/office/drawing/2014/main" id="{2CB2D220-3FA2-4601-A6C5-3228E777DC2C}"/>
+              <a:ext uri="{28A0092B-C50C-407E-A947-70E740481C1C}">
+                <a14:useLocalDpi xmlns:a14="http://schemas.microsoft.com/office/drawing/2010/main" val="0"/>
               </a:ext>
             </a:extLst>
-          </p:cNvPr>
+          </a:blip>
+          <a:stretch>
+            <a:fillRect/>
+          </a:stretch>
+        </p:blipFill>
+        <p:spPr>
+          <a:xfrm>
+            <a:off x="1" y="1970240"/>
+            <a:ext cx="10437812" cy="321164"/>
+          </a:xfrm>
+          <a:prstGeom prst="rect">
+            <a:avLst/>
+          </a:prstGeom>
+        </p:spPr>
+      </p:pic>
+      <p:pic>
+        <p:nvPicPr>
+          <p:cNvPr id="11" name="Picture 10" descr="HD-ShadowShort.png"/>
+          <p:cNvPicPr>
+            <a:picLocks noChangeAspect="1"/>
+          </p:cNvPicPr>
+          <p:nvPr/>
+        </p:nvPicPr>
+        <p:blipFill>
+          <a:blip r:embed="rId3">
+            <a:extLst>
+              <a:ext uri="{28A0092B-C50C-407E-A947-70E740481C1C}">
+                <a14:useLocalDpi xmlns:a14="http://schemas.microsoft.com/office/drawing/2010/main" val="0"/>
+              </a:ext>
+            </a:extLst>
+          </a:blip>
+          <a:stretch>
+            <a:fillRect/>
+          </a:stretch>
+        </p:blipFill>
+        <p:spPr>
+          <a:xfrm>
+            <a:off x="10585826" y="1971234"/>
+            <a:ext cx="1602997" cy="144270"/>
+          </a:xfrm>
+          <a:prstGeom prst="rect">
+            <a:avLst/>
+          </a:prstGeom>
+        </p:spPr>
+      </p:pic>
+      <p:sp>
+        <p:nvSpPr>
+          <p:cNvPr id="12" name="Rectangle 11"/>
+          <p:cNvSpPr/>
+          <p:nvPr/>
+        </p:nvSpPr>
+        <p:spPr bwMode="ltGray">
+          <a:xfrm>
+            <a:off x="0" y="609600"/>
+            <a:ext cx="10437812" cy="1368198"/>
+          </a:xfrm>
+          <a:prstGeom prst="rect">
+            <a:avLst/>
+          </a:prstGeom>
+          <a:solidFill>
+            <a:schemeClr val="bg1">
+              <a:lumMod val="85000"/>
+              <a:lumOff val="15000"/>
+            </a:schemeClr>
+          </a:solidFill>
+          <a:ln>
+            <a:noFill/>
+          </a:ln>
+        </p:spPr>
+        <p:style>
+          <a:lnRef idx="2">
+            <a:schemeClr val="accent1">
+              <a:shade val="50000"/>
+            </a:schemeClr>
+          </a:lnRef>
+          <a:fillRef idx="1">
+            <a:schemeClr val="accent1"/>
+          </a:fillRef>
+          <a:effectRef idx="0">
+            <a:schemeClr val="accent1"/>
+          </a:effectRef>
+          <a:fontRef idx="minor">
+            <a:schemeClr val="lt1"/>
+          </a:fontRef>
+        </p:style>
+      </p:sp>
+      <p:sp>
+        <p:nvSpPr>
+          <p:cNvPr id="13" name="Rectangle 12"/>
+          <p:cNvSpPr/>
+          <p:nvPr/>
+        </p:nvSpPr>
+        <p:spPr>
+          <a:xfrm>
+            <a:off x="10585827" y="609600"/>
+            <a:ext cx="1602997" cy="1368198"/>
+          </a:xfrm>
+          <a:prstGeom prst="rect">
+            <a:avLst/>
+          </a:prstGeom>
+          <a:solidFill>
+            <a:schemeClr val="accent1"/>
+          </a:solidFill>
+          <a:ln>
+            <a:noFill/>
+          </a:ln>
+        </p:spPr>
+        <p:style>
+          <a:lnRef idx="2">
+            <a:schemeClr val="accent1">
+              <a:shade val="50000"/>
+            </a:schemeClr>
+          </a:lnRef>
+          <a:fillRef idx="1">
+            <a:schemeClr val="accent1"/>
+          </a:fillRef>
+          <a:effectRef idx="0">
+            <a:schemeClr val="accent1"/>
+          </a:effectRef>
+          <a:fontRef idx="minor">
+            <a:schemeClr val="lt1"/>
+          </a:fontRef>
+        </p:style>
+      </p:sp>
+      <p:sp>
+        <p:nvSpPr>
+          <p:cNvPr id="2" name="Title 1"/>
           <p:cNvSpPr>
             <a:spLocks noGrp="1"/>
           </p:cNvSpPr>
@@ -1510,8 +5604,8 @@
         </p:nvSpPr>
         <p:spPr>
           <a:xfrm>
-            <a:off x="839788" y="365125"/>
-            <a:ext cx="10515600" cy="1325563"/>
+            <a:off x="680319" y="753229"/>
+            <a:ext cx="9613863" cy="1080937"/>
           </a:xfrm>
         </p:spPr>
         <p:txBody>
@@ -1522,18 +5616,13 @@
               <a:rPr lang="zh-CN" altLang="en-US"/>
               <a:t>单击此处编辑母版标题样式</a:t>
             </a:r>
-          </a:p>
-        </p:txBody>
-      </p:sp>
-      <p:sp>
-        <p:nvSpPr>
-          <p:cNvPr id="3" name="文本占位符 2">
-            <a:extLst>
-              <a:ext uri="{FF2B5EF4-FFF2-40B4-BE49-F238E27FC236}">
-                <a16:creationId xmlns:a16="http://schemas.microsoft.com/office/drawing/2014/main" id="{6700AD85-35C8-43BC-99A4-42A73540A885}"/>
-              </a:ext>
-            </a:extLst>
-          </p:cNvPr>
+            <a:endParaRPr lang="en-US" dirty="0"/>
+          </a:p>
+        </p:txBody>
+      </p:sp>
+      <p:sp>
+        <p:nvSpPr>
+          <p:cNvPr id="3" name="Text Placeholder 2"/>
           <p:cNvSpPr>
             <a:spLocks noGrp="1"/>
           </p:cNvSpPr>
@@ -1543,8 +5632,8 @@
         </p:nvSpPr>
         <p:spPr>
           <a:xfrm>
-            <a:off x="839788" y="1681163"/>
-            <a:ext cx="5157787" cy="823912"/>
+            <a:off x="906350" y="2336873"/>
+            <a:ext cx="4472327" cy="693135"/>
           </a:xfrm>
         </p:spPr>
         <p:txBody>
@@ -1598,13 +5687,7 @@
       </p:sp>
       <p:sp>
         <p:nvSpPr>
-          <p:cNvPr id="4" name="内容占位符 3">
-            <a:extLst>
-              <a:ext uri="{FF2B5EF4-FFF2-40B4-BE49-F238E27FC236}">
-                <a16:creationId xmlns:a16="http://schemas.microsoft.com/office/drawing/2014/main" id="{74B09864-7723-45FB-BC6B-823AEBC91FFA}"/>
-              </a:ext>
-            </a:extLst>
-          </p:cNvPr>
+          <p:cNvPr id="4" name="Content Placeholder 3"/>
           <p:cNvSpPr>
             <a:spLocks noGrp="1"/>
           </p:cNvSpPr>
@@ -1614,8 +5697,8 @@
         </p:nvSpPr>
         <p:spPr>
           <a:xfrm>
-            <a:off x="839788" y="2505075"/>
-            <a:ext cx="5157787" cy="3684588"/>
+            <a:off x="680322" y="3030008"/>
+            <a:ext cx="4698355" cy="2906179"/>
           </a:xfrm>
         </p:spPr>
         <p:txBody>
@@ -1655,18 +5738,13 @@
               <a:rPr lang="zh-CN" altLang="en-US"/>
               <a:t>五级</a:t>
             </a:r>
-          </a:p>
-        </p:txBody>
-      </p:sp>
-      <p:sp>
-        <p:nvSpPr>
-          <p:cNvPr id="5" name="文本占位符 4">
-            <a:extLst>
-              <a:ext uri="{FF2B5EF4-FFF2-40B4-BE49-F238E27FC236}">
-                <a16:creationId xmlns:a16="http://schemas.microsoft.com/office/drawing/2014/main" id="{C484E27E-9B6C-4224-9397-1672FEB630BB}"/>
-              </a:ext>
-            </a:extLst>
-          </p:cNvPr>
+            <a:endParaRPr lang="en-US" dirty="0"/>
+          </a:p>
+        </p:txBody>
+      </p:sp>
+      <p:sp>
+        <p:nvSpPr>
+          <p:cNvPr id="5" name="Text Placeholder 4"/>
           <p:cNvSpPr>
             <a:spLocks noGrp="1"/>
           </p:cNvSpPr>
@@ -1676,8 +5754,8 @@
         </p:nvSpPr>
         <p:spPr>
           <a:xfrm>
-            <a:off x="6172200" y="1681163"/>
-            <a:ext cx="5183188" cy="823912"/>
+            <a:off x="5820154" y="2336873"/>
+            <a:ext cx="4474028" cy="692076"/>
           </a:xfrm>
         </p:spPr>
         <p:txBody>
@@ -1731,13 +5809,7 @@
       </p:sp>
       <p:sp>
         <p:nvSpPr>
-          <p:cNvPr id="6" name="内容占位符 5">
-            <a:extLst>
-              <a:ext uri="{FF2B5EF4-FFF2-40B4-BE49-F238E27FC236}">
-                <a16:creationId xmlns:a16="http://schemas.microsoft.com/office/drawing/2014/main" id="{2E34FB00-1B82-425A-B5B8-618047DCFD7A}"/>
-              </a:ext>
-            </a:extLst>
-          </p:cNvPr>
+          <p:cNvPr id="6" name="Content Placeholder 5"/>
           <p:cNvSpPr>
             <a:spLocks noGrp="1"/>
           </p:cNvSpPr>
@@ -1747,8 +5819,8 @@
         </p:nvSpPr>
         <p:spPr>
           <a:xfrm>
-            <a:off x="6172200" y="2505075"/>
-            <a:ext cx="5183188" cy="3684588"/>
+            <a:off x="5594123" y="3030008"/>
+            <a:ext cx="4700059" cy="2906179"/>
           </a:xfrm>
         </p:spPr>
         <p:txBody>
@@ -1788,18 +5860,13 @@
               <a:rPr lang="zh-CN" altLang="en-US"/>
               <a:t>五级</a:t>
             </a:r>
-          </a:p>
-        </p:txBody>
-      </p:sp>
-      <p:sp>
-        <p:nvSpPr>
-          <p:cNvPr id="7" name="日期占位符 6">
-            <a:extLst>
-              <a:ext uri="{FF2B5EF4-FFF2-40B4-BE49-F238E27FC236}">
-                <a16:creationId xmlns:a16="http://schemas.microsoft.com/office/drawing/2014/main" id="{A23C3C99-AFAB-4DA4-B8C8-98BB5AEE6F3C}"/>
-              </a:ext>
-            </a:extLst>
-          </p:cNvPr>
+            <a:endParaRPr lang="en-US" dirty="0"/>
+          </a:p>
+        </p:txBody>
+      </p:sp>
+      <p:sp>
+        <p:nvSpPr>
+          <p:cNvPr id="7" name="Date Placeholder 6"/>
           <p:cNvSpPr>
             <a:spLocks noGrp="1"/>
           </p:cNvSpPr>
@@ -1814,7 +5881,7 @@
           <a:p>
             <a:fld id="{753CD6A7-5E7B-4670-8050-4F8067769213}" type="datetimeFigureOut">
               <a:rPr lang="zh-CN" altLang="en-US" smtClean="0"/>
-              <a:t>2020/4/28</a:t>
+              <a:t>2020/4/29</a:t>
             </a:fld>
             <a:endParaRPr lang="zh-CN" altLang="en-US"/>
           </a:p>
@@ -1822,13 +5889,7 @@
       </p:sp>
       <p:sp>
         <p:nvSpPr>
-          <p:cNvPr id="8" name="页脚占位符 7">
-            <a:extLst>
-              <a:ext uri="{FF2B5EF4-FFF2-40B4-BE49-F238E27FC236}">
-                <a16:creationId xmlns:a16="http://schemas.microsoft.com/office/drawing/2014/main" id="{BD261776-56DB-489D-9FE8-FACF324CE41E}"/>
-              </a:ext>
-            </a:extLst>
-          </p:cNvPr>
+          <p:cNvPr id="8" name="Footer Placeholder 7"/>
           <p:cNvSpPr>
             <a:spLocks noGrp="1"/>
           </p:cNvSpPr>
@@ -1847,13 +5908,7 @@
       </p:sp>
       <p:sp>
         <p:nvSpPr>
-          <p:cNvPr id="9" name="灯片编号占位符 8">
-            <a:extLst>
-              <a:ext uri="{FF2B5EF4-FFF2-40B4-BE49-F238E27FC236}">
-                <a16:creationId xmlns:a16="http://schemas.microsoft.com/office/drawing/2014/main" id="{D8CA2B40-A59B-4717-89AC-FB3AE0FC9D28}"/>
-              </a:ext>
-            </a:extLst>
-          </p:cNvPr>
+          <p:cNvPr id="9" name="Slide Number Placeholder 8"/>
           <p:cNvSpPr>
             <a:spLocks noGrp="1"/>
           </p:cNvSpPr>
@@ -1877,7 +5932,7 @@
     </p:spTree>
     <p:extLst>
       <p:ext uri="{BB962C8B-B14F-4D97-AF65-F5344CB8AC3E}">
-        <p14:creationId xmlns:p14="http://schemas.microsoft.com/office/powerpoint/2010/main" val="1214211391"/>
+        <p14:creationId xmlns:p14="http://schemas.microsoft.com/office/powerpoint/2010/main" val="109589496"/>
       </p:ext>
     </p:extLst>
   </p:cSld>
@@ -1904,15 +5959,148 @@
           <a:chExt cx="0" cy="0"/>
         </a:xfrm>
       </p:grpSpPr>
-      <p:sp>
-        <p:nvSpPr>
-          <p:cNvPr id="2" name="标题 1">
+      <p:pic>
+        <p:nvPicPr>
+          <p:cNvPr id="6" name="Picture 5" descr="HD-ShadowLong.png"/>
+          <p:cNvPicPr>
+            <a:picLocks noChangeAspect="1"/>
+          </p:cNvPicPr>
+          <p:nvPr/>
+        </p:nvPicPr>
+        <p:blipFill>
+          <a:blip r:embed="rId2">
             <a:extLst>
-              <a:ext uri="{FF2B5EF4-FFF2-40B4-BE49-F238E27FC236}">
-                <a16:creationId xmlns:a16="http://schemas.microsoft.com/office/drawing/2014/main" id="{B6E5EDE1-83BC-43C2-A0C8-5DD4DBBA45F8}"/>
+              <a:ext uri="{28A0092B-C50C-407E-A947-70E740481C1C}">
+                <a14:useLocalDpi xmlns:a14="http://schemas.microsoft.com/office/drawing/2010/main" val="0"/>
               </a:ext>
             </a:extLst>
-          </p:cNvPr>
+          </a:blip>
+          <a:stretch>
+            <a:fillRect/>
+          </a:stretch>
+        </p:blipFill>
+        <p:spPr>
+          <a:xfrm>
+            <a:off x="1" y="1970240"/>
+            <a:ext cx="10437812" cy="321164"/>
+          </a:xfrm>
+          <a:prstGeom prst="rect">
+            <a:avLst/>
+          </a:prstGeom>
+        </p:spPr>
+      </p:pic>
+      <p:pic>
+        <p:nvPicPr>
+          <p:cNvPr id="7" name="Picture 6" descr="HD-ShadowShort.png"/>
+          <p:cNvPicPr>
+            <a:picLocks noChangeAspect="1"/>
+          </p:cNvPicPr>
+          <p:nvPr/>
+        </p:nvPicPr>
+        <p:blipFill>
+          <a:blip r:embed="rId3">
+            <a:extLst>
+              <a:ext uri="{28A0092B-C50C-407E-A947-70E740481C1C}">
+                <a14:useLocalDpi xmlns:a14="http://schemas.microsoft.com/office/drawing/2010/main" val="0"/>
+              </a:ext>
+            </a:extLst>
+          </a:blip>
+          <a:stretch>
+            <a:fillRect/>
+          </a:stretch>
+        </p:blipFill>
+        <p:spPr>
+          <a:xfrm>
+            <a:off x="10585826" y="1971234"/>
+            <a:ext cx="1602997" cy="144270"/>
+          </a:xfrm>
+          <a:prstGeom prst="rect">
+            <a:avLst/>
+          </a:prstGeom>
+        </p:spPr>
+      </p:pic>
+      <p:sp>
+        <p:nvSpPr>
+          <p:cNvPr id="8" name="Rectangle 7"/>
+          <p:cNvSpPr/>
+          <p:nvPr/>
+        </p:nvSpPr>
+        <p:spPr bwMode="ltGray">
+          <a:xfrm>
+            <a:off x="0" y="609600"/>
+            <a:ext cx="10437812" cy="1368198"/>
+          </a:xfrm>
+          <a:prstGeom prst="rect">
+            <a:avLst/>
+          </a:prstGeom>
+          <a:solidFill>
+            <a:schemeClr val="bg1">
+              <a:lumMod val="85000"/>
+              <a:lumOff val="15000"/>
+            </a:schemeClr>
+          </a:solidFill>
+          <a:ln>
+            <a:noFill/>
+          </a:ln>
+        </p:spPr>
+        <p:style>
+          <a:lnRef idx="2">
+            <a:schemeClr val="accent1">
+              <a:shade val="50000"/>
+            </a:schemeClr>
+          </a:lnRef>
+          <a:fillRef idx="1">
+            <a:schemeClr val="accent1"/>
+          </a:fillRef>
+          <a:effectRef idx="0">
+            <a:schemeClr val="accent1"/>
+          </a:effectRef>
+          <a:fontRef idx="minor">
+            <a:schemeClr val="lt1"/>
+          </a:fontRef>
+        </p:style>
+      </p:sp>
+      <p:sp>
+        <p:nvSpPr>
+          <p:cNvPr id="9" name="Rectangle 8"/>
+          <p:cNvSpPr/>
+          <p:nvPr/>
+        </p:nvSpPr>
+        <p:spPr>
+          <a:xfrm>
+            <a:off x="10585827" y="609600"/>
+            <a:ext cx="1602997" cy="1368198"/>
+          </a:xfrm>
+          <a:prstGeom prst="rect">
+            <a:avLst/>
+          </a:prstGeom>
+          <a:solidFill>
+            <a:schemeClr val="accent1"/>
+          </a:solidFill>
+          <a:ln>
+            <a:noFill/>
+          </a:ln>
+        </p:spPr>
+        <p:style>
+          <a:lnRef idx="2">
+            <a:schemeClr val="accent1">
+              <a:shade val="50000"/>
+            </a:schemeClr>
+          </a:lnRef>
+          <a:fillRef idx="1">
+            <a:schemeClr val="accent1"/>
+          </a:fillRef>
+          <a:effectRef idx="0">
+            <a:schemeClr val="accent1"/>
+          </a:effectRef>
+          <a:fontRef idx="minor">
+            <a:schemeClr val="lt1"/>
+          </a:fontRef>
+        </p:style>
+      </p:sp>
+      <p:sp>
+        <p:nvSpPr>
+          <p:cNvPr id="2" name="Title 1"/>
           <p:cNvSpPr>
             <a:spLocks noGrp="1"/>
           </p:cNvSpPr>
@@ -1929,18 +6117,13 @@
               <a:rPr lang="zh-CN" altLang="en-US"/>
               <a:t>单击此处编辑母版标题样式</a:t>
             </a:r>
-          </a:p>
-        </p:txBody>
-      </p:sp>
-      <p:sp>
-        <p:nvSpPr>
-          <p:cNvPr id="3" name="日期占位符 2">
-            <a:extLst>
-              <a:ext uri="{FF2B5EF4-FFF2-40B4-BE49-F238E27FC236}">
-                <a16:creationId xmlns:a16="http://schemas.microsoft.com/office/drawing/2014/main" id="{A41C50E1-3332-4371-BA9D-625E52E87E94}"/>
-              </a:ext>
-            </a:extLst>
-          </p:cNvPr>
+            <a:endParaRPr lang="en-US" dirty="0"/>
+          </a:p>
+        </p:txBody>
+      </p:sp>
+      <p:sp>
+        <p:nvSpPr>
+          <p:cNvPr id="3" name="Date Placeholder 2"/>
           <p:cNvSpPr>
             <a:spLocks noGrp="1"/>
           </p:cNvSpPr>
@@ -1955,7 +6138,7 @@
           <a:p>
             <a:fld id="{753CD6A7-5E7B-4670-8050-4F8067769213}" type="datetimeFigureOut">
               <a:rPr lang="zh-CN" altLang="en-US" smtClean="0"/>
-              <a:t>2020/4/28</a:t>
+              <a:t>2020/4/29</a:t>
             </a:fld>
             <a:endParaRPr lang="zh-CN" altLang="en-US"/>
           </a:p>
@@ -1963,13 +6146,7 @@
       </p:sp>
       <p:sp>
         <p:nvSpPr>
-          <p:cNvPr id="4" name="页脚占位符 3">
-            <a:extLst>
-              <a:ext uri="{FF2B5EF4-FFF2-40B4-BE49-F238E27FC236}">
-                <a16:creationId xmlns:a16="http://schemas.microsoft.com/office/drawing/2014/main" id="{F657CD75-9264-487F-9E70-65AA761B8A32}"/>
-              </a:ext>
-            </a:extLst>
-          </p:cNvPr>
+          <p:cNvPr id="4" name="Footer Placeholder 3"/>
           <p:cNvSpPr>
             <a:spLocks noGrp="1"/>
           </p:cNvSpPr>
@@ -1988,13 +6165,7 @@
       </p:sp>
       <p:sp>
         <p:nvSpPr>
-          <p:cNvPr id="5" name="灯片编号占位符 4">
-            <a:extLst>
-              <a:ext uri="{FF2B5EF4-FFF2-40B4-BE49-F238E27FC236}">
-                <a16:creationId xmlns:a16="http://schemas.microsoft.com/office/drawing/2014/main" id="{7CA68D05-D04F-452C-94DB-110F73EA4D7A}"/>
-              </a:ext>
-            </a:extLst>
-          </p:cNvPr>
+          <p:cNvPr id="5" name="Slide Number Placeholder 4"/>
           <p:cNvSpPr>
             <a:spLocks noGrp="1"/>
           </p:cNvSpPr>
@@ -2018,7 +6189,7 @@
     </p:spTree>
     <p:extLst>
       <p:ext uri="{BB962C8B-B14F-4D97-AF65-F5344CB8AC3E}">
-        <p14:creationId xmlns:p14="http://schemas.microsoft.com/office/powerpoint/2010/main" val="2214002397"/>
+        <p14:creationId xmlns:p14="http://schemas.microsoft.com/office/powerpoint/2010/main" val="237085081"/>
       </p:ext>
     </p:extLst>
   </p:cSld>
@@ -2045,15 +6216,77 @@
           <a:chExt cx="0" cy="0"/>
         </a:xfrm>
       </p:grpSpPr>
-      <p:sp>
-        <p:nvSpPr>
-          <p:cNvPr id="2" name="日期占位符 1">
+      <p:pic>
+        <p:nvPicPr>
+          <p:cNvPr id="5" name="Picture 4" descr="HD-ShadowShort.png"/>
+          <p:cNvPicPr>
+            <a:picLocks noChangeAspect="1"/>
+          </p:cNvPicPr>
+          <p:nvPr/>
+        </p:nvPicPr>
+        <p:blipFill>
+          <a:blip r:embed="rId2">
             <a:extLst>
-              <a:ext uri="{FF2B5EF4-FFF2-40B4-BE49-F238E27FC236}">
-                <a16:creationId xmlns:a16="http://schemas.microsoft.com/office/drawing/2014/main" id="{D18F35DE-909F-41AC-8A65-B28BA8B58F23}"/>
+              <a:ext uri="{28A0092B-C50C-407E-A947-70E740481C1C}">
+                <a14:useLocalDpi xmlns:a14="http://schemas.microsoft.com/office/drawing/2010/main" val="0"/>
               </a:ext>
             </a:extLst>
-          </p:cNvPr>
+          </a:blip>
+          <a:stretch>
+            <a:fillRect/>
+          </a:stretch>
+        </p:blipFill>
+        <p:spPr>
+          <a:xfrm>
+            <a:off x="10585826" y="1971234"/>
+            <a:ext cx="1602997" cy="144270"/>
+          </a:xfrm>
+          <a:prstGeom prst="rect">
+            <a:avLst/>
+          </a:prstGeom>
+        </p:spPr>
+      </p:pic>
+      <p:sp>
+        <p:nvSpPr>
+          <p:cNvPr id="6" name="Rectangle 5"/>
+          <p:cNvSpPr/>
+          <p:nvPr/>
+        </p:nvSpPr>
+        <p:spPr>
+          <a:xfrm>
+            <a:off x="10585827" y="609600"/>
+            <a:ext cx="1602997" cy="1368198"/>
+          </a:xfrm>
+          <a:prstGeom prst="rect">
+            <a:avLst/>
+          </a:prstGeom>
+          <a:solidFill>
+            <a:schemeClr val="accent1"/>
+          </a:solidFill>
+          <a:ln>
+            <a:noFill/>
+          </a:ln>
+        </p:spPr>
+        <p:style>
+          <a:lnRef idx="2">
+            <a:schemeClr val="accent1">
+              <a:shade val="50000"/>
+            </a:schemeClr>
+          </a:lnRef>
+          <a:fillRef idx="1">
+            <a:schemeClr val="accent1"/>
+          </a:fillRef>
+          <a:effectRef idx="0">
+            <a:schemeClr val="accent1"/>
+          </a:effectRef>
+          <a:fontRef idx="minor">
+            <a:schemeClr val="lt1"/>
+          </a:fontRef>
+        </p:style>
+      </p:sp>
+      <p:sp>
+        <p:nvSpPr>
+          <p:cNvPr id="2" name="Date Placeholder 1"/>
           <p:cNvSpPr>
             <a:spLocks noGrp="1"/>
           </p:cNvSpPr>
@@ -2068,7 +6301,7 @@
           <a:p>
             <a:fld id="{753CD6A7-5E7B-4670-8050-4F8067769213}" type="datetimeFigureOut">
               <a:rPr lang="zh-CN" altLang="en-US" smtClean="0"/>
-              <a:t>2020/4/28</a:t>
+              <a:t>2020/4/29</a:t>
             </a:fld>
             <a:endParaRPr lang="zh-CN" altLang="en-US"/>
           </a:p>
@@ -2076,13 +6309,7 @@
       </p:sp>
       <p:sp>
         <p:nvSpPr>
-          <p:cNvPr id="3" name="页脚占位符 2">
-            <a:extLst>
-              <a:ext uri="{FF2B5EF4-FFF2-40B4-BE49-F238E27FC236}">
-                <a16:creationId xmlns:a16="http://schemas.microsoft.com/office/drawing/2014/main" id="{1A6DCDC5-EFB1-4248-85EE-665FBEA3D8A2}"/>
-              </a:ext>
-            </a:extLst>
-          </p:cNvPr>
+          <p:cNvPr id="3" name="Footer Placeholder 2"/>
           <p:cNvSpPr>
             <a:spLocks noGrp="1"/>
           </p:cNvSpPr>
@@ -2101,13 +6328,7 @@
       </p:sp>
       <p:sp>
         <p:nvSpPr>
-          <p:cNvPr id="4" name="灯片编号占位符 3">
-            <a:extLst>
-              <a:ext uri="{FF2B5EF4-FFF2-40B4-BE49-F238E27FC236}">
-                <a16:creationId xmlns:a16="http://schemas.microsoft.com/office/drawing/2014/main" id="{64C7339C-F517-4B43-A06E-129024F153DE}"/>
-              </a:ext>
-            </a:extLst>
-          </p:cNvPr>
+          <p:cNvPr id="4" name="Slide Number Placeholder 3"/>
           <p:cNvSpPr>
             <a:spLocks noGrp="1"/>
           </p:cNvSpPr>
@@ -2131,7 +6352,7 @@
     </p:spTree>
     <p:extLst>
       <p:ext uri="{BB962C8B-B14F-4D97-AF65-F5344CB8AC3E}">
-        <p14:creationId xmlns:p14="http://schemas.microsoft.com/office/powerpoint/2010/main" val="585796031"/>
+        <p14:creationId xmlns:p14="http://schemas.microsoft.com/office/powerpoint/2010/main" val="357726378"/>
       </p:ext>
     </p:extLst>
   </p:cSld>
@@ -2158,15 +6379,148 @@
           <a:chExt cx="0" cy="0"/>
         </a:xfrm>
       </p:grpSpPr>
-      <p:sp>
-        <p:nvSpPr>
-          <p:cNvPr id="2" name="标题 1">
+      <p:pic>
+        <p:nvPicPr>
+          <p:cNvPr id="8" name="Picture 7" descr="HD-ShadowLong.png"/>
+          <p:cNvPicPr>
+            <a:picLocks noChangeAspect="1"/>
+          </p:cNvPicPr>
+          <p:nvPr/>
+        </p:nvPicPr>
+        <p:blipFill>
+          <a:blip r:embed="rId2">
             <a:extLst>
-              <a:ext uri="{FF2B5EF4-FFF2-40B4-BE49-F238E27FC236}">
-                <a16:creationId xmlns:a16="http://schemas.microsoft.com/office/drawing/2014/main" id="{E78BABF3-D403-42F7-9219-75DCFD68DB55}"/>
+              <a:ext uri="{28A0092B-C50C-407E-A947-70E740481C1C}">
+                <a14:useLocalDpi xmlns:a14="http://schemas.microsoft.com/office/drawing/2010/main" val="0"/>
               </a:ext>
             </a:extLst>
-          </p:cNvPr>
+          </a:blip>
+          <a:stretch>
+            <a:fillRect/>
+          </a:stretch>
+        </p:blipFill>
+        <p:spPr>
+          <a:xfrm>
+            <a:off x="1" y="1970240"/>
+            <a:ext cx="10437812" cy="321164"/>
+          </a:xfrm>
+          <a:prstGeom prst="rect">
+            <a:avLst/>
+          </a:prstGeom>
+        </p:spPr>
+      </p:pic>
+      <p:pic>
+        <p:nvPicPr>
+          <p:cNvPr id="9" name="Picture 8" descr="HD-ShadowShort.png"/>
+          <p:cNvPicPr>
+            <a:picLocks noChangeAspect="1"/>
+          </p:cNvPicPr>
+          <p:nvPr/>
+        </p:nvPicPr>
+        <p:blipFill>
+          <a:blip r:embed="rId3">
+            <a:extLst>
+              <a:ext uri="{28A0092B-C50C-407E-A947-70E740481C1C}">
+                <a14:useLocalDpi xmlns:a14="http://schemas.microsoft.com/office/drawing/2010/main" val="0"/>
+              </a:ext>
+            </a:extLst>
+          </a:blip>
+          <a:stretch>
+            <a:fillRect/>
+          </a:stretch>
+        </p:blipFill>
+        <p:spPr>
+          <a:xfrm>
+            <a:off x="10585826" y="1971234"/>
+            <a:ext cx="1602997" cy="144270"/>
+          </a:xfrm>
+          <a:prstGeom prst="rect">
+            <a:avLst/>
+          </a:prstGeom>
+        </p:spPr>
+      </p:pic>
+      <p:sp>
+        <p:nvSpPr>
+          <p:cNvPr id="10" name="Rectangle 9"/>
+          <p:cNvSpPr/>
+          <p:nvPr/>
+        </p:nvSpPr>
+        <p:spPr bwMode="ltGray">
+          <a:xfrm>
+            <a:off x="0" y="609600"/>
+            <a:ext cx="10437812" cy="1368198"/>
+          </a:xfrm>
+          <a:prstGeom prst="rect">
+            <a:avLst/>
+          </a:prstGeom>
+          <a:solidFill>
+            <a:schemeClr val="bg1">
+              <a:lumMod val="85000"/>
+              <a:lumOff val="15000"/>
+            </a:schemeClr>
+          </a:solidFill>
+          <a:ln>
+            <a:noFill/>
+          </a:ln>
+        </p:spPr>
+        <p:style>
+          <a:lnRef idx="2">
+            <a:schemeClr val="accent1">
+              <a:shade val="50000"/>
+            </a:schemeClr>
+          </a:lnRef>
+          <a:fillRef idx="1">
+            <a:schemeClr val="accent1"/>
+          </a:fillRef>
+          <a:effectRef idx="0">
+            <a:schemeClr val="accent1"/>
+          </a:effectRef>
+          <a:fontRef idx="minor">
+            <a:schemeClr val="lt1"/>
+          </a:fontRef>
+        </p:style>
+      </p:sp>
+      <p:sp>
+        <p:nvSpPr>
+          <p:cNvPr id="11" name="Rectangle 10"/>
+          <p:cNvSpPr/>
+          <p:nvPr/>
+        </p:nvSpPr>
+        <p:spPr>
+          <a:xfrm>
+            <a:off x="10585827" y="609600"/>
+            <a:ext cx="1602997" cy="1368198"/>
+          </a:xfrm>
+          <a:prstGeom prst="rect">
+            <a:avLst/>
+          </a:prstGeom>
+          <a:solidFill>
+            <a:schemeClr val="accent1"/>
+          </a:solidFill>
+          <a:ln>
+            <a:noFill/>
+          </a:ln>
+        </p:spPr>
+        <p:style>
+          <a:lnRef idx="2">
+            <a:schemeClr val="accent1">
+              <a:shade val="50000"/>
+            </a:schemeClr>
+          </a:lnRef>
+          <a:fillRef idx="1">
+            <a:schemeClr val="accent1"/>
+          </a:fillRef>
+          <a:effectRef idx="0">
+            <a:schemeClr val="accent1"/>
+          </a:effectRef>
+          <a:fontRef idx="minor">
+            <a:schemeClr val="lt1"/>
+          </a:fontRef>
+        </p:style>
+      </p:sp>
+      <p:sp>
+        <p:nvSpPr>
+          <p:cNvPr id="2" name="Title 1"/>
           <p:cNvSpPr>
             <a:spLocks noGrp="1"/>
           </p:cNvSpPr>
@@ -2176,15 +6530,17 @@
         </p:nvSpPr>
         <p:spPr>
           <a:xfrm>
-            <a:off x="839788" y="457200"/>
-            <a:ext cx="3932237" cy="1600200"/>
-          </a:xfrm>
-        </p:spPr>
-        <p:txBody>
-          <a:bodyPr anchor="b"/>
+            <a:off x="680321" y="753227"/>
+            <a:ext cx="9613859" cy="1080940"/>
+          </a:xfrm>
+        </p:spPr>
+        <p:txBody>
+          <a:bodyPr anchor="ctr">
+            <a:normAutofit/>
+          </a:bodyPr>
           <a:lstStyle>
             <a:lvl1pPr>
-              <a:defRPr sz="3200"/>
+              <a:defRPr sz="3600"/>
             </a:lvl1pPr>
           </a:lstStyle>
           <a:p>
@@ -2192,18 +6548,13 @@
               <a:rPr lang="zh-CN" altLang="en-US"/>
               <a:t>单击此处编辑母版标题样式</a:t>
             </a:r>
-          </a:p>
-        </p:txBody>
-      </p:sp>
-      <p:sp>
-        <p:nvSpPr>
-          <p:cNvPr id="3" name="内容占位符 2">
-            <a:extLst>
-              <a:ext uri="{FF2B5EF4-FFF2-40B4-BE49-F238E27FC236}">
-                <a16:creationId xmlns:a16="http://schemas.microsoft.com/office/drawing/2014/main" id="{40551387-C0B4-42EC-89B3-E3F5125F5B61}"/>
-              </a:ext>
-            </a:extLst>
-          </p:cNvPr>
+            <a:endParaRPr lang="en-US" dirty="0"/>
+          </a:p>
+        </p:txBody>
+      </p:sp>
+      <p:sp>
+        <p:nvSpPr>
+          <p:cNvPr id="3" name="Content Placeholder 2"/>
           <p:cNvSpPr>
             <a:spLocks noGrp="1"/>
           </p:cNvSpPr>
@@ -2213,41 +6564,13 @@
         </p:nvSpPr>
         <p:spPr>
           <a:xfrm>
-            <a:off x="5183188" y="987425"/>
-            <a:ext cx="6172200" cy="4873625"/>
+            <a:off x="4685846" y="2336873"/>
+            <a:ext cx="5608336" cy="3599313"/>
           </a:xfrm>
         </p:spPr>
         <p:txBody>
           <a:bodyPr/>
-          <a:lstStyle>
-            <a:lvl1pPr>
-              <a:defRPr sz="3200"/>
-            </a:lvl1pPr>
-            <a:lvl2pPr>
-              <a:defRPr sz="2800"/>
-            </a:lvl2pPr>
-            <a:lvl3pPr>
-              <a:defRPr sz="2400"/>
-            </a:lvl3pPr>
-            <a:lvl4pPr>
-              <a:defRPr sz="2000"/>
-            </a:lvl4pPr>
-            <a:lvl5pPr>
-              <a:defRPr sz="2000"/>
-            </a:lvl5pPr>
-            <a:lvl6pPr>
-              <a:defRPr sz="2000"/>
-            </a:lvl6pPr>
-            <a:lvl7pPr>
-              <a:defRPr sz="2000"/>
-            </a:lvl7pPr>
-            <a:lvl8pPr>
-              <a:defRPr sz="2000"/>
-            </a:lvl8pPr>
-            <a:lvl9pPr>
-              <a:defRPr sz="2000"/>
-            </a:lvl9pPr>
-          </a:lstStyle>
+          <a:lstStyle/>
           <a:p>
             <a:pPr lvl="0"/>
             <a:r>
@@ -2282,18 +6605,13 @@
               <a:rPr lang="zh-CN" altLang="en-US"/>
               <a:t>五级</a:t>
             </a:r>
-          </a:p>
-        </p:txBody>
-      </p:sp>
-      <p:sp>
-        <p:nvSpPr>
-          <p:cNvPr id="4" name="文本占位符 3">
-            <a:extLst>
-              <a:ext uri="{FF2B5EF4-FFF2-40B4-BE49-F238E27FC236}">
-                <a16:creationId xmlns:a16="http://schemas.microsoft.com/office/drawing/2014/main" id="{FD9A21AE-D225-495C-A88F-35A7A1F1288D}"/>
-              </a:ext>
-            </a:extLst>
-          </p:cNvPr>
+            <a:endParaRPr lang="en-US" dirty="0"/>
+          </a:p>
+        </p:txBody>
+      </p:sp>
+      <p:sp>
+        <p:nvSpPr>
+          <p:cNvPr id="4" name="Text Placeholder 3"/>
           <p:cNvSpPr>
             <a:spLocks noGrp="1"/>
           </p:cNvSpPr>
@@ -2303,12 +6621,12 @@
         </p:nvSpPr>
         <p:spPr>
           <a:xfrm>
-            <a:off x="839788" y="2057400"/>
-            <a:ext cx="3932237" cy="3811588"/>
-          </a:xfrm>
-        </p:spPr>
-        <p:txBody>
-          <a:bodyPr/>
+            <a:off x="680322" y="2336872"/>
+            <a:ext cx="3790078" cy="3599317"/>
+          </a:xfrm>
+        </p:spPr>
+        <p:txBody>
+          <a:bodyPr anchor="ctr"/>
           <a:lstStyle>
             <a:lvl1pPr marL="0" indent="0">
               <a:buNone/>
@@ -2358,13 +6676,7 @@
       </p:sp>
       <p:sp>
         <p:nvSpPr>
-          <p:cNvPr id="5" name="日期占位符 4">
-            <a:extLst>
-              <a:ext uri="{FF2B5EF4-FFF2-40B4-BE49-F238E27FC236}">
-                <a16:creationId xmlns:a16="http://schemas.microsoft.com/office/drawing/2014/main" id="{713DC378-FDE3-4055-8071-56F58F12C88E}"/>
-              </a:ext>
-            </a:extLst>
-          </p:cNvPr>
+          <p:cNvPr id="5" name="Date Placeholder 4"/>
           <p:cNvSpPr>
             <a:spLocks noGrp="1"/>
           </p:cNvSpPr>
@@ -2379,7 +6691,7 @@
           <a:p>
             <a:fld id="{753CD6A7-5E7B-4670-8050-4F8067769213}" type="datetimeFigureOut">
               <a:rPr lang="zh-CN" altLang="en-US" smtClean="0"/>
-              <a:t>2020/4/28</a:t>
+              <a:t>2020/4/29</a:t>
             </a:fld>
             <a:endParaRPr lang="zh-CN" altLang="en-US"/>
           </a:p>
@@ -2387,13 +6699,7 @@
       </p:sp>
       <p:sp>
         <p:nvSpPr>
-          <p:cNvPr id="6" name="页脚占位符 5">
-            <a:extLst>
-              <a:ext uri="{FF2B5EF4-FFF2-40B4-BE49-F238E27FC236}">
-                <a16:creationId xmlns:a16="http://schemas.microsoft.com/office/drawing/2014/main" id="{F641F7AE-B6AA-4B93-9AD1-6252562D7EAA}"/>
-              </a:ext>
-            </a:extLst>
-          </p:cNvPr>
+          <p:cNvPr id="6" name="Footer Placeholder 5"/>
           <p:cNvSpPr>
             <a:spLocks noGrp="1"/>
           </p:cNvSpPr>
@@ -2412,13 +6718,7 @@
       </p:sp>
       <p:sp>
         <p:nvSpPr>
-          <p:cNvPr id="7" name="灯片编号占位符 6">
-            <a:extLst>
-              <a:ext uri="{FF2B5EF4-FFF2-40B4-BE49-F238E27FC236}">
-                <a16:creationId xmlns:a16="http://schemas.microsoft.com/office/drawing/2014/main" id="{2F5B57AA-F51C-4580-B5E0-C4533DF3FC36}"/>
-              </a:ext>
-            </a:extLst>
-          </p:cNvPr>
+          <p:cNvPr id="7" name="Slide Number Placeholder 6"/>
           <p:cNvSpPr>
             <a:spLocks noGrp="1"/>
           </p:cNvSpPr>
@@ -2442,7 +6742,7 @@
     </p:spTree>
     <p:extLst>
       <p:ext uri="{BB962C8B-B14F-4D97-AF65-F5344CB8AC3E}">
-        <p14:creationId xmlns:p14="http://schemas.microsoft.com/office/powerpoint/2010/main" val="685078949"/>
+        <p14:creationId xmlns:p14="http://schemas.microsoft.com/office/powerpoint/2010/main" val="2231463679"/>
       </p:ext>
     </p:extLst>
   </p:cSld>
@@ -2469,15 +6769,148 @@
           <a:chExt cx="0" cy="0"/>
         </a:xfrm>
       </p:grpSpPr>
-      <p:sp>
-        <p:nvSpPr>
-          <p:cNvPr id="2" name="标题 1">
+      <p:pic>
+        <p:nvPicPr>
+          <p:cNvPr id="8" name="Picture 7" descr="HD-ShadowLong.png"/>
+          <p:cNvPicPr>
+            <a:picLocks noChangeAspect="1"/>
+          </p:cNvPicPr>
+          <p:nvPr/>
+        </p:nvPicPr>
+        <p:blipFill>
+          <a:blip r:embed="rId2">
             <a:extLst>
-              <a:ext uri="{FF2B5EF4-FFF2-40B4-BE49-F238E27FC236}">
-                <a16:creationId xmlns:a16="http://schemas.microsoft.com/office/drawing/2014/main" id="{AE30319F-B354-4374-B617-8F1CD4ED529A}"/>
+              <a:ext uri="{28A0092B-C50C-407E-A947-70E740481C1C}">
+                <a14:useLocalDpi xmlns:a14="http://schemas.microsoft.com/office/drawing/2010/main" val="0"/>
               </a:ext>
             </a:extLst>
-          </p:cNvPr>
+          </a:blip>
+          <a:stretch>
+            <a:fillRect/>
+          </a:stretch>
+        </p:blipFill>
+        <p:spPr>
+          <a:xfrm>
+            <a:off x="1" y="1970240"/>
+            <a:ext cx="10437812" cy="321164"/>
+          </a:xfrm>
+          <a:prstGeom prst="rect">
+            <a:avLst/>
+          </a:prstGeom>
+        </p:spPr>
+      </p:pic>
+      <p:pic>
+        <p:nvPicPr>
+          <p:cNvPr id="9" name="Picture 8" descr="HD-ShadowShort.png"/>
+          <p:cNvPicPr>
+            <a:picLocks noChangeAspect="1"/>
+          </p:cNvPicPr>
+          <p:nvPr/>
+        </p:nvPicPr>
+        <p:blipFill>
+          <a:blip r:embed="rId3">
+            <a:extLst>
+              <a:ext uri="{28A0092B-C50C-407E-A947-70E740481C1C}">
+                <a14:useLocalDpi xmlns:a14="http://schemas.microsoft.com/office/drawing/2010/main" val="0"/>
+              </a:ext>
+            </a:extLst>
+          </a:blip>
+          <a:stretch>
+            <a:fillRect/>
+          </a:stretch>
+        </p:blipFill>
+        <p:spPr>
+          <a:xfrm>
+            <a:off x="10585826" y="1971234"/>
+            <a:ext cx="1602997" cy="144270"/>
+          </a:xfrm>
+          <a:prstGeom prst="rect">
+            <a:avLst/>
+          </a:prstGeom>
+        </p:spPr>
+      </p:pic>
+      <p:sp>
+        <p:nvSpPr>
+          <p:cNvPr id="10" name="Rectangle 9"/>
+          <p:cNvSpPr/>
+          <p:nvPr/>
+        </p:nvSpPr>
+        <p:spPr bwMode="ltGray">
+          <a:xfrm>
+            <a:off x="0" y="609600"/>
+            <a:ext cx="10437812" cy="1368198"/>
+          </a:xfrm>
+          <a:prstGeom prst="rect">
+            <a:avLst/>
+          </a:prstGeom>
+          <a:solidFill>
+            <a:schemeClr val="bg1">
+              <a:lumMod val="85000"/>
+              <a:lumOff val="15000"/>
+            </a:schemeClr>
+          </a:solidFill>
+          <a:ln>
+            <a:noFill/>
+          </a:ln>
+        </p:spPr>
+        <p:style>
+          <a:lnRef idx="2">
+            <a:schemeClr val="accent1">
+              <a:shade val="50000"/>
+            </a:schemeClr>
+          </a:lnRef>
+          <a:fillRef idx="1">
+            <a:schemeClr val="accent1"/>
+          </a:fillRef>
+          <a:effectRef idx="0">
+            <a:schemeClr val="accent1"/>
+          </a:effectRef>
+          <a:fontRef idx="minor">
+            <a:schemeClr val="lt1"/>
+          </a:fontRef>
+        </p:style>
+      </p:sp>
+      <p:sp>
+        <p:nvSpPr>
+          <p:cNvPr id="11" name="Rectangle 10"/>
+          <p:cNvSpPr/>
+          <p:nvPr/>
+        </p:nvSpPr>
+        <p:spPr>
+          <a:xfrm>
+            <a:off x="10585827" y="609600"/>
+            <a:ext cx="1602997" cy="1368198"/>
+          </a:xfrm>
+          <a:prstGeom prst="rect">
+            <a:avLst/>
+          </a:prstGeom>
+          <a:solidFill>
+            <a:schemeClr val="accent1"/>
+          </a:solidFill>
+          <a:ln>
+            <a:noFill/>
+          </a:ln>
+        </p:spPr>
+        <p:style>
+          <a:lnRef idx="2">
+            <a:schemeClr val="accent1">
+              <a:shade val="50000"/>
+            </a:schemeClr>
+          </a:lnRef>
+          <a:fillRef idx="1">
+            <a:schemeClr val="accent1"/>
+          </a:fillRef>
+          <a:effectRef idx="0">
+            <a:schemeClr val="accent1"/>
+          </a:effectRef>
+          <a:fontRef idx="minor">
+            <a:schemeClr val="lt1"/>
+          </a:fontRef>
+        </p:style>
+      </p:sp>
+      <p:sp>
+        <p:nvSpPr>
+          <p:cNvPr id="2" name="Title 1"/>
           <p:cNvSpPr>
             <a:spLocks noGrp="1"/>
           </p:cNvSpPr>
@@ -2487,15 +6920,17 @@
         </p:nvSpPr>
         <p:spPr>
           <a:xfrm>
-            <a:off x="839788" y="457200"/>
-            <a:ext cx="3932237" cy="1600200"/>
-          </a:xfrm>
-        </p:spPr>
-        <p:txBody>
-          <a:bodyPr anchor="b"/>
+            <a:off x="680323" y="753228"/>
+            <a:ext cx="9613857" cy="1080938"/>
+          </a:xfrm>
+        </p:spPr>
+        <p:txBody>
+          <a:bodyPr anchor="ctr">
+            <a:normAutofit/>
+          </a:bodyPr>
           <a:lstStyle>
             <a:lvl1pPr>
-              <a:defRPr sz="3200"/>
+              <a:defRPr sz="3600"/>
             </a:lvl1pPr>
           </a:lstStyle>
           <a:p>
@@ -2503,20 +6938,15 @@
               <a:rPr lang="zh-CN" altLang="en-US"/>
               <a:t>单击此处编辑母版标题样式</a:t>
             </a:r>
-          </a:p>
-        </p:txBody>
-      </p:sp>
-      <p:sp>
-        <p:nvSpPr>
-          <p:cNvPr id="3" name="图片占位符 2">
-            <a:extLst>
-              <a:ext uri="{FF2B5EF4-FFF2-40B4-BE49-F238E27FC236}">
-                <a16:creationId xmlns:a16="http://schemas.microsoft.com/office/drawing/2014/main" id="{D4DB1A3F-5E40-4F24-A6A1-C4341DDE333F}"/>
-              </a:ext>
-            </a:extLst>
-          </p:cNvPr>
-          <p:cNvSpPr>
-            <a:spLocks noGrp="1"/>
+            <a:endParaRPr lang="en-US" dirty="0"/>
+          </a:p>
+        </p:txBody>
+      </p:sp>
+      <p:sp>
+        <p:nvSpPr>
+          <p:cNvPr id="3" name="Picture Placeholder 2"/>
+          <p:cNvSpPr>
+            <a:spLocks noGrp="1" noChangeAspect="1"/>
           </p:cNvSpPr>
           <p:nvPr>
             <p:ph type="pic" idx="1"/>
@@ -2524,12 +6954,23 @@
         </p:nvSpPr>
         <p:spPr>
           <a:xfrm>
-            <a:off x="5183188" y="987425"/>
-            <a:ext cx="6172200" cy="4873625"/>
-          </a:xfrm>
-        </p:spPr>
-        <p:txBody>
-          <a:bodyPr/>
+            <a:off x="4868333" y="2336874"/>
+            <a:ext cx="5425849" cy="3599312"/>
+          </a:xfrm>
+          <a:noFill/>
+          <a:ln>
+            <a:noFill/>
+          </a:ln>
+          <a:effectLst>
+            <a:outerShdw blurRad="76200" dist="63500" dir="5040000" algn="tl" rotWithShape="0">
+              <a:srgbClr val="000000">
+                <a:alpha val="41000"/>
+              </a:srgbClr>
+            </a:outerShdw>
+          </a:effectLst>
+        </p:spPr>
+        <p:txBody>
+          <a:bodyPr anchor="t"/>
           <a:lstStyle>
             <a:lvl1pPr marL="0" indent="0">
               <a:buNone/>
@@ -2569,19 +7010,17 @@
             </a:lvl9pPr>
           </a:lstStyle>
           <a:p>
-            <a:endParaRPr lang="zh-CN" altLang="en-US"/>
-          </a:p>
-        </p:txBody>
-      </p:sp>
-      <p:sp>
-        <p:nvSpPr>
-          <p:cNvPr id="4" name="文本占位符 3">
-            <a:extLst>
-              <a:ext uri="{FF2B5EF4-FFF2-40B4-BE49-F238E27FC236}">
-                <a16:creationId xmlns:a16="http://schemas.microsoft.com/office/drawing/2014/main" id="{D1EC4C1D-CA86-4DBA-9E97-8F90890A4979}"/>
-              </a:ext>
-            </a:extLst>
-          </p:cNvPr>
+            <a:r>
+              <a:rPr lang="zh-CN" altLang="en-US"/>
+              <a:t>单击图标添加图片</a:t>
+            </a:r>
+            <a:endParaRPr lang="en-US" dirty="0"/>
+          </a:p>
+        </p:txBody>
+      </p:sp>
+      <p:sp>
+        <p:nvSpPr>
+          <p:cNvPr id="4" name="Text Placeholder 3"/>
           <p:cNvSpPr>
             <a:spLocks noGrp="1"/>
           </p:cNvSpPr>
@@ -2591,12 +7030,12 @@
         </p:nvSpPr>
         <p:spPr>
           <a:xfrm>
-            <a:off x="839788" y="2057400"/>
-            <a:ext cx="3932237" cy="3811588"/>
-          </a:xfrm>
-        </p:spPr>
-        <p:txBody>
-          <a:bodyPr/>
+            <a:off x="680323" y="2336873"/>
+            <a:ext cx="3876256" cy="3599315"/>
+          </a:xfrm>
+        </p:spPr>
+        <p:txBody>
+          <a:bodyPr anchor="ctr"/>
           <a:lstStyle>
             <a:lvl1pPr marL="0" indent="0">
               <a:buNone/>
@@ -2646,13 +7085,7 @@
       </p:sp>
       <p:sp>
         <p:nvSpPr>
-          <p:cNvPr id="5" name="日期占位符 4">
-            <a:extLst>
-              <a:ext uri="{FF2B5EF4-FFF2-40B4-BE49-F238E27FC236}">
-                <a16:creationId xmlns:a16="http://schemas.microsoft.com/office/drawing/2014/main" id="{39118C5C-E223-49DC-9ADE-8485011AC032}"/>
-              </a:ext>
-            </a:extLst>
-          </p:cNvPr>
+          <p:cNvPr id="5" name="Date Placeholder 4"/>
           <p:cNvSpPr>
             <a:spLocks noGrp="1"/>
           </p:cNvSpPr>
@@ -2667,7 +7100,7 @@
           <a:p>
             <a:fld id="{753CD6A7-5E7B-4670-8050-4F8067769213}" type="datetimeFigureOut">
               <a:rPr lang="zh-CN" altLang="en-US" smtClean="0"/>
-              <a:t>2020/4/28</a:t>
+              <a:t>2020/4/29</a:t>
             </a:fld>
             <a:endParaRPr lang="zh-CN" altLang="en-US"/>
           </a:p>
@@ -2675,13 +7108,7 @@
       </p:sp>
       <p:sp>
         <p:nvSpPr>
-          <p:cNvPr id="6" name="页脚占位符 5">
-            <a:extLst>
-              <a:ext uri="{FF2B5EF4-FFF2-40B4-BE49-F238E27FC236}">
-                <a16:creationId xmlns:a16="http://schemas.microsoft.com/office/drawing/2014/main" id="{6AA661CE-7FBC-4F4F-AF0B-47F22F2AB72D}"/>
-              </a:ext>
-            </a:extLst>
-          </p:cNvPr>
+          <p:cNvPr id="6" name="Footer Placeholder 5"/>
           <p:cNvSpPr>
             <a:spLocks noGrp="1"/>
           </p:cNvSpPr>
@@ -2700,13 +7127,7 @@
       </p:sp>
       <p:sp>
         <p:nvSpPr>
-          <p:cNvPr id="7" name="灯片编号占位符 6">
-            <a:extLst>
-              <a:ext uri="{FF2B5EF4-FFF2-40B4-BE49-F238E27FC236}">
-                <a16:creationId xmlns:a16="http://schemas.microsoft.com/office/drawing/2014/main" id="{EB46128B-3068-4D62-AB3B-FF68F01907C8}"/>
-              </a:ext>
-            </a:extLst>
-          </p:cNvPr>
+          <p:cNvPr id="7" name="Slide Number Placeholder 6"/>
           <p:cNvSpPr>
             <a:spLocks noGrp="1"/>
           </p:cNvSpPr>
@@ -2730,7 +7151,7 @@
     </p:spTree>
     <p:extLst>
       <p:ext uri="{BB962C8B-B14F-4D97-AF65-F5344CB8AC3E}">
-        <p14:creationId xmlns:p14="http://schemas.microsoft.com/office/powerpoint/2010/main" val="2584957939"/>
+        <p14:creationId xmlns:p14="http://schemas.microsoft.com/office/powerpoint/2010/main" val="317542779"/>
       </p:ext>
     </p:extLst>
   </p:cSld>
@@ -2744,8 +7165,8 @@
 <p:sldMaster xmlns:a="http://schemas.openxmlformats.org/drawingml/2006/main" xmlns:r="http://schemas.openxmlformats.org/officeDocument/2006/relationships" xmlns:p="http://schemas.openxmlformats.org/presentationml/2006/main">
   <p:cSld>
     <p:bg>
-      <p:bgRef idx="1001">
-        <a:schemeClr val="bg1"/>
+      <p:bgRef idx="1003">
+        <a:schemeClr val="bg2"/>
       </p:bgRef>
     </p:bg>
     <p:spTree>
@@ -2762,15 +7183,40 @@
           <a:chExt cx="0" cy="0"/>
         </a:xfrm>
       </p:grpSpPr>
-      <p:sp>
-        <p:nvSpPr>
-          <p:cNvPr id="2" name="标题占位符 1">
+      <p:pic>
+        <p:nvPicPr>
+          <p:cNvPr id="7" name="Picture 6" descr="hashOverlay-FullResolve.png"/>
+          <p:cNvPicPr>
+            <a:picLocks noChangeAspect="1"/>
+          </p:cNvPicPr>
+          <p:nvPr/>
+        </p:nvPicPr>
+        <p:blipFill>
+          <a:blip r:embed="rId19">
+            <a:alphaModFix amt="10000"/>
             <a:extLst>
-              <a:ext uri="{FF2B5EF4-FFF2-40B4-BE49-F238E27FC236}">
-                <a16:creationId xmlns:a16="http://schemas.microsoft.com/office/drawing/2014/main" id="{7A6F781B-E165-4809-9798-B4651C45ADA3}"/>
+              <a:ext uri="{28A0092B-C50C-407E-A947-70E740481C1C}">
+                <a14:useLocalDpi xmlns:a14="http://schemas.microsoft.com/office/drawing/2010/main" val="0"/>
               </a:ext>
             </a:extLst>
-          </p:cNvPr>
+          </a:blip>
+          <a:stretch>
+            <a:fillRect/>
+          </a:stretch>
+        </p:blipFill>
+        <p:spPr>
+          <a:xfrm>
+            <a:off x="0" y="0"/>
+            <a:ext cx="12192000" cy="6858000"/>
+          </a:xfrm>
+          <a:prstGeom prst="rect">
+            <a:avLst/>
+          </a:prstGeom>
+        </p:spPr>
+      </p:pic>
+      <p:sp>
+        <p:nvSpPr>
+          <p:cNvPr id="2" name="Title Placeholder 1"/>
           <p:cNvSpPr>
             <a:spLocks noGrp="1"/>
           </p:cNvSpPr>
@@ -2780,8 +7226,8 @@
         </p:nvSpPr>
         <p:spPr>
           <a:xfrm>
-            <a:off x="838200" y="365125"/>
-            <a:ext cx="10515600" cy="1325563"/>
+            <a:off x="680321" y="753228"/>
+            <a:ext cx="9613861" cy="1080938"/>
           </a:xfrm>
           <a:prstGeom prst="rect">
             <a:avLst/>
@@ -2797,18 +7243,13 @@
               <a:rPr lang="zh-CN" altLang="en-US"/>
               <a:t>单击此处编辑母版标题样式</a:t>
             </a:r>
-          </a:p>
-        </p:txBody>
-      </p:sp>
-      <p:sp>
-        <p:nvSpPr>
-          <p:cNvPr id="3" name="文本占位符 2">
-            <a:extLst>
-              <a:ext uri="{FF2B5EF4-FFF2-40B4-BE49-F238E27FC236}">
-                <a16:creationId xmlns:a16="http://schemas.microsoft.com/office/drawing/2014/main" id="{C62A05A3-13B5-4D53-98E7-A9AA37049930}"/>
-              </a:ext>
-            </a:extLst>
-          </p:cNvPr>
+            <a:endParaRPr lang="en-US" dirty="0"/>
+          </a:p>
+        </p:txBody>
+      </p:sp>
+      <p:sp>
+        <p:nvSpPr>
+          <p:cNvPr id="3" name="Text Placeholder 2"/>
           <p:cNvSpPr>
             <a:spLocks noGrp="1"/>
           </p:cNvSpPr>
@@ -2818,8 +7259,8 @@
         </p:nvSpPr>
         <p:spPr>
           <a:xfrm>
-            <a:off x="838200" y="1825625"/>
-            <a:ext cx="10515600" cy="4351338"/>
+            <a:off x="680321" y="2336873"/>
+            <a:ext cx="9613861" cy="3599316"/>
           </a:xfrm>
           <a:prstGeom prst="rect">
             <a:avLst/>
@@ -2864,18 +7305,13 @@
               <a:rPr lang="zh-CN" altLang="en-US"/>
               <a:t>五级</a:t>
             </a:r>
-          </a:p>
-        </p:txBody>
-      </p:sp>
-      <p:sp>
-        <p:nvSpPr>
-          <p:cNvPr id="4" name="日期占位符 3">
-            <a:extLst>
-              <a:ext uri="{FF2B5EF4-FFF2-40B4-BE49-F238E27FC236}">
-                <a16:creationId xmlns:a16="http://schemas.microsoft.com/office/drawing/2014/main" id="{3CD16A7A-3144-4C88-A0EF-A78C66940AA8}"/>
-              </a:ext>
-            </a:extLst>
-          </p:cNvPr>
+            <a:endParaRPr lang="en-US" dirty="0"/>
+          </a:p>
+        </p:txBody>
+      </p:sp>
+      <p:sp>
+        <p:nvSpPr>
+          <p:cNvPr id="4" name="Date Placeholder 3"/>
           <p:cNvSpPr>
             <a:spLocks noGrp="1"/>
           </p:cNvSpPr>
@@ -2885,7 +7321,7 @@
         </p:nvSpPr>
         <p:spPr>
           <a:xfrm>
-            <a:off x="838200" y="6356350"/>
+            <a:off x="7550981" y="5936187"/>
             <a:ext cx="2743200" cy="365125"/>
           </a:xfrm>
           <a:prstGeom prst="rect">
@@ -2895,8 +7331,8 @@
         <p:txBody>
           <a:bodyPr vert="horz" lIns="91440" tIns="45720" rIns="91440" bIns="45720" rtlCol="0" anchor="ctr"/>
           <a:lstStyle>
-            <a:lvl1pPr algn="l">
-              <a:defRPr sz="1200">
+            <a:lvl1pPr algn="r">
+              <a:defRPr sz="1050">
                 <a:solidFill>
                   <a:schemeClr val="tx1">
                     <a:tint val="75000"/>
@@ -2908,7 +7344,7 @@
           <a:p>
             <a:fld id="{753CD6A7-5E7B-4670-8050-4F8067769213}" type="datetimeFigureOut">
               <a:rPr lang="zh-CN" altLang="en-US" smtClean="0"/>
-              <a:t>2020/4/28</a:t>
+              <a:t>2020/4/29</a:t>
             </a:fld>
             <a:endParaRPr lang="zh-CN" altLang="en-US"/>
           </a:p>
@@ -2916,13 +7352,7 @@
       </p:sp>
       <p:sp>
         <p:nvSpPr>
-          <p:cNvPr id="5" name="页脚占位符 4">
-            <a:extLst>
-              <a:ext uri="{FF2B5EF4-FFF2-40B4-BE49-F238E27FC236}">
-                <a16:creationId xmlns:a16="http://schemas.microsoft.com/office/drawing/2014/main" id="{555F67D3-C871-4E76-AD3A-84E5D8CD15DA}"/>
-              </a:ext>
-            </a:extLst>
-          </p:cNvPr>
+          <p:cNvPr id="5" name="Footer Placeholder 4"/>
           <p:cNvSpPr>
             <a:spLocks noGrp="1"/>
           </p:cNvSpPr>
@@ -2932,8 +7362,8 @@
         </p:nvSpPr>
         <p:spPr>
           <a:xfrm>
-            <a:off x="4038600" y="6356350"/>
-            <a:ext cx="4114800" cy="365125"/>
+            <a:off x="680321" y="5936188"/>
+            <a:ext cx="6870660" cy="365125"/>
           </a:xfrm>
           <a:prstGeom prst="rect">
             <a:avLst/>
@@ -2942,8 +7372,8 @@
         <p:txBody>
           <a:bodyPr vert="horz" lIns="91440" tIns="45720" rIns="91440" bIns="45720" rtlCol="0" anchor="ctr"/>
           <a:lstStyle>
-            <a:lvl1pPr algn="ctr">
-              <a:defRPr sz="1200">
+            <a:lvl1pPr algn="l">
+              <a:defRPr sz="1050">
                 <a:solidFill>
                   <a:schemeClr val="tx1">
                     <a:tint val="75000"/>
@@ -2959,13 +7389,7 @@
       </p:sp>
       <p:sp>
         <p:nvSpPr>
-          <p:cNvPr id="6" name="灯片编号占位符 5">
-            <a:extLst>
-              <a:ext uri="{FF2B5EF4-FFF2-40B4-BE49-F238E27FC236}">
-                <a16:creationId xmlns:a16="http://schemas.microsoft.com/office/drawing/2014/main" id="{E928D053-838D-4266-BDC4-EFF1B3C01718}"/>
-              </a:ext>
-            </a:extLst>
-          </p:cNvPr>
+          <p:cNvPr id="6" name="Slide Number Placeholder 5"/>
           <p:cNvSpPr>
             <a:spLocks noGrp="1"/>
           </p:cNvSpPr>
@@ -2975,8 +7399,8 @@
         </p:nvSpPr>
         <p:spPr>
           <a:xfrm>
-            <a:off x="8610600" y="6356350"/>
-            <a:ext cx="2743200" cy="365125"/>
+            <a:off x="10729455" y="753227"/>
+            <a:ext cx="1154151" cy="1090789"/>
           </a:xfrm>
           <a:prstGeom prst="rect">
             <a:avLst/>
@@ -2985,8 +7409,8 @@
         <p:txBody>
           <a:bodyPr vert="horz" lIns="91440" tIns="45720" rIns="91440" bIns="45720" rtlCol="0" anchor="ctr"/>
           <a:lstStyle>
-            <a:lvl1pPr algn="r">
-              <a:defRPr sz="1200">
+            <a:lvl1pPr algn="l">
+              <a:defRPr sz="3600">
                 <a:solidFill>
                   <a:schemeClr val="tx1">
                     <a:tint val="75000"/>
@@ -3007,23 +7431,29 @@
     </p:spTree>
     <p:extLst>
       <p:ext uri="{BB962C8B-B14F-4D97-AF65-F5344CB8AC3E}">
-        <p14:creationId xmlns:p14="http://schemas.microsoft.com/office/powerpoint/2010/main" val="4137559207"/>
+        <p14:creationId xmlns:p14="http://schemas.microsoft.com/office/powerpoint/2010/main" val="3324598359"/>
       </p:ext>
     </p:extLst>
   </p:cSld>
-  <p:clrMap bg1="lt1" tx1="dk1" bg2="lt2" tx2="dk2" accent1="accent1" accent2="accent2" accent3="accent3" accent4="accent4" accent5="accent5" accent6="accent6" hlink="hlink" folHlink="folHlink"/>
+  <p:clrMap bg1="dk1" tx1="lt1" bg2="dk2" tx2="lt2" accent1="accent1" accent2="accent2" accent3="accent3" accent4="accent4" accent5="accent5" accent6="accent6" hlink="hlink" folHlink="folHlink"/>
   <p:sldLayoutIdLst>
-    <p:sldLayoutId id="2147483649" r:id="rId1"/>
-    <p:sldLayoutId id="2147483650" r:id="rId2"/>
-    <p:sldLayoutId id="2147483651" r:id="rId3"/>
-    <p:sldLayoutId id="2147483652" r:id="rId4"/>
-    <p:sldLayoutId id="2147483653" r:id="rId5"/>
-    <p:sldLayoutId id="2147483654" r:id="rId6"/>
-    <p:sldLayoutId id="2147483655" r:id="rId7"/>
-    <p:sldLayoutId id="2147483656" r:id="rId8"/>
-    <p:sldLayoutId id="2147483657" r:id="rId9"/>
-    <p:sldLayoutId id="2147483658" r:id="rId10"/>
-    <p:sldLayoutId id="2147483659" r:id="rId11"/>
+    <p:sldLayoutId id="2147483715" r:id="rId1"/>
+    <p:sldLayoutId id="2147483716" r:id="rId2"/>
+    <p:sldLayoutId id="2147483717" r:id="rId3"/>
+    <p:sldLayoutId id="2147483718" r:id="rId4"/>
+    <p:sldLayoutId id="2147483719" r:id="rId5"/>
+    <p:sldLayoutId id="2147483720" r:id="rId6"/>
+    <p:sldLayoutId id="2147483721" r:id="rId7"/>
+    <p:sldLayoutId id="2147483722" r:id="rId8"/>
+    <p:sldLayoutId id="2147483723" r:id="rId9"/>
+    <p:sldLayoutId id="2147483724" r:id="rId10"/>
+    <p:sldLayoutId id="2147483725" r:id="rId11"/>
+    <p:sldLayoutId id="2147483726" r:id="rId12"/>
+    <p:sldLayoutId id="2147483727" r:id="rId13"/>
+    <p:sldLayoutId id="2147483728" r:id="rId14"/>
+    <p:sldLayoutId id="2147483729" r:id="rId15"/>
+    <p:sldLayoutId id="2147483730" r:id="rId16"/>
+    <p:sldLayoutId id="2147483731" r:id="rId17"/>
   </p:sldLayoutIdLst>
   <p:txStyles>
     <p:titleStyle>
@@ -3035,7 +7465,7 @@
           <a:spcPct val="0"/>
         </a:spcBef>
         <a:buNone/>
-        <a:defRPr sz="4400" kern="1200">
+        <a:defRPr sz="3600" kern="1200">
           <a:solidFill>
             <a:schemeClr val="tx1"/>
           </a:solidFill>
@@ -3055,7 +7485,7 @@
         </a:spcBef>
         <a:buFont typeface="Arial" panose="020B0604020202020204" pitchFamily="34" charset="0"/>
         <a:buChar char="•"/>
-        <a:defRPr sz="2800" kern="1200">
+        <a:defRPr sz="2400" kern="1200">
           <a:solidFill>
             <a:schemeClr val="tx1"/>
           </a:solidFill>
@@ -3073,7 +7503,7 @@
         </a:spcBef>
         <a:buFont typeface="Arial" panose="020B0604020202020204" pitchFamily="34" charset="0"/>
         <a:buChar char="•"/>
-        <a:defRPr sz="2400" kern="1200">
+        <a:defRPr sz="2000" kern="1200">
           <a:solidFill>
             <a:schemeClr val="tx1"/>
           </a:solidFill>
@@ -3091,7 +7521,7 @@
         </a:spcBef>
         <a:buFont typeface="Arial" panose="020B0604020202020204" pitchFamily="34" charset="0"/>
         <a:buChar char="•"/>
-        <a:defRPr sz="2000" kern="1200">
+        <a:defRPr sz="1800" kern="1200">
           <a:solidFill>
             <a:schemeClr val="tx1"/>
           </a:solidFill>
@@ -3109,7 +7539,7 @@
         </a:spcBef>
         <a:buFont typeface="Arial" panose="020B0604020202020204" pitchFamily="34" charset="0"/>
         <a:buChar char="•"/>
-        <a:defRPr sz="1800" kern="1200">
+        <a:defRPr sz="1600" kern="1200">
           <a:solidFill>
             <a:schemeClr val="tx1"/>
           </a:solidFill>
@@ -3127,7 +7557,7 @@
         </a:spcBef>
         <a:buFont typeface="Arial" panose="020B0604020202020204" pitchFamily="34" charset="0"/>
         <a:buChar char="•"/>
-        <a:defRPr sz="1800" kern="1200">
+        <a:defRPr sz="1600" kern="1200">
           <a:solidFill>
             <a:schemeClr val="tx1"/>
           </a:solidFill>
@@ -3145,7 +7575,7 @@
         </a:spcBef>
         <a:buFont typeface="Arial" panose="020B0604020202020204" pitchFamily="34" charset="0"/>
         <a:buChar char="•"/>
-        <a:defRPr sz="1800" kern="1200">
+        <a:defRPr sz="1400" kern="1200">
           <a:solidFill>
             <a:schemeClr val="tx1"/>
           </a:solidFill>
@@ -3163,7 +7593,7 @@
         </a:spcBef>
         <a:buFont typeface="Arial" panose="020B0604020202020204" pitchFamily="34" charset="0"/>
         <a:buChar char="•"/>
-        <a:defRPr sz="1800" kern="1200">
+        <a:defRPr sz="1400" kern="1200">
           <a:solidFill>
             <a:schemeClr val="tx1"/>
           </a:solidFill>
@@ -3181,7 +7611,7 @@
         </a:spcBef>
         <a:buFont typeface="Arial" panose="020B0604020202020204" pitchFamily="34" charset="0"/>
         <a:buChar char="•"/>
-        <a:defRPr sz="1800" kern="1200">
+        <a:defRPr sz="1400" kern="1200">
           <a:solidFill>
             <a:schemeClr val="tx1"/>
           </a:solidFill>
@@ -3199,7 +7629,7 @@
         </a:spcBef>
         <a:buFont typeface="Arial" panose="020B0604020202020204" pitchFamily="34" charset="0"/>
         <a:buChar char="•"/>
-        <a:defRPr sz="1800" kern="1200">
+        <a:defRPr sz="1400" kern="1200">
           <a:solidFill>
             <a:schemeClr val="tx1"/>
           </a:solidFill>
@@ -3211,7 +7641,7 @@
     </p:bodyStyle>
     <p:otherStyle>
       <a:defPPr>
-        <a:defRPr lang="zh-CN"/>
+        <a:defRPr lang="en-US"/>
       </a:defPPr>
       <a:lvl1pPr marL="0" algn="l" defTabSz="914400" rtl="0" eaLnBrk="1" latinLnBrk="0" hangingPunct="1">
         <a:defRPr sz="1800" kern="1200">
@@ -3435,7 +7865,7 @@
           <a:p>
             <a:r>
               <a:rPr lang="zh-CN" altLang="en-US" dirty="0"/>
-              <a:t>项目由来</a:t>
+              <a:t>项目背景</a:t>
             </a:r>
           </a:p>
         </p:txBody>
@@ -3545,7 +7975,7 @@
           <p:cNvPr id="2" name="标题 1">
             <a:extLst>
               <a:ext uri="{FF2B5EF4-FFF2-40B4-BE49-F238E27FC236}">
-                <a16:creationId xmlns:a16="http://schemas.microsoft.com/office/drawing/2014/main" id="{78B8E739-74D2-4967-ADF9-7F62C65CB4D2}"/>
+                <a16:creationId xmlns:a16="http://schemas.microsoft.com/office/drawing/2014/main" id="{8FBB2825-694D-472B-8EB7-42900C054FF7}"/>
               </a:ext>
             </a:extLst>
           </p:cNvPr>
@@ -3563,47 +7993,94 @@
           <a:p>
             <a:r>
               <a:rPr lang="zh-CN" altLang="en-US" dirty="0"/>
-              <a:t>设计简图</a:t>
-            </a:r>
-          </a:p>
-        </p:txBody>
-      </p:sp>
-      <p:pic>
-        <p:nvPicPr>
-          <p:cNvPr id="4" name="内容占位符 3">
+              <a:t>需求分析和设计思路</a:t>
+            </a:r>
+          </a:p>
+        </p:txBody>
+      </p:sp>
+      <p:sp>
+        <p:nvSpPr>
+          <p:cNvPr id="3" name="内容占位符 2">
             <a:extLst>
               <a:ext uri="{FF2B5EF4-FFF2-40B4-BE49-F238E27FC236}">
-                <a16:creationId xmlns:a16="http://schemas.microsoft.com/office/drawing/2014/main" id="{AC52088C-1781-4D56-A336-BF8F8429DBF9}"/>
+                <a16:creationId xmlns:a16="http://schemas.microsoft.com/office/drawing/2014/main" id="{F2C2EF08-428F-4727-BF1C-2F3F359DD243}"/>
               </a:ext>
             </a:extLst>
           </p:cNvPr>
-          <p:cNvPicPr>
-            <a:picLocks noGrp="1" noChangeAspect="1"/>
-          </p:cNvPicPr>
+          <p:cNvSpPr>
+            <a:spLocks noGrp="1"/>
+          </p:cNvSpPr>
           <p:nvPr>
             <p:ph idx="1"/>
           </p:nvPr>
-        </p:nvPicPr>
-        <p:blipFill>
-          <a:blip r:embed="rId2"/>
-          <a:stretch>
-            <a:fillRect/>
-          </a:stretch>
-        </p:blipFill>
-        <p:spPr>
-          <a:xfrm>
-            <a:off x="1051265" y="1483447"/>
-            <a:ext cx="8588035" cy="4286322"/>
-          </a:xfrm>
-          <a:prstGeom prst="rect">
-            <a:avLst/>
-          </a:prstGeom>
-        </p:spPr>
-      </p:pic>
+        </p:nvSpPr>
+        <p:spPr/>
+        <p:txBody>
+          <a:bodyPr>
+            <a:normAutofit/>
+          </a:bodyPr>
+          <a:lstStyle/>
+          <a:p>
+            <a:r>
+              <a:rPr lang="zh-CN" altLang="en-US" dirty="0"/>
+              <a:t>自定义消息协议和自定义分发规则</a:t>
+            </a:r>
+            <a:endParaRPr lang="en-US" altLang="zh-CN" dirty="0"/>
+          </a:p>
+          <a:p>
+            <a:r>
+              <a:rPr lang="zh-CN" altLang="en-US" dirty="0"/>
+              <a:t>可根据情况在效率、稳定性和信息完整度之间进行调整</a:t>
+            </a:r>
+            <a:endParaRPr lang="en-US" altLang="zh-CN" dirty="0"/>
+          </a:p>
+          <a:p>
+            <a:r>
+              <a:rPr lang="zh-CN" altLang="en-US" dirty="0"/>
+              <a:t>可根据接收方实际处理能力帮助其进行缓存</a:t>
+            </a:r>
+            <a:endParaRPr lang="en-US" altLang="zh-CN" dirty="0"/>
+          </a:p>
+          <a:p>
+            <a:r>
+              <a:rPr lang="zh-CN" altLang="en-US" dirty="0"/>
+              <a:t>允许消息延迟，原则上保证消息完整</a:t>
+            </a:r>
+            <a:endParaRPr lang="en-US" altLang="zh-CN" dirty="0"/>
+          </a:p>
+          <a:p>
+            <a:r>
+              <a:rPr lang="zh-CN" altLang="en-US" dirty="0"/>
+              <a:t>支持简单日志</a:t>
+            </a:r>
+            <a:endParaRPr lang="en-US" altLang="zh-CN" dirty="0"/>
+          </a:p>
+          <a:p>
+            <a:r>
+              <a:rPr lang="zh-CN" altLang="en-US" dirty="0"/>
+              <a:t>支持文件配置和数据库配置</a:t>
+            </a:r>
+            <a:endParaRPr lang="en-US" altLang="zh-CN" dirty="0"/>
+          </a:p>
+          <a:p>
+            <a:r>
+              <a:rPr lang="zh-CN" altLang="en-US" dirty="0"/>
+              <a:t>使用异步高效率</a:t>
+            </a:r>
+            <a:r>
+              <a:rPr lang="en-US" altLang="zh-CN" dirty="0"/>
+              <a:t>Java NIO</a:t>
+            </a:r>
+          </a:p>
+          <a:p>
+            <a:endParaRPr lang="zh-CN" altLang="en-US" dirty="0"/>
+          </a:p>
+        </p:txBody>
+      </p:sp>
     </p:spTree>
     <p:extLst>
       <p:ext uri="{BB962C8B-B14F-4D97-AF65-F5344CB8AC3E}">
-        <p14:creationId xmlns:p14="http://schemas.microsoft.com/office/powerpoint/2010/main" val="4292724439"/>
+        <p14:creationId xmlns:p14="http://schemas.microsoft.com/office/powerpoint/2010/main" val="1461189858"/>
       </p:ext>
     </p:extLst>
   </p:cSld>
@@ -3635,7 +8112,7 @@
           <p:cNvPr id="2" name="标题 1">
             <a:extLst>
               <a:ext uri="{FF2B5EF4-FFF2-40B4-BE49-F238E27FC236}">
-                <a16:creationId xmlns:a16="http://schemas.microsoft.com/office/drawing/2014/main" id="{8FBB2825-694D-472B-8EB7-42900C054FF7}"/>
+                <a16:creationId xmlns:a16="http://schemas.microsoft.com/office/drawing/2014/main" id="{78B8E739-74D2-4967-ADF9-7F62C65CB4D2}"/>
               </a:ext>
             </a:extLst>
           </p:cNvPr>
@@ -3653,88 +8130,47 @@
           <a:p>
             <a:r>
               <a:rPr lang="zh-CN" altLang="en-US" dirty="0"/>
-              <a:t>实现思路和特点</a:t>
-            </a:r>
-          </a:p>
-        </p:txBody>
-      </p:sp>
-      <p:sp>
-        <p:nvSpPr>
-          <p:cNvPr id="3" name="内容占位符 2">
+              <a:t>设计简图</a:t>
+            </a:r>
+          </a:p>
+        </p:txBody>
+      </p:sp>
+      <p:pic>
+        <p:nvPicPr>
+          <p:cNvPr id="4" name="内容占位符 3">
             <a:extLst>
               <a:ext uri="{FF2B5EF4-FFF2-40B4-BE49-F238E27FC236}">
-                <a16:creationId xmlns:a16="http://schemas.microsoft.com/office/drawing/2014/main" id="{F2C2EF08-428F-4727-BF1C-2F3F359DD243}"/>
+                <a16:creationId xmlns:a16="http://schemas.microsoft.com/office/drawing/2014/main" id="{AC52088C-1781-4D56-A336-BF8F8429DBF9}"/>
               </a:ext>
             </a:extLst>
           </p:cNvPr>
-          <p:cNvSpPr>
-            <a:spLocks noGrp="1"/>
-          </p:cNvSpPr>
+          <p:cNvPicPr>
+            <a:picLocks noGrp="1" noChangeAspect="1"/>
+          </p:cNvPicPr>
           <p:nvPr>
             <p:ph idx="1"/>
           </p:nvPr>
-        </p:nvSpPr>
-        <p:spPr/>
-        <p:txBody>
-          <a:bodyPr/>
-          <a:lstStyle/>
-          <a:p>
-            <a:r>
-              <a:rPr lang="zh-CN" altLang="en-US" dirty="0"/>
-              <a:t>使用异步高效率</a:t>
-            </a:r>
-            <a:r>
-              <a:rPr lang="en-US" altLang="zh-CN" dirty="0"/>
-              <a:t>Java NIO</a:t>
-            </a:r>
-          </a:p>
-          <a:p>
-            <a:r>
-              <a:rPr lang="zh-CN" altLang="en-US" dirty="0"/>
-              <a:t>自定义消息协议和自定义分发规则</a:t>
-            </a:r>
-            <a:endParaRPr lang="en-US" altLang="zh-CN" dirty="0"/>
-          </a:p>
-          <a:p>
-            <a:r>
-              <a:rPr lang="zh-CN" altLang="en-US" dirty="0"/>
-              <a:t>可根据情况在效率、稳定性和信息完整度之间进行调整</a:t>
-            </a:r>
-            <a:endParaRPr lang="en-US" altLang="zh-CN" dirty="0"/>
-          </a:p>
-          <a:p>
-            <a:r>
-              <a:rPr lang="zh-CN" altLang="en-US" dirty="0"/>
-              <a:t>允许消息延迟，原则上保证消息完整</a:t>
-            </a:r>
-            <a:endParaRPr lang="en-US" altLang="zh-CN" dirty="0"/>
-          </a:p>
-          <a:p>
-            <a:r>
-              <a:rPr lang="zh-CN" altLang="en-US" dirty="0"/>
-              <a:t>可根据接收方实际处理能力帮助其进行缓存</a:t>
-            </a:r>
-            <a:endParaRPr lang="en-US" altLang="zh-CN" dirty="0"/>
-          </a:p>
-          <a:p>
-            <a:r>
-              <a:rPr lang="zh-CN" altLang="en-US" dirty="0"/>
-              <a:t>支持简单日志</a:t>
-            </a:r>
-            <a:endParaRPr lang="en-US" altLang="zh-CN" dirty="0"/>
-          </a:p>
-          <a:p>
-            <a:r>
-              <a:rPr lang="zh-CN" altLang="en-US" dirty="0"/>
-              <a:t>支持文件配置和数据库配置</a:t>
-            </a:r>
-          </a:p>
-        </p:txBody>
-      </p:sp>
+        </p:nvPicPr>
+        <p:blipFill>
+          <a:blip r:embed="rId2"/>
+          <a:stretch>
+            <a:fillRect/>
+          </a:stretch>
+        </p:blipFill>
+        <p:spPr>
+          <a:xfrm>
+            <a:off x="906550" y="2001476"/>
+            <a:ext cx="8865363" cy="4242345"/>
+          </a:xfrm>
+          <a:prstGeom prst="rect">
+            <a:avLst/>
+          </a:prstGeom>
+        </p:spPr>
+      </p:pic>
     </p:spTree>
     <p:extLst>
       <p:ext uri="{BB962C8B-B14F-4D97-AF65-F5344CB8AC3E}">
-        <p14:creationId xmlns:p14="http://schemas.microsoft.com/office/powerpoint/2010/main" val="1461189858"/>
+        <p14:creationId xmlns:p14="http://schemas.microsoft.com/office/powerpoint/2010/main" val="4292724439"/>
       </p:ext>
     </p:extLst>
   </p:cSld>
@@ -3766,6 +8202,149 @@
           <p:cNvPr id="2" name="标题 1">
             <a:extLst>
               <a:ext uri="{FF2B5EF4-FFF2-40B4-BE49-F238E27FC236}">
+                <a16:creationId xmlns:a16="http://schemas.microsoft.com/office/drawing/2014/main" id="{F5F5E766-0E42-4F5C-8E00-8F45278A6FD4}"/>
+              </a:ext>
+            </a:extLst>
+          </p:cNvPr>
+          <p:cNvSpPr>
+            <a:spLocks noGrp="1"/>
+          </p:cNvSpPr>
+          <p:nvPr>
+            <p:ph type="title"/>
+          </p:nvPr>
+        </p:nvSpPr>
+        <p:spPr/>
+        <p:txBody>
+          <a:bodyPr/>
+          <a:lstStyle/>
+          <a:p>
+            <a:r>
+              <a:rPr lang="zh-CN" altLang="en-US" dirty="0"/>
+              <a:t>设计说明</a:t>
+            </a:r>
+          </a:p>
+        </p:txBody>
+      </p:sp>
+      <p:sp>
+        <p:nvSpPr>
+          <p:cNvPr id="3" name="内容占位符 2">
+            <a:extLst>
+              <a:ext uri="{FF2B5EF4-FFF2-40B4-BE49-F238E27FC236}">
+                <a16:creationId xmlns:a16="http://schemas.microsoft.com/office/drawing/2014/main" id="{384A4484-6989-47DC-A5FE-71596A1C8F20}"/>
+              </a:ext>
+            </a:extLst>
+          </p:cNvPr>
+          <p:cNvSpPr>
+            <a:spLocks noGrp="1"/>
+          </p:cNvSpPr>
+          <p:nvPr>
+            <p:ph idx="1"/>
+          </p:nvPr>
+        </p:nvSpPr>
+        <p:spPr/>
+        <p:txBody>
+          <a:bodyPr>
+            <a:normAutofit/>
+          </a:bodyPr>
+          <a:lstStyle/>
+          <a:p>
+            <a:r>
+              <a:rPr lang="zh-CN" altLang="en-US" dirty="0"/>
+              <a:t>主线程提供启动和调度服务</a:t>
+            </a:r>
+            <a:endParaRPr lang="en-US" altLang="zh-CN" dirty="0"/>
+          </a:p>
+          <a:p>
+            <a:r>
+              <a:rPr lang="zh-CN" altLang="en-US" dirty="0"/>
+              <a:t>根据配置文件先期启动带缓存的客户线程</a:t>
+            </a:r>
+            <a:endParaRPr lang="en-US" altLang="zh-CN" dirty="0"/>
+          </a:p>
+          <a:p>
+            <a:r>
+              <a:rPr lang="zh-CN" altLang="en-US" dirty="0"/>
+              <a:t>在客户端未连接或接收延迟的情况下进行缓存</a:t>
+            </a:r>
+            <a:endParaRPr lang="en-US" altLang="zh-CN" dirty="0"/>
+          </a:p>
+          <a:p>
+            <a:r>
+              <a:rPr lang="zh-CN" altLang="en-US" dirty="0"/>
+              <a:t>避免消息堵塞</a:t>
+            </a:r>
+            <a:endParaRPr lang="en-US" altLang="zh-CN" dirty="0"/>
+          </a:p>
+          <a:p>
+            <a:r>
+              <a:rPr lang="zh-CN" altLang="en-US" dirty="0"/>
+              <a:t>不允许身份相同的客户端重复连接</a:t>
+            </a:r>
+            <a:endParaRPr lang="en-US" altLang="zh-CN" dirty="0"/>
+          </a:p>
+          <a:p>
+            <a:r>
+              <a:rPr lang="zh-CN" altLang="en-US" dirty="0"/>
+              <a:t>消息协议单独定制</a:t>
+            </a:r>
+            <a:endParaRPr lang="en-US" altLang="zh-CN" dirty="0"/>
+          </a:p>
+          <a:p>
+            <a:r>
+              <a:rPr lang="zh-CN" altLang="en-US" dirty="0"/>
+              <a:t>支持简单外部管理</a:t>
+            </a:r>
+            <a:endParaRPr lang="en-US" altLang="zh-CN" dirty="0"/>
+          </a:p>
+          <a:p>
+            <a:pPr marL="0" indent="0">
+              <a:buNone/>
+            </a:pPr>
+            <a:endParaRPr lang="en-US" altLang="zh-CN" dirty="0"/>
+          </a:p>
+          <a:p>
+            <a:endParaRPr lang="en-US" altLang="zh-CN" dirty="0"/>
+          </a:p>
+          <a:p>
+            <a:endParaRPr lang="zh-CN" altLang="en-US" dirty="0"/>
+          </a:p>
+        </p:txBody>
+      </p:sp>
+    </p:spTree>
+    <p:extLst>
+      <p:ext uri="{BB962C8B-B14F-4D97-AF65-F5344CB8AC3E}">
+        <p14:creationId xmlns:p14="http://schemas.microsoft.com/office/powerpoint/2010/main" val="2512430142"/>
+      </p:ext>
+    </p:extLst>
+  </p:cSld>
+  <p:clrMapOvr>
+    <a:masterClrMapping/>
+  </p:clrMapOvr>
+</p:sld>
+</file>
+
+<file path=ppt/slides/slide6.xml><?xml version="1.0" encoding="utf-8"?>
+<p:sld xmlns:a="http://schemas.openxmlformats.org/drawingml/2006/main" xmlns:r="http://schemas.openxmlformats.org/officeDocument/2006/relationships" xmlns:p="http://schemas.openxmlformats.org/presentationml/2006/main">
+  <p:cSld>
+    <p:spTree>
+      <p:nvGrpSpPr>
+        <p:cNvPr id="1" name=""/>
+        <p:cNvGrpSpPr/>
+        <p:nvPr/>
+      </p:nvGrpSpPr>
+      <p:grpSpPr>
+        <a:xfrm>
+          <a:off x="0" y="0"/>
+          <a:ext cx="0" cy="0"/>
+          <a:chOff x="0" y="0"/>
+          <a:chExt cx="0" cy="0"/>
+        </a:xfrm>
+      </p:grpSpPr>
+      <p:sp>
+        <p:nvSpPr>
+          <p:cNvPr id="2" name="标题 1">
+            <a:extLst>
+              <a:ext uri="{FF2B5EF4-FFF2-40B4-BE49-F238E27FC236}">
                 <a16:creationId xmlns:a16="http://schemas.microsoft.com/office/drawing/2014/main" id="{78D73C8A-E55D-4ED7-954D-7F43B4AEB98B}"/>
               </a:ext>
             </a:extLst>
@@ -3860,6 +8439,13 @@
             <a:r>
               <a:rPr lang="zh-CN" altLang="en-US" dirty="0"/>
               <a:t>简单的桌面管理环境</a:t>
+            </a:r>
+            <a:endParaRPr lang="en-US" altLang="zh-CN" dirty="0"/>
+          </a:p>
+          <a:p>
+            <a:r>
+              <a:rPr lang="zh-CN" altLang="en-US" dirty="0"/>
+              <a:t>管理工具跨平台</a:t>
             </a:r>
             <a:endParaRPr lang="en-US" altLang="zh-CN" dirty="0"/>
           </a:p>
@@ -3893,7 +8479,7 @@
         </p:blipFill>
         <p:spPr>
           <a:xfrm>
-            <a:off x="6997563" y="3459125"/>
+            <a:off x="6275462" y="3242646"/>
             <a:ext cx="2766502" cy="3196250"/>
           </a:xfrm>
           <a:prstGeom prst="rect">
@@ -3914,10 +8500,249 @@
 </p:sld>
 </file>
 
+<file path=ppt/slides/slide7.xml><?xml version="1.0" encoding="utf-8"?>
+<p:sld xmlns:a="http://schemas.openxmlformats.org/drawingml/2006/main" xmlns:r="http://schemas.openxmlformats.org/officeDocument/2006/relationships" xmlns:p="http://schemas.openxmlformats.org/presentationml/2006/main">
+  <p:cSld>
+    <p:spTree>
+      <p:nvGrpSpPr>
+        <p:cNvPr id="1" name=""/>
+        <p:cNvGrpSpPr/>
+        <p:nvPr/>
+      </p:nvGrpSpPr>
+      <p:grpSpPr>
+        <a:xfrm>
+          <a:off x="0" y="0"/>
+          <a:ext cx="0" cy="0"/>
+          <a:chOff x="0" y="0"/>
+          <a:chExt cx="0" cy="0"/>
+        </a:xfrm>
+      </p:grpSpPr>
+      <p:sp>
+        <p:nvSpPr>
+          <p:cNvPr id="2" name="标题 1">
+            <a:extLst>
+              <a:ext uri="{FF2B5EF4-FFF2-40B4-BE49-F238E27FC236}">
+                <a16:creationId xmlns:a16="http://schemas.microsoft.com/office/drawing/2014/main" id="{502F5188-E4E3-4DD2-AFAC-066FB24251D2}"/>
+              </a:ext>
+            </a:extLst>
+          </p:cNvPr>
+          <p:cNvSpPr>
+            <a:spLocks noGrp="1"/>
+          </p:cNvSpPr>
+          <p:nvPr>
+            <p:ph type="title"/>
+          </p:nvPr>
+        </p:nvSpPr>
+        <p:spPr/>
+        <p:txBody>
+          <a:bodyPr/>
+          <a:lstStyle/>
+          <a:p>
+            <a:r>
+              <a:rPr lang="zh-CN" altLang="en-US" dirty="0"/>
+              <a:t>对</a:t>
+            </a:r>
+            <a:r>
+              <a:rPr lang="en-US" altLang="zh-CN" dirty="0"/>
+              <a:t>MF</a:t>
+            </a:r>
+            <a:r>
+              <a:rPr lang="zh-CN" altLang="en-US" dirty="0"/>
+              <a:t>未来的展望</a:t>
+            </a:r>
+          </a:p>
+        </p:txBody>
+      </p:sp>
+      <p:sp>
+        <p:nvSpPr>
+          <p:cNvPr id="3" name="内容占位符 2">
+            <a:extLst>
+              <a:ext uri="{FF2B5EF4-FFF2-40B4-BE49-F238E27FC236}">
+                <a16:creationId xmlns:a16="http://schemas.microsoft.com/office/drawing/2014/main" id="{4AD1B65C-6480-4513-8394-9A0B9A6738F5}"/>
+              </a:ext>
+            </a:extLst>
+          </p:cNvPr>
+          <p:cNvSpPr>
+            <a:spLocks noGrp="1"/>
+          </p:cNvSpPr>
+          <p:nvPr>
+            <p:ph idx="1"/>
+          </p:nvPr>
+        </p:nvSpPr>
+        <p:spPr/>
+        <p:txBody>
+          <a:bodyPr/>
+          <a:lstStyle/>
+          <a:p>
+            <a:r>
+              <a:rPr lang="zh-CN" altLang="en-US" dirty="0"/>
+              <a:t>支持更灵活的消息调度</a:t>
+            </a:r>
+            <a:endParaRPr lang="en-US" altLang="zh-CN" dirty="0"/>
+          </a:p>
+          <a:p>
+            <a:r>
+              <a:rPr lang="zh-CN" altLang="en-US" dirty="0"/>
+              <a:t>支持大容量消息调度</a:t>
+            </a:r>
+            <a:endParaRPr lang="en-US" altLang="zh-CN" dirty="0"/>
+          </a:p>
+          <a:p>
+            <a:r>
+              <a:rPr lang="zh-CN" altLang="en-US" dirty="0"/>
+              <a:t>在保持稳定的基础上支持灵活的管理模式</a:t>
+            </a:r>
+            <a:endParaRPr lang="en-US" altLang="zh-CN" dirty="0"/>
+          </a:p>
+          <a:p>
+            <a:r>
+              <a:rPr lang="zh-CN" altLang="en-US" dirty="0"/>
+              <a:t>考虑支持短连接</a:t>
+            </a:r>
+            <a:endParaRPr lang="en-US" altLang="zh-CN" dirty="0"/>
+          </a:p>
+          <a:p>
+            <a:r>
+              <a:rPr lang="zh-CN" altLang="en-US" dirty="0"/>
+              <a:t>考虑支持</a:t>
+            </a:r>
+            <a:r>
+              <a:rPr lang="en-US" altLang="zh-CN" dirty="0"/>
+              <a:t>Web</a:t>
+            </a:r>
+            <a:r>
+              <a:rPr lang="zh-CN" altLang="en-US" dirty="0"/>
+              <a:t>模式消息传输</a:t>
+            </a:r>
+            <a:endParaRPr lang="en-US" altLang="zh-CN" dirty="0"/>
+          </a:p>
+          <a:p>
+            <a:r>
+              <a:rPr lang="zh-CN" altLang="en-US" dirty="0"/>
+              <a:t>考虑支持数据持久化</a:t>
+            </a:r>
+            <a:endParaRPr lang="en-US" altLang="zh-CN" dirty="0"/>
+          </a:p>
+          <a:p>
+            <a:r>
+              <a:rPr lang="zh-CN" altLang="en-US" dirty="0"/>
+              <a:t>考虑支持性能报告</a:t>
+            </a:r>
+            <a:endParaRPr lang="en-US" altLang="zh-CN" dirty="0"/>
+          </a:p>
+          <a:p>
+            <a:pPr marL="0" indent="0">
+              <a:buNone/>
+            </a:pPr>
+            <a:endParaRPr lang="zh-CN" altLang="en-US" dirty="0"/>
+          </a:p>
+        </p:txBody>
+      </p:sp>
+    </p:spTree>
+    <p:extLst>
+      <p:ext uri="{BB962C8B-B14F-4D97-AF65-F5344CB8AC3E}">
+        <p14:creationId xmlns:p14="http://schemas.microsoft.com/office/powerpoint/2010/main" val="663376116"/>
+      </p:ext>
+    </p:extLst>
+  </p:cSld>
+  <p:clrMapOvr>
+    <a:masterClrMapping/>
+  </p:clrMapOvr>
+</p:sld>
+</file>
+
+<file path=ppt/slides/slide8.xml><?xml version="1.0" encoding="utf-8"?>
+<p:sld xmlns:a="http://schemas.openxmlformats.org/drawingml/2006/main" xmlns:r="http://schemas.openxmlformats.org/officeDocument/2006/relationships" xmlns:p="http://schemas.openxmlformats.org/presentationml/2006/main">
+  <p:cSld>
+    <p:spTree>
+      <p:nvGrpSpPr>
+        <p:cNvPr id="1" name=""/>
+        <p:cNvGrpSpPr/>
+        <p:nvPr/>
+      </p:nvGrpSpPr>
+      <p:grpSpPr>
+        <a:xfrm>
+          <a:off x="0" y="0"/>
+          <a:ext cx="0" cy="0"/>
+          <a:chOff x="0" y="0"/>
+          <a:chExt cx="0" cy="0"/>
+        </a:xfrm>
+      </p:grpSpPr>
+      <p:sp>
+        <p:nvSpPr>
+          <p:cNvPr id="2" name="矩形 1">
+            <a:extLst>
+              <a:ext uri="{FF2B5EF4-FFF2-40B4-BE49-F238E27FC236}">
+                <a16:creationId xmlns:a16="http://schemas.microsoft.com/office/drawing/2014/main" id="{2AFB89DE-BE04-4391-8313-E405513F2DBE}"/>
+              </a:ext>
+            </a:extLst>
+          </p:cNvPr>
+          <p:cNvSpPr/>
+          <p:nvPr/>
+        </p:nvSpPr>
+        <p:spPr>
+          <a:xfrm>
+            <a:off x="5314373" y="2967335"/>
+            <a:ext cx="1563249" cy="923330"/>
+          </a:xfrm>
+          <a:prstGeom prst="rect">
+            <a:avLst/>
+          </a:prstGeom>
+          <a:noFill/>
+        </p:spPr>
+        <p:txBody>
+          <a:bodyPr wrap="none" lIns="91440" tIns="45720" rIns="91440" bIns="45720">
+            <a:spAutoFit/>
+          </a:bodyPr>
+          <a:lstStyle/>
+          <a:p>
+            <a:pPr algn="ctr"/>
+            <a:r>
+              <a:rPr lang="zh-CN" altLang="en-US" sz="5400" dirty="0">
+                <a:ln w="0"/>
+                <a:effectLst>
+                  <a:outerShdw blurRad="38100" dist="19050" dir="2700000" algn="tl" rotWithShape="0">
+                    <a:schemeClr val="dk1">
+                      <a:alpha val="40000"/>
+                    </a:schemeClr>
+                  </a:outerShdw>
+                </a:effectLst>
+              </a:rPr>
+              <a:t>谢谢</a:t>
+            </a:r>
+            <a:endParaRPr lang="zh-CN" altLang="en-US" sz="5400" b="0" cap="none" spc="0" dirty="0">
+              <a:ln w="0"/>
+              <a:solidFill>
+                <a:schemeClr val="tx1"/>
+              </a:solidFill>
+              <a:effectLst>
+                <a:outerShdw blurRad="38100" dist="19050" dir="2700000" algn="tl" rotWithShape="0">
+                  <a:schemeClr val="dk1">
+                    <a:alpha val="40000"/>
+                  </a:schemeClr>
+                </a:outerShdw>
+              </a:effectLst>
+            </a:endParaRPr>
+          </a:p>
+        </p:txBody>
+      </p:sp>
+    </p:spTree>
+    <p:extLst>
+      <p:ext uri="{BB962C8B-B14F-4D97-AF65-F5344CB8AC3E}">
+        <p14:creationId xmlns:p14="http://schemas.microsoft.com/office/powerpoint/2010/main" val="3332367486"/>
+      </p:ext>
+    </p:extLst>
+  </p:cSld>
+  <p:clrMapOvr>
+    <a:masterClrMapping/>
+  </p:clrMapOvr>
+</p:sld>
+</file>
+
 <file path=ppt/theme/theme1.xml><?xml version="1.0" encoding="utf-8"?>
-<a:theme xmlns:a="http://schemas.openxmlformats.org/drawingml/2006/main" name="Office 主题​​">
+<a:theme xmlns:a="http://schemas.openxmlformats.org/drawingml/2006/main" name="柏林">
   <a:themeElements>
-    <a:clrScheme name="Office">
+    <a:clrScheme name="柏林">
       <a:dk1>
         <a:sysClr val="windowText" lastClr="000000"/>
       </a:dk1>
@@ -3925,44 +8750,44 @@
         <a:sysClr val="window" lastClr="FFFFFF"/>
       </a:lt1>
       <a:dk2>
-        <a:srgbClr val="44546A"/>
+        <a:srgbClr val="9D360E"/>
       </a:dk2>
       <a:lt2>
         <a:srgbClr val="E7E6E6"/>
       </a:lt2>
       <a:accent1>
-        <a:srgbClr val="4472C4"/>
+        <a:srgbClr val="F09415"/>
       </a:accent1>
       <a:accent2>
-        <a:srgbClr val="ED7D31"/>
+        <a:srgbClr val="C1B56B"/>
       </a:accent2>
       <a:accent3>
-        <a:srgbClr val="A5A5A5"/>
+        <a:srgbClr val="4BAF73"/>
       </a:accent3>
       <a:accent4>
-        <a:srgbClr val="FFC000"/>
+        <a:srgbClr val="5AA6C0"/>
       </a:accent4>
       <a:accent5>
-        <a:srgbClr val="5B9BD5"/>
+        <a:srgbClr val="D17DF9"/>
       </a:accent5>
       <a:accent6>
-        <a:srgbClr val="70AD47"/>
+        <a:srgbClr val="FA7E5C"/>
       </a:accent6>
       <a:hlink>
-        <a:srgbClr val="0563C1"/>
+        <a:srgbClr val="FFAE3E"/>
       </a:hlink>
       <a:folHlink>
-        <a:srgbClr val="954F72"/>
+        <a:srgbClr val="FCC77E"/>
       </a:folHlink>
     </a:clrScheme>
-    <a:fontScheme name="Office">
+    <a:fontScheme name="柏林">
       <a:majorFont>
-        <a:latin typeface="等线 Light" panose="020F0302020204030204"/>
+        <a:latin typeface="Trebuchet MS" panose="020B0603020202020204"/>
         <a:ea typeface=""/>
         <a:cs typeface=""/>
-        <a:font script="Jpan" typeface="游ゴシック Light"/>
+        <a:font script="Jpan" typeface="ＭＳ Ｐゴシック"/>
         <a:font script="Hang" typeface="맑은 고딕"/>
-        <a:font script="Hans" typeface="等线 Light"/>
+        <a:font script="Hans" typeface="宋体"/>
         <a:font script="Hant" typeface="新細明體"/>
         <a:font script="Arab" typeface="Times New Roman"/>
         <a:font script="Hebr" typeface="Times New Roman"/>
@@ -3990,31 +8815,14 @@
         <a:font script="Viet" typeface="Times New Roman"/>
         <a:font script="Uigh" typeface="Microsoft Uighur"/>
         <a:font script="Geor" typeface="Sylfaen"/>
-        <a:font script="Armn" typeface="Arial"/>
-        <a:font script="Bugi" typeface="Leelawadee UI"/>
-        <a:font script="Bopo" typeface="Microsoft JhengHei"/>
-        <a:font script="Java" typeface="Javanese Text"/>
-        <a:font script="Lisu" typeface="Segoe UI"/>
-        <a:font script="Mymr" typeface="Myanmar Text"/>
-        <a:font script="Nkoo" typeface="Ebrima"/>
-        <a:font script="Olck" typeface="Nirmala UI"/>
-        <a:font script="Osma" typeface="Ebrima"/>
-        <a:font script="Phag" typeface="Phagspa"/>
-        <a:font script="Syrn" typeface="Estrangelo Edessa"/>
-        <a:font script="Syrj" typeface="Estrangelo Edessa"/>
-        <a:font script="Syre" typeface="Estrangelo Edessa"/>
-        <a:font script="Sora" typeface="Nirmala UI"/>
-        <a:font script="Tale" typeface="Microsoft Tai Le"/>
-        <a:font script="Talu" typeface="Microsoft New Tai Lue"/>
-        <a:font script="Tfng" typeface="Ebrima"/>
       </a:majorFont>
       <a:minorFont>
-        <a:latin typeface="等线" panose="020F0502020204030204"/>
+        <a:latin typeface="Trebuchet MS" panose="020B0603020202020204"/>
         <a:ea typeface=""/>
         <a:cs typeface=""/>
-        <a:font script="Jpan" typeface="游ゴシック"/>
+        <a:font script="Jpan" typeface="ＭＳ Ｐゴシック"/>
         <a:font script="Hang" typeface="맑은 고딕"/>
-        <a:font script="Hans" typeface="等线"/>
+        <a:font script="Hans" typeface="宋体"/>
         <a:font script="Hant" typeface="新細明體"/>
         <a:font script="Arab" typeface="Arial"/>
         <a:font script="Hebr" typeface="Arial"/>
@@ -4042,26 +8850,9 @@
         <a:font script="Viet" typeface="Arial"/>
         <a:font script="Uigh" typeface="Microsoft Uighur"/>
         <a:font script="Geor" typeface="Sylfaen"/>
-        <a:font script="Armn" typeface="Arial"/>
-        <a:font script="Bugi" typeface="Leelawadee UI"/>
-        <a:font script="Bopo" typeface="Microsoft JhengHei"/>
-        <a:font script="Java" typeface="Javanese Text"/>
-        <a:font script="Lisu" typeface="Segoe UI"/>
-        <a:font script="Mymr" typeface="Myanmar Text"/>
-        <a:font script="Nkoo" typeface="Ebrima"/>
-        <a:font script="Olck" typeface="Nirmala UI"/>
-        <a:font script="Osma" typeface="Ebrima"/>
-        <a:font script="Phag" typeface="Phagspa"/>
-        <a:font script="Syrn" typeface="Estrangelo Edessa"/>
-        <a:font script="Syrj" typeface="Estrangelo Edessa"/>
-        <a:font script="Syre" typeface="Estrangelo Edessa"/>
-        <a:font script="Sora" typeface="Nirmala UI"/>
-        <a:font script="Tale" typeface="Microsoft Tai Le"/>
-        <a:font script="Talu" typeface="Microsoft New Tai Lue"/>
-        <a:font script="Tfng" typeface="Ebrima"/>
       </a:minorFont>
     </a:fontScheme>
-    <a:fmtScheme name="Office">
+    <a:fmtScheme name="柏林">
       <a:fillStyleLst>
         <a:solidFill>
           <a:schemeClr val="phClr"/>
@@ -4070,23 +8861,16 @@
           <a:gsLst>
             <a:gs pos="0">
               <a:schemeClr val="phClr">
+                <a:tint val="60000"/>
+                <a:satMod val="100000"/>
                 <a:lumMod val="110000"/>
-                <a:satMod val="105000"/>
-                <a:tint val="67000"/>
-              </a:schemeClr>
-            </a:gs>
-            <a:gs pos="50000">
-              <a:schemeClr val="phClr">
-                <a:lumMod val="105000"/>
-                <a:satMod val="103000"/>
-                <a:tint val="73000"/>
               </a:schemeClr>
             </a:gs>
             <a:gs pos="100000">
               <a:schemeClr val="phClr">
-                <a:lumMod val="105000"/>
-                <a:satMod val="109000"/>
-                <a:tint val="81000"/>
+                <a:tint val="70000"/>
+                <a:satMod val="100000"/>
+                <a:lumMod val="100000"/>
               </a:schemeClr>
             </a:gs>
           </a:gsLst>
@@ -4096,23 +8880,23 @@
           <a:gsLst>
             <a:gs pos="0">
               <a:schemeClr val="phClr">
+                <a:tint val="94000"/>
                 <a:satMod val="103000"/>
                 <a:lumMod val="102000"/>
-                <a:tint val="94000"/>
               </a:schemeClr>
             </a:gs>
             <a:gs pos="50000">
               <a:schemeClr val="phClr">
+                <a:shade val="100000"/>
                 <a:satMod val="110000"/>
                 <a:lumMod val="100000"/>
-                <a:shade val="100000"/>
               </a:schemeClr>
             </a:gs>
             <a:gs pos="100000">
               <a:schemeClr val="phClr">
+                <a:shade val="78000"/>
+                <a:satMod val="120000"/>
                 <a:lumMod val="99000"/>
-                <a:satMod val="120000"/>
-                <a:shade val="78000"/>
               </a:schemeClr>
             </a:gs>
           </a:gsLst>
@@ -4120,26 +8904,23 @@
         </a:gradFill>
       </a:fillStyleLst>
       <a:lnStyleLst>
-        <a:ln w="6350" cap="flat" cmpd="sng" algn="ctr">
+        <a:ln w="9525" cap="flat" cmpd="sng" algn="ctr">
           <a:solidFill>
             <a:schemeClr val="phClr"/>
           </a:solidFill>
           <a:prstDash val="solid"/>
-          <a:miter lim="800000"/>
         </a:ln>
         <a:ln w="12700" cap="flat" cmpd="sng" algn="ctr">
           <a:solidFill>
             <a:schemeClr val="phClr"/>
           </a:solidFill>
           <a:prstDash val="solid"/>
-          <a:miter lim="800000"/>
         </a:ln>
         <a:ln w="19050" cap="flat" cmpd="sng" algn="ctr">
           <a:solidFill>
             <a:schemeClr val="phClr"/>
           </a:solidFill>
           <a:prstDash val="solid"/>
-          <a:miter lim="800000"/>
         </a:ln>
       </a:lnStyleLst>
       <a:effectStyleLst>
@@ -4173,28 +8954,31 @@
           <a:gsLst>
             <a:gs pos="0">
               <a:schemeClr val="phClr">
-                <a:tint val="93000"/>
-                <a:satMod val="150000"/>
-                <a:shade val="98000"/>
-                <a:lumMod val="102000"/>
+                <a:tint val="96000"/>
+                <a:shade val="100000"/>
+                <a:hueMod val="270000"/>
+                <a:satMod val="200000"/>
+                <a:lumMod val="128000"/>
               </a:schemeClr>
             </a:gs>
             <a:gs pos="50000">
               <a:schemeClr val="phClr">
-                <a:tint val="98000"/>
-                <a:satMod val="130000"/>
-                <a:shade val="90000"/>
-                <a:lumMod val="103000"/>
+                <a:shade val="100000"/>
+                <a:hueMod val="100000"/>
+                <a:satMod val="110000"/>
+                <a:lumMod val="130000"/>
               </a:schemeClr>
             </a:gs>
             <a:gs pos="100000">
               <a:schemeClr val="phClr">
-                <a:shade val="63000"/>
-                <a:satMod val="120000"/>
+                <a:shade val="78000"/>
+                <a:hueMod val="44000"/>
+                <a:satMod val="200000"/>
+                <a:lumMod val="69000"/>
               </a:schemeClr>
             </a:gs>
           </a:gsLst>
-          <a:lin ang="5400000" scaled="0"/>
+          <a:lin ang="2520000" scaled="0"/>
         </a:gradFill>
       </a:bgFillStyleLst>
     </a:fmtScheme>
@@ -4203,7 +8987,7 @@
   <a:extraClrSchemeLst/>
   <a:extLst>
     <a:ext uri="{05A4C25C-085E-4340-85A3-A5531E510DB2}">
-      <thm15:themeFamily xmlns:thm15="http://schemas.microsoft.com/office/thememl/2012/main" name="Office Theme" id="{62F939B6-93AF-4DB8-9C6B-D6C7DFDC589F}" vid="{4A3C46E8-61CC-4603-A589-7422A47A8E4A}"/>
+      <thm15:themeFamily xmlns:thm15="http://schemas.microsoft.com/office/thememl/2012/main" name="Berlin" id="{7B5DBA9E-B069-418E-9360-A61BDD0615A4}" vid="{C0CBE056-4EF4-4D92-969E-947779DA7AAA}"/>
     </a:ext>
   </a:extLst>
 </a:theme>
